--- a/Presentaciones/Presentación Sesión 3 21-08-2020.pptx
+++ b/Presentaciones/Presentación Sesión 3 21-08-2020.pptx
@@ -24,6 +24,9 @@
     <p:sldId id="288" r:id="rId18"/>
     <p:sldId id="289" r:id="rId19"/>
     <p:sldId id="290" r:id="rId20"/>
+    <p:sldId id="293" r:id="rId21"/>
+    <p:sldId id="292" r:id="rId22"/>
+    <p:sldId id="294" r:id="rId23"/>
   </p:sldIdLst>
   <p:sldSz cx="12192000" cy="6858000"/>
   <p:notesSz cx="6858000" cy="9144000"/>
@@ -261,7 +264,7 @@
           <a:p>
             <a:fld id="{83D35A97-546D-44DD-A3B7-52D027ED84E5}" type="datetimeFigureOut">
               <a:rPr lang="es-CO" smtClean="0"/>
-              <a:t>21/08/2020</a:t>
+              <a:t>28/08/2020</a:t>
             </a:fld>
             <a:endParaRPr lang="es-CO"/>
           </a:p>
@@ -431,7 +434,7 @@
           <a:p>
             <a:fld id="{83D35A97-546D-44DD-A3B7-52D027ED84E5}" type="datetimeFigureOut">
               <a:rPr lang="es-CO" smtClean="0"/>
-              <a:t>21/08/2020</a:t>
+              <a:t>28/08/2020</a:t>
             </a:fld>
             <a:endParaRPr lang="es-CO"/>
           </a:p>
@@ -611,7 +614,7 @@
           <a:p>
             <a:fld id="{83D35A97-546D-44DD-A3B7-52D027ED84E5}" type="datetimeFigureOut">
               <a:rPr lang="es-CO" smtClean="0"/>
-              <a:t>21/08/2020</a:t>
+              <a:t>28/08/2020</a:t>
             </a:fld>
             <a:endParaRPr lang="es-CO"/>
           </a:p>
@@ -781,7 +784,7 @@
           <a:p>
             <a:fld id="{83D35A97-546D-44DD-A3B7-52D027ED84E5}" type="datetimeFigureOut">
               <a:rPr lang="es-CO" smtClean="0"/>
-              <a:t>21/08/2020</a:t>
+              <a:t>28/08/2020</a:t>
             </a:fld>
             <a:endParaRPr lang="es-CO"/>
           </a:p>
@@ -1027,7 +1030,7 @@
           <a:p>
             <a:fld id="{83D35A97-546D-44DD-A3B7-52D027ED84E5}" type="datetimeFigureOut">
               <a:rPr lang="es-CO" smtClean="0"/>
-              <a:t>21/08/2020</a:t>
+              <a:t>28/08/2020</a:t>
             </a:fld>
             <a:endParaRPr lang="es-CO"/>
           </a:p>
@@ -1259,7 +1262,7 @@
           <a:p>
             <a:fld id="{83D35A97-546D-44DD-A3B7-52D027ED84E5}" type="datetimeFigureOut">
               <a:rPr lang="es-CO" smtClean="0"/>
-              <a:t>21/08/2020</a:t>
+              <a:t>28/08/2020</a:t>
             </a:fld>
             <a:endParaRPr lang="es-CO"/>
           </a:p>
@@ -1626,7 +1629,7 @@
           <a:p>
             <a:fld id="{83D35A97-546D-44DD-A3B7-52D027ED84E5}" type="datetimeFigureOut">
               <a:rPr lang="es-CO" smtClean="0"/>
-              <a:t>21/08/2020</a:t>
+              <a:t>28/08/2020</a:t>
             </a:fld>
             <a:endParaRPr lang="es-CO"/>
           </a:p>
@@ -1744,7 +1747,7 @@
           <a:p>
             <a:fld id="{83D35A97-546D-44DD-A3B7-52D027ED84E5}" type="datetimeFigureOut">
               <a:rPr lang="es-CO" smtClean="0"/>
-              <a:t>21/08/2020</a:t>
+              <a:t>28/08/2020</a:t>
             </a:fld>
             <a:endParaRPr lang="es-CO"/>
           </a:p>
@@ -1839,7 +1842,7 @@
           <a:p>
             <a:fld id="{83D35A97-546D-44DD-A3B7-52D027ED84E5}" type="datetimeFigureOut">
               <a:rPr lang="es-CO" smtClean="0"/>
-              <a:t>21/08/2020</a:t>
+              <a:t>28/08/2020</a:t>
             </a:fld>
             <a:endParaRPr lang="es-CO"/>
           </a:p>
@@ -2116,7 +2119,7 @@
           <a:p>
             <a:fld id="{83D35A97-546D-44DD-A3B7-52D027ED84E5}" type="datetimeFigureOut">
               <a:rPr lang="es-CO" smtClean="0"/>
-              <a:t>21/08/2020</a:t>
+              <a:t>28/08/2020</a:t>
             </a:fld>
             <a:endParaRPr lang="es-CO"/>
           </a:p>
@@ -2369,7 +2372,7 @@
           <a:p>
             <a:fld id="{83D35A97-546D-44DD-A3B7-52D027ED84E5}" type="datetimeFigureOut">
               <a:rPr lang="es-CO" smtClean="0"/>
-              <a:t>21/08/2020</a:t>
+              <a:t>28/08/2020</a:t>
             </a:fld>
             <a:endParaRPr lang="es-CO"/>
           </a:p>
@@ -2582,7 +2585,7 @@
           <a:p>
             <a:fld id="{83D35A97-546D-44DD-A3B7-52D027ED84E5}" type="datetimeFigureOut">
               <a:rPr lang="es-CO" smtClean="0"/>
-              <a:t>21/08/2020</a:t>
+              <a:t>28/08/2020</a:t>
             </a:fld>
             <a:endParaRPr lang="es-CO"/>
           </a:p>
@@ -3156,31 +3159,14 @@
             <a:pPr algn="ctr"/>
             <a:r>
               <a:rPr lang="es-CO" sz="3600" b="1" dirty="0" smtClean="0"/>
-              <a:t>SESIÓN </a:t>
-            </a:r>
-            <a:r>
-              <a:rPr lang="es-CO" sz="3600" b="1" dirty="0" smtClean="0"/>
-              <a:t>3 </a:t>
-            </a:r>
-            <a:endParaRPr lang="es-CO" sz="3600" b="1" dirty="0" smtClean="0"/>
+              <a:t>SESIÓN 3 </a:t>
+            </a:r>
           </a:p>
           <a:p>
             <a:pPr algn="ctr"/>
             <a:r>
               <a:rPr lang="es-CO" sz="2400" dirty="0" smtClean="0"/>
-              <a:t>EXPRESIONES </a:t>
-            </a:r>
-            <a:r>
-              <a:rPr lang="es-CO" sz="2400" dirty="0" smtClean="0"/>
-              <a:t>LÓGICAS </a:t>
-            </a:r>
-            <a:r>
-              <a:rPr lang="es-CO" sz="2400" dirty="0" smtClean="0"/>
-              <a:t>Y VECTORES EN </a:t>
-            </a:r>
-            <a:r>
-              <a:rPr lang="es-CO" sz="2400" dirty="0" smtClean="0"/>
-              <a:t>R</a:t>
+              <a:t>EXPRESIONES LÓGICAS Y VECTORES EN R</a:t>
             </a:r>
           </a:p>
           <a:p>
@@ -3193,7 +3179,6 @@
               <a:rPr lang="es-CO" sz="2400" dirty="0" smtClean="0"/>
               <a:t>21/08/2020</a:t>
             </a:r>
-            <a:endParaRPr lang="es-CO" sz="2400" dirty="0" smtClean="0"/>
           </a:p>
           <a:p>
             <a:pPr algn="ctr"/>
@@ -3701,11 +3686,7 @@
           <a:p>
             <a:r>
               <a:rPr lang="es-CO" b="1" dirty="0" smtClean="0"/>
-              <a:t>VECTORES </a:t>
-            </a:r>
-            <a:r>
-              <a:rPr lang="es-CO" b="1" dirty="0" smtClean="0"/>
-              <a:t>EN R</a:t>
+              <a:t>VECTORES EN R</a:t>
             </a:r>
             <a:endParaRPr lang="es-CO" b="1" dirty="0"/>
           </a:p>
@@ -3977,11 +3958,7 @@
           <a:p>
             <a:r>
               <a:rPr lang="es-CO" b="1" dirty="0" smtClean="0"/>
-              <a:t>VECTORES EN </a:t>
-            </a:r>
-            <a:r>
-              <a:rPr lang="es-CO" b="1" dirty="0" smtClean="0"/>
-              <a:t>R</a:t>
+              <a:t>VECTORES EN R</a:t>
             </a:r>
             <a:endParaRPr lang="es-CO" b="1" dirty="0"/>
           </a:p>
@@ -4014,15 +3991,7 @@
                   <a:srgbClr val="00B050"/>
                 </a:solidFill>
               </a:rPr>
-              <a:t>TIPOS DE VECTORES </a:t>
-            </a:r>
-            <a:r>
-              <a:rPr lang="es-CO" b="1" dirty="0" smtClean="0">
-                <a:solidFill>
-                  <a:srgbClr val="00B050"/>
-                </a:solidFill>
-              </a:rPr>
-              <a:t>EN R</a:t>
+              <a:t>TIPOS DE VECTORES EN R</a:t>
             </a:r>
             <a:endParaRPr lang="es-CO" b="1" dirty="0">
               <a:solidFill>
@@ -4073,13 +4042,6 @@
               </a:rPr>
               <a:t>R.</a:t>
             </a:r>
-            <a:endParaRPr lang="es-CO" b="0" i="0" dirty="0" smtClean="0">
-              <a:solidFill>
-                <a:srgbClr val="333333"/>
-              </a:solidFill>
-              <a:effectLst/>
-              <a:latin typeface="Helvetica Neue"/>
-            </a:endParaRPr>
           </a:p>
           <a:p>
             <a:pPr algn="just"/>
@@ -4104,8 +4066,21 @@
                 <a:effectLst/>
                 <a:latin typeface="Helvetica Neue"/>
               </a:rPr>
-              <a:t> </a:t>
-            </a:r>
+              <a:t> Lógicos</a:t>
+            </a:r>
+            <a:endParaRPr lang="es-CO" b="0" i="0" dirty="0" smtClean="0">
+              <a:solidFill>
+                <a:srgbClr val="333333"/>
+              </a:solidFill>
+              <a:effectLst/>
+              <a:latin typeface="Helvetica Neue"/>
+            </a:endParaRPr>
+          </a:p>
+          <a:p>
+            <a:pPr algn="just">
+              <a:buFont typeface="Arial" panose="020B0604020202020204" pitchFamily="34" charset="0"/>
+              <a:buChar char="•"/>
+            </a:pPr>
             <a:r>
               <a:rPr lang="es-CO" b="1" i="1" dirty="0" smtClean="0">
                 <a:solidFill>
@@ -4114,7 +4089,7 @@
                 <a:effectLst/>
                 <a:latin typeface="Helvetica Neue"/>
               </a:rPr>
-              <a:t>Lógicos</a:t>
+              <a:t> Enteros</a:t>
             </a:r>
             <a:endParaRPr lang="es-CO" b="0" i="0" dirty="0" smtClean="0">
               <a:solidFill>
@@ -4137,8 +4112,21 @@
                 <a:effectLst/>
                 <a:latin typeface="Helvetica Neue"/>
               </a:rPr>
-              <a:t> </a:t>
-            </a:r>
+              <a:t> Numéricos</a:t>
+            </a:r>
+            <a:endParaRPr lang="es-CO" b="0" i="0" dirty="0" smtClean="0">
+              <a:solidFill>
+                <a:srgbClr val="333333"/>
+              </a:solidFill>
+              <a:effectLst/>
+              <a:latin typeface="Helvetica Neue"/>
+            </a:endParaRPr>
+          </a:p>
+          <a:p>
+            <a:pPr algn="just">
+              <a:buFont typeface="Arial" panose="020B0604020202020204" pitchFamily="34" charset="0"/>
+              <a:buChar char="•"/>
+            </a:pPr>
             <a:r>
               <a:rPr lang="es-CO" b="1" i="1" dirty="0" smtClean="0">
                 <a:solidFill>
@@ -4147,73 +4135,7 @@
                 <a:effectLst/>
                 <a:latin typeface="Helvetica Neue"/>
               </a:rPr>
-              <a:t>Enteros</a:t>
-            </a:r>
-            <a:endParaRPr lang="es-CO" b="0" i="0" dirty="0" smtClean="0">
-              <a:solidFill>
-                <a:srgbClr val="333333"/>
-              </a:solidFill>
-              <a:effectLst/>
-              <a:latin typeface="Helvetica Neue"/>
-            </a:endParaRPr>
-          </a:p>
-          <a:p>
-            <a:pPr algn="just">
-              <a:buFont typeface="Arial" panose="020B0604020202020204" pitchFamily="34" charset="0"/>
-              <a:buChar char="•"/>
-            </a:pPr>
-            <a:r>
-              <a:rPr lang="es-CO" b="1" i="1" dirty="0" smtClean="0">
-                <a:solidFill>
-                  <a:srgbClr val="333333"/>
-                </a:solidFill>
-                <a:effectLst/>
-                <a:latin typeface="Helvetica Neue"/>
-              </a:rPr>
-              <a:t> </a:t>
-            </a:r>
-            <a:r>
-              <a:rPr lang="es-CO" b="1" i="1" dirty="0" smtClean="0">
-                <a:solidFill>
-                  <a:srgbClr val="333333"/>
-                </a:solidFill>
-                <a:effectLst/>
-                <a:latin typeface="Helvetica Neue"/>
-              </a:rPr>
-              <a:t>Numéricos</a:t>
-            </a:r>
-            <a:endParaRPr lang="es-CO" b="0" i="0" dirty="0" smtClean="0">
-              <a:solidFill>
-                <a:srgbClr val="333333"/>
-              </a:solidFill>
-              <a:effectLst/>
-              <a:latin typeface="Helvetica Neue"/>
-            </a:endParaRPr>
-          </a:p>
-          <a:p>
-            <a:pPr algn="just">
-              <a:buFont typeface="Arial" panose="020B0604020202020204" pitchFamily="34" charset="0"/>
-              <a:buChar char="•"/>
-            </a:pPr>
-            <a:r>
-              <a:rPr lang="es-CO" b="1" i="1" dirty="0" smtClean="0">
-                <a:solidFill>
-                  <a:srgbClr val="333333"/>
-                </a:solidFill>
-                <a:effectLst/>
-                <a:latin typeface="Helvetica Neue"/>
-              </a:rPr>
-              <a:t> </a:t>
-            </a:r>
-            <a:r>
-              <a:rPr lang="es-CO" b="1" i="1" dirty="0" smtClean="0">
-                <a:solidFill>
-                  <a:srgbClr val="333333"/>
-                </a:solidFill>
-                <a:effectLst/>
-                <a:latin typeface="Helvetica Neue"/>
-              </a:rPr>
-              <a:t>Cadena o </a:t>
+              <a:t> Cadena o </a:t>
             </a:r>
             <a:r>
               <a:rPr lang="es-CO" b="1" i="1" dirty="0" err="1" smtClean="0">
@@ -4440,11 +4362,7 @@
           <a:p>
             <a:r>
               <a:rPr lang="es-CO" b="1" dirty="0" smtClean="0"/>
-              <a:t>VECTORES EN </a:t>
-            </a:r>
-            <a:r>
-              <a:rPr lang="es-CO" b="1" dirty="0" smtClean="0"/>
-              <a:t>R</a:t>
+              <a:t>VECTORES EN R</a:t>
             </a:r>
             <a:endParaRPr lang="es-CO" b="1" dirty="0"/>
           </a:p>
@@ -4477,15 +4395,7 @@
                   <a:srgbClr val="00B050"/>
                 </a:solidFill>
               </a:rPr>
-              <a:t>COERCIÓN DE VECTORES </a:t>
-            </a:r>
-            <a:r>
-              <a:rPr lang="es-CO" b="1" dirty="0" smtClean="0">
-                <a:solidFill>
-                  <a:srgbClr val="00B050"/>
-                </a:solidFill>
-              </a:rPr>
-              <a:t>EN R</a:t>
+              <a:t>COERCIÓN DE VECTORES EN R</a:t>
             </a:r>
             <a:endParaRPr lang="es-CO" b="1" dirty="0">
               <a:solidFill>
@@ -4724,11 +4634,7 @@
           <a:p>
             <a:r>
               <a:rPr lang="es-CO" b="1" dirty="0" smtClean="0"/>
-              <a:t>VECTORES EN </a:t>
-            </a:r>
-            <a:r>
-              <a:rPr lang="es-CO" b="1" dirty="0" smtClean="0"/>
-              <a:t>R</a:t>
+              <a:t>VECTORES EN R</a:t>
             </a:r>
             <a:endParaRPr lang="es-CO" b="1" dirty="0"/>
           </a:p>
@@ -4761,15 +4667,7 @@
                   <a:srgbClr val="00B050"/>
                 </a:solidFill>
               </a:rPr>
-              <a:t>CREAR VECTORES RÁPIDAMENTE EN </a:t>
-            </a:r>
-            <a:r>
-              <a:rPr lang="es-CO" b="1" dirty="0" smtClean="0">
-                <a:solidFill>
-                  <a:srgbClr val="00B050"/>
-                </a:solidFill>
-              </a:rPr>
-              <a:t>R</a:t>
+              <a:t>CREAR VECTORES RÁPIDAMENTE EN R</a:t>
             </a:r>
             <a:endParaRPr lang="es-CO" b="1" dirty="0">
               <a:solidFill>
@@ -4820,13 +4718,6 @@
               </a:rPr>
               <a:t>.</a:t>
             </a:r>
-            <a:endParaRPr lang="es-CO" b="0" i="0" dirty="0" smtClean="0">
-              <a:solidFill>
-                <a:srgbClr val="333333"/>
-              </a:solidFill>
-              <a:effectLst/>
-              <a:latin typeface="Helvetica Neue"/>
-            </a:endParaRPr>
           </a:p>
           <a:p>
             <a:pPr algn="just"/>
@@ -4851,8 +4742,21 @@
                 <a:effectLst/>
                 <a:latin typeface="Helvetica Neue"/>
               </a:rPr>
-              <a:t> </a:t>
-            </a:r>
+              <a:t> :</a:t>
+            </a:r>
+            <a:endParaRPr lang="es-CO" sz="2400" b="0" i="0" dirty="0" smtClean="0">
+              <a:solidFill>
+                <a:srgbClr val="333333"/>
+              </a:solidFill>
+              <a:effectLst/>
+              <a:latin typeface="Helvetica Neue"/>
+            </a:endParaRPr>
+          </a:p>
+          <a:p>
+            <a:pPr marL="457200" indent="-457200" algn="just">
+              <a:buFont typeface="+mj-lt"/>
+              <a:buAutoNum type="arabicPeriod"/>
+            </a:pPr>
             <a:r>
               <a:rPr lang="es-CO" sz="2400" b="1" i="1" dirty="0" smtClean="0">
                 <a:solidFill>
@@ -4861,7 +4765,7 @@
                 <a:effectLst/>
                 <a:latin typeface="Helvetica Neue"/>
               </a:rPr>
-              <a:t>:</a:t>
+              <a:t> seq( )</a:t>
             </a:r>
             <a:endParaRPr lang="es-CO" sz="2400" b="0" i="0" dirty="0" smtClean="0">
               <a:solidFill>
@@ -4884,50 +4788,7 @@
                 <a:effectLst/>
                 <a:latin typeface="Helvetica Neue"/>
               </a:rPr>
-              <a:t> </a:t>
-            </a:r>
-            <a:r>
-              <a:rPr lang="es-CO" sz="2400" b="1" i="1" dirty="0" smtClean="0">
-                <a:solidFill>
-                  <a:srgbClr val="333333"/>
-                </a:solidFill>
-                <a:effectLst/>
-                <a:latin typeface="Helvetica Neue"/>
-              </a:rPr>
-              <a:t>seq( )</a:t>
-            </a:r>
-            <a:endParaRPr lang="es-CO" sz="2400" b="0" i="0" dirty="0" smtClean="0">
-              <a:solidFill>
-                <a:srgbClr val="333333"/>
-              </a:solidFill>
-              <a:effectLst/>
-              <a:latin typeface="Helvetica Neue"/>
-            </a:endParaRPr>
-          </a:p>
-          <a:p>
-            <a:pPr marL="457200" indent="-457200" algn="just">
-              <a:buFont typeface="+mj-lt"/>
-              <a:buAutoNum type="arabicPeriod"/>
-            </a:pPr>
-            <a:r>
-              <a:rPr lang="es-CO" sz="2400" b="1" i="1" dirty="0" smtClean="0">
-                <a:solidFill>
-                  <a:srgbClr val="333333"/>
-                </a:solidFill>
-                <a:effectLst/>
-                <a:latin typeface="Helvetica Neue"/>
-              </a:rPr>
-              <a:t> </a:t>
-            </a:r>
-            <a:r>
-              <a:rPr lang="es-CO" sz="2400" b="1" i="1" dirty="0" smtClean="0">
-                <a:solidFill>
-                  <a:srgbClr val="333333"/>
-                </a:solidFill>
-                <a:effectLst/>
-                <a:latin typeface="Helvetica Neue"/>
-              </a:rPr>
-              <a:t>rep( )</a:t>
+              <a:t> rep( )</a:t>
             </a:r>
             <a:endParaRPr lang="es-CO" sz="2400" b="0" i="0" dirty="0">
               <a:solidFill>
@@ -5144,11 +5005,7 @@
           <a:p>
             <a:r>
               <a:rPr lang="es-CO" b="1" dirty="0" smtClean="0"/>
-              <a:t>VECTORES EN </a:t>
-            </a:r>
-            <a:r>
-              <a:rPr lang="es-CO" b="1" dirty="0" smtClean="0"/>
-              <a:t>R</a:t>
+              <a:t>VECTORES EN R</a:t>
             </a:r>
             <a:endParaRPr lang="es-CO" b="1" dirty="0"/>
           </a:p>
@@ -5181,15 +5038,7 @@
                   <a:srgbClr val="00B050"/>
                 </a:solidFill>
               </a:rPr>
-              <a:t>OPERACIONES CON VECTORES EN </a:t>
-            </a:r>
-            <a:r>
-              <a:rPr lang="es-CO" b="1" dirty="0" smtClean="0">
-                <a:solidFill>
-                  <a:srgbClr val="00B050"/>
-                </a:solidFill>
-              </a:rPr>
-              <a:t>R</a:t>
+              <a:t>OPERACIONES CON VECTORES EN R</a:t>
             </a:r>
             <a:endParaRPr lang="es-CO" b="1" dirty="0">
               <a:solidFill>
@@ -5574,11 +5423,7 @@
           <a:p>
             <a:r>
               <a:rPr lang="es-CO" b="1" dirty="0" smtClean="0"/>
-              <a:t>VECTORES EN </a:t>
-            </a:r>
-            <a:r>
-              <a:rPr lang="es-CO" b="1" dirty="0" smtClean="0"/>
-              <a:t>R</a:t>
+              <a:t>VECTORES EN R</a:t>
             </a:r>
             <a:endParaRPr lang="es-CO" b="1" dirty="0"/>
           </a:p>
@@ -5874,11 +5719,7 @@
           <a:p>
             <a:r>
               <a:rPr lang="es-CO" b="1" dirty="0" smtClean="0"/>
-              <a:t>VECTORES EN </a:t>
-            </a:r>
-            <a:r>
-              <a:rPr lang="es-CO" b="1" dirty="0" smtClean="0"/>
-              <a:t>R</a:t>
+              <a:t>VECTORES EN R</a:t>
             </a:r>
             <a:endParaRPr lang="es-CO" b="1" dirty="0"/>
           </a:p>
@@ -6204,11 +6045,7 @@
           <a:p>
             <a:r>
               <a:rPr lang="es-CO" b="1" dirty="0" smtClean="0"/>
-              <a:t>VECTORES EN </a:t>
-            </a:r>
-            <a:r>
-              <a:rPr lang="es-CO" b="1" dirty="0" smtClean="0"/>
-              <a:t>R</a:t>
+              <a:t>VECTORES EN R</a:t>
             </a:r>
             <a:endParaRPr lang="es-CO" b="1" dirty="0"/>
           </a:p>
@@ -6292,13 +6129,6 @@
               </a:rPr>
               <a:t>.</a:t>
             </a:r>
-            <a:endParaRPr lang="es-CO" b="0" i="0" dirty="0" smtClean="0">
-              <a:solidFill>
-                <a:srgbClr val="333333"/>
-              </a:solidFill>
-              <a:effectLst/>
-              <a:latin typeface="Helvetica Neue"/>
-            </a:endParaRPr>
           </a:p>
           <a:p>
             <a:pPr algn="just"/>
@@ -6693,11 +6523,7 @@
           <a:p>
             <a:r>
               <a:rPr lang="es-CO" b="1" dirty="0" smtClean="0"/>
-              <a:t>VECTORES EN </a:t>
-            </a:r>
-            <a:r>
-              <a:rPr lang="es-CO" b="1" dirty="0" smtClean="0"/>
-              <a:t>R</a:t>
+              <a:t>VECTORES EN R</a:t>
             </a:r>
             <a:endParaRPr lang="es-CO" b="1" dirty="0"/>
           </a:p>
@@ -7250,7 +7076,7 @@
 </p:sld>
 </file>
 
-<file path=ppt/slides/slide3.xml><?xml version="1.0" encoding="utf-8"?>
+<file path=ppt/slides/slide20.xml><?xml version="1.0" encoding="utf-8"?>
 <p:sld xmlns:a="http://schemas.openxmlformats.org/drawingml/2006/main" xmlns:r="http://schemas.openxmlformats.org/officeDocument/2006/relationships" xmlns:p="http://schemas.openxmlformats.org/presentationml/2006/main">
   <p:cSld>
     <p:spTree>
@@ -7277,7 +7103,7 @@
         </p:nvSpPr>
         <p:spPr>
           <a:xfrm>
-            <a:off x="1955322" y="1831125"/>
+            <a:off x="2020637" y="1959662"/>
             <a:ext cx="798488" cy="374246"/>
           </a:xfrm>
           <a:prstGeom prst="rect">
@@ -7435,11 +7261,6567 @@
           <a:p>
             <a:r>
               <a:rPr lang="es-CO" b="1" dirty="0" smtClean="0"/>
-              <a:t>VARIABLES </a:t>
-            </a:r>
+              <a:t>VECTORES EN R</a:t>
+            </a:r>
+            <a:endParaRPr lang="es-CO" b="1" dirty="0"/>
+          </a:p>
+        </p:txBody>
+      </p:sp>
+      <p:sp>
+        <p:nvSpPr>
+          <p:cNvPr id="6" name="Rectángulo 5"/>
+          <p:cNvSpPr/>
+          <p:nvPr/>
+        </p:nvSpPr>
+        <p:spPr>
+          <a:xfrm>
+            <a:off x="970931" y="1179230"/>
+            <a:ext cx="4001160" cy="369332"/>
+          </a:xfrm>
+          <a:prstGeom prst="rect">
+            <a:avLst/>
+          </a:prstGeom>
+        </p:spPr>
+        <p:txBody>
+          <a:bodyPr wrap="none">
+            <a:spAutoFit/>
+          </a:bodyPr>
+          <a:lstStyle/>
+          <a:p>
+            <a:r>
+              <a:rPr lang="es-CO" b="1" dirty="0" smtClean="0">
+                <a:solidFill>
+                  <a:srgbClr val="00B050"/>
+                </a:solidFill>
+              </a:rPr>
+              <a:t>MODIFICAR ELEMENTOS DE UN VECTOR</a:t>
+            </a:r>
+            <a:endParaRPr lang="es-CO" b="1" dirty="0">
+              <a:solidFill>
+                <a:srgbClr val="FF0000"/>
+              </a:solidFill>
+            </a:endParaRPr>
+          </a:p>
+        </p:txBody>
+      </p:sp>
+      <p:cxnSp>
+        <p:nvCxnSpPr>
+          <p:cNvPr id="7" name="Conector recto de flecha 6"/>
+          <p:cNvCxnSpPr/>
+          <p:nvPr/>
+        </p:nvCxnSpPr>
+        <p:spPr>
+          <a:xfrm>
+            <a:off x="6587413" y="2807680"/>
+            <a:ext cx="881149" cy="0"/>
+          </a:xfrm>
+          <a:prstGeom prst="straightConnector1">
+            <a:avLst/>
+          </a:prstGeom>
+          <a:ln>
+            <a:tailEnd type="triangle"/>
+          </a:ln>
+        </p:spPr>
+        <p:style>
+          <a:lnRef idx="1">
+            <a:schemeClr val="accent1"/>
+          </a:lnRef>
+          <a:fillRef idx="0">
+            <a:schemeClr val="accent1"/>
+          </a:fillRef>
+          <a:effectRef idx="0">
+            <a:schemeClr val="accent1"/>
+          </a:effectRef>
+          <a:fontRef idx="minor">
+            <a:schemeClr val="tx1"/>
+          </a:fontRef>
+        </p:style>
+      </p:cxnSp>
+      <p:sp>
+        <p:nvSpPr>
+          <p:cNvPr id="8" name="Rectángulo 7"/>
+          <p:cNvSpPr/>
+          <p:nvPr/>
+        </p:nvSpPr>
+        <p:spPr>
+          <a:xfrm>
+            <a:off x="507637" y="2517386"/>
+            <a:ext cx="1062855" cy="523220"/>
+          </a:xfrm>
+          <a:prstGeom prst="rect">
+            <a:avLst/>
+          </a:prstGeom>
+        </p:spPr>
+        <p:txBody>
+          <a:bodyPr wrap="none">
+            <a:spAutoFit/>
+          </a:bodyPr>
+          <a:lstStyle/>
+          <a:p>
+            <a:r>
+              <a:rPr lang="es-CO" sz="2800" dirty="0" smtClean="0"/>
+              <a:t>Vec_1</a:t>
+            </a:r>
+            <a:endParaRPr lang="es-CO" sz="2800" dirty="0"/>
+          </a:p>
+        </p:txBody>
+      </p:sp>
+      <p:sp>
+        <p:nvSpPr>
+          <p:cNvPr id="9" name="Rectángulo 8"/>
+          <p:cNvSpPr/>
+          <p:nvPr/>
+        </p:nvSpPr>
+        <p:spPr>
+          <a:xfrm>
+            <a:off x="1674556" y="2492448"/>
+            <a:ext cx="514885" cy="584775"/>
+          </a:xfrm>
+          <a:prstGeom prst="rect">
+            <a:avLst/>
+          </a:prstGeom>
+        </p:spPr>
+        <p:txBody>
+          <a:bodyPr wrap="none">
+            <a:spAutoFit/>
+          </a:bodyPr>
+          <a:lstStyle/>
+          <a:p>
+            <a:r>
+              <a:rPr lang="es-CO" sz="3200" dirty="0" smtClean="0">
+                <a:solidFill>
+                  <a:srgbClr val="FF0000"/>
+                </a:solidFill>
+              </a:rPr>
+              <a:t>&lt;-</a:t>
+            </a:r>
+            <a:endParaRPr lang="es-CO" sz="3200" dirty="0">
+              <a:solidFill>
+                <a:srgbClr val="FF0000"/>
+              </a:solidFill>
+            </a:endParaRPr>
+          </a:p>
+        </p:txBody>
+      </p:sp>
+      <p:grpSp>
+        <p:nvGrpSpPr>
+          <p:cNvPr id="10" name="Grupo 9"/>
+          <p:cNvGrpSpPr/>
+          <p:nvPr/>
+        </p:nvGrpSpPr>
+        <p:grpSpPr>
+          <a:xfrm>
+            <a:off x="2260204" y="2514222"/>
+            <a:ext cx="4023901" cy="630229"/>
+            <a:chOff x="2176422" y="2507041"/>
+            <a:chExt cx="4023901" cy="630229"/>
+          </a:xfrm>
+        </p:grpSpPr>
+        <p:grpSp>
+          <p:nvGrpSpPr>
+            <p:cNvPr id="11" name="Grupo 10"/>
+            <p:cNvGrpSpPr/>
+            <p:nvPr/>
+          </p:nvGrpSpPr>
+          <p:grpSpPr>
+            <a:xfrm>
+              <a:off x="2176422" y="2507041"/>
+              <a:ext cx="4023901" cy="630229"/>
+              <a:chOff x="1317603" y="1743706"/>
+              <a:chExt cx="4023901" cy="630229"/>
+            </a:xfrm>
+          </p:grpSpPr>
+          <p:sp>
+            <p:nvSpPr>
+              <p:cNvPr id="13" name="CuadroTexto 12"/>
+              <p:cNvSpPr txBox="1"/>
+              <p:nvPr/>
+            </p:nvSpPr>
+            <p:spPr>
+              <a:xfrm>
+                <a:off x="1317603" y="1743706"/>
+                <a:ext cx="606829" cy="584775"/>
+              </a:xfrm>
+              <a:prstGeom prst="rect">
+                <a:avLst/>
+              </a:prstGeom>
+              <a:noFill/>
+            </p:spPr>
+            <p:txBody>
+              <a:bodyPr wrap="square" rtlCol="0">
+                <a:spAutoFit/>
+              </a:bodyPr>
+              <a:lstStyle/>
+              <a:p>
+                <a:r>
+                  <a:rPr lang="es-CO" sz="2400" dirty="0" smtClean="0"/>
+                  <a:t>C</a:t>
+                </a:r>
+                <a:r>
+                  <a:rPr lang="es-CO" sz="3200" dirty="0" smtClean="0"/>
+                  <a:t>(</a:t>
+                </a:r>
+                <a:endParaRPr lang="es-CO" sz="3200" dirty="0"/>
+              </a:p>
+            </p:txBody>
+          </p:sp>
+          <p:pic>
+            <p:nvPicPr>
+              <p:cNvPr id="14" name="Imagen 13"/>
+              <p:cNvPicPr>
+                <a:picLocks noChangeAspect="1"/>
+              </p:cNvPicPr>
+              <p:nvPr/>
+            </p:nvPicPr>
+            <p:blipFill>
+              <a:blip r:embed="rId3"/>
+              <a:stretch>
+                <a:fillRect/>
+              </a:stretch>
+            </p:blipFill>
+            <p:spPr>
+              <a:xfrm>
+                <a:off x="1803524" y="1880862"/>
+                <a:ext cx="440695" cy="370544"/>
+              </a:xfrm>
+              <a:prstGeom prst="rect">
+                <a:avLst/>
+              </a:prstGeom>
+            </p:spPr>
+          </p:pic>
+          <p:pic>
+            <p:nvPicPr>
+              <p:cNvPr id="15" name="Imagen 14"/>
+              <p:cNvPicPr>
+                <a:picLocks noChangeAspect="1"/>
+              </p:cNvPicPr>
+              <p:nvPr/>
+            </p:nvPicPr>
+            <p:blipFill>
+              <a:blip r:embed="rId4"/>
+              <a:stretch>
+                <a:fillRect/>
+              </a:stretch>
+            </p:blipFill>
+            <p:spPr>
+              <a:xfrm>
+                <a:off x="2502411" y="1808372"/>
+                <a:ext cx="502798" cy="398241"/>
+              </a:xfrm>
+              <a:prstGeom prst="rect">
+                <a:avLst/>
+              </a:prstGeom>
+            </p:spPr>
+          </p:pic>
+          <p:pic>
+            <p:nvPicPr>
+              <p:cNvPr id="16" name="Imagen 15"/>
+              <p:cNvPicPr>
+                <a:picLocks noChangeAspect="1"/>
+              </p:cNvPicPr>
+              <p:nvPr/>
+            </p:nvPicPr>
+            <p:blipFill>
+              <a:blip r:embed="rId5"/>
+              <a:stretch>
+                <a:fillRect/>
+              </a:stretch>
+            </p:blipFill>
+            <p:spPr>
+              <a:xfrm>
+                <a:off x="3280407" y="1880862"/>
+                <a:ext cx="543781" cy="339600"/>
+              </a:xfrm>
+              <a:prstGeom prst="rect">
+                <a:avLst/>
+              </a:prstGeom>
+            </p:spPr>
+          </p:pic>
+          <p:pic>
+            <p:nvPicPr>
+              <p:cNvPr id="17" name="Imagen 16"/>
+              <p:cNvPicPr>
+                <a:picLocks noChangeAspect="1"/>
+              </p:cNvPicPr>
+              <p:nvPr/>
+            </p:nvPicPr>
+            <p:blipFill>
+              <a:blip r:embed="rId6"/>
+              <a:stretch>
+                <a:fillRect/>
+              </a:stretch>
+            </p:blipFill>
+            <p:spPr>
+              <a:xfrm>
+                <a:off x="4048016" y="1807898"/>
+                <a:ext cx="458315" cy="458315"/>
+              </a:xfrm>
+              <a:prstGeom prst="rect">
+                <a:avLst/>
+              </a:prstGeom>
+            </p:spPr>
+          </p:pic>
+          <p:sp>
+            <p:nvSpPr>
+              <p:cNvPr id="18" name="Rectángulo 17"/>
+              <p:cNvSpPr/>
+              <p:nvPr/>
+            </p:nvSpPr>
+            <p:spPr>
+              <a:xfrm rot="10800000">
+                <a:off x="5031804" y="1789160"/>
+                <a:ext cx="309700" cy="584775"/>
+              </a:xfrm>
+              <a:prstGeom prst="rect">
+                <a:avLst/>
+              </a:prstGeom>
+            </p:spPr>
+            <p:txBody>
+              <a:bodyPr wrap="none">
+                <a:spAutoFit/>
+              </a:bodyPr>
+              <a:lstStyle/>
+              <a:p>
+                <a:r>
+                  <a:rPr lang="es-CO" sz="3200" dirty="0"/>
+                  <a:t>(</a:t>
+                </a:r>
+                <a:endParaRPr lang="es-CO" sz="3200" dirty="0"/>
+              </a:p>
+            </p:txBody>
+          </p:sp>
+          <p:sp>
+            <p:nvSpPr>
+              <p:cNvPr id="19" name="Rectángulo 18"/>
+              <p:cNvSpPr/>
+              <p:nvPr/>
+            </p:nvSpPr>
+            <p:spPr>
+              <a:xfrm>
+                <a:off x="4456552" y="1939056"/>
+                <a:ext cx="242374" cy="369332"/>
+              </a:xfrm>
+              <a:prstGeom prst="rect">
+                <a:avLst/>
+              </a:prstGeom>
+            </p:spPr>
+            <p:txBody>
+              <a:bodyPr wrap="none">
+                <a:spAutoFit/>
+              </a:bodyPr>
+              <a:lstStyle/>
+              <a:p>
+                <a:r>
+                  <a:rPr lang="es-CO" dirty="0" smtClean="0"/>
+                  <a:t>,</a:t>
+                </a:r>
+                <a:endParaRPr lang="es-CO" dirty="0"/>
+              </a:p>
+            </p:txBody>
+          </p:sp>
+          <p:sp>
+            <p:nvSpPr>
+              <p:cNvPr id="20" name="Rectángulo 19"/>
+              <p:cNvSpPr/>
+              <p:nvPr/>
+            </p:nvSpPr>
+            <p:spPr>
+              <a:xfrm>
+                <a:off x="2251012" y="1882074"/>
+                <a:ext cx="242374" cy="369332"/>
+              </a:xfrm>
+              <a:prstGeom prst="rect">
+                <a:avLst/>
+              </a:prstGeom>
+            </p:spPr>
+            <p:txBody>
+              <a:bodyPr wrap="none">
+                <a:spAutoFit/>
+              </a:bodyPr>
+              <a:lstStyle/>
+              <a:p>
+                <a:r>
+                  <a:rPr lang="es-CO" dirty="0"/>
+                  <a:t>,</a:t>
+                </a:r>
+                <a:endParaRPr lang="es-CO" dirty="0"/>
+              </a:p>
+            </p:txBody>
+          </p:sp>
+          <p:pic>
+            <p:nvPicPr>
+              <p:cNvPr id="21" name="Imagen 20"/>
+              <p:cNvPicPr>
+                <a:picLocks noChangeAspect="1"/>
+              </p:cNvPicPr>
+              <p:nvPr/>
+            </p:nvPicPr>
+            <p:blipFill>
+              <a:blip r:embed="rId7"/>
+              <a:stretch>
+                <a:fillRect/>
+              </a:stretch>
+            </p:blipFill>
+            <p:spPr>
+              <a:xfrm>
+                <a:off x="2917326" y="1876813"/>
+                <a:ext cx="341406" cy="493819"/>
+              </a:xfrm>
+              <a:prstGeom prst="rect">
+                <a:avLst/>
+              </a:prstGeom>
+            </p:spPr>
+          </p:pic>
+          <p:sp>
+            <p:nvSpPr>
+              <p:cNvPr id="22" name="Rectángulo 21"/>
+              <p:cNvSpPr/>
+              <p:nvPr/>
+            </p:nvSpPr>
+            <p:spPr>
+              <a:xfrm>
+                <a:off x="3845817" y="1928925"/>
+                <a:ext cx="242374" cy="369332"/>
+              </a:xfrm>
+              <a:prstGeom prst="rect">
+                <a:avLst/>
+              </a:prstGeom>
+            </p:spPr>
+            <p:txBody>
+              <a:bodyPr wrap="none">
+                <a:spAutoFit/>
+              </a:bodyPr>
+              <a:lstStyle/>
+              <a:p>
+                <a:r>
+                  <a:rPr lang="es-CO" dirty="0" smtClean="0"/>
+                  <a:t>,</a:t>
+                </a:r>
+                <a:endParaRPr lang="es-CO" dirty="0"/>
+              </a:p>
+            </p:txBody>
+          </p:sp>
+        </p:grpSp>
+        <p:pic>
+          <p:nvPicPr>
+            <p:cNvPr id="12" name="Imagen 11"/>
+            <p:cNvPicPr>
+              <a:picLocks noChangeAspect="1"/>
+            </p:cNvPicPr>
+            <p:nvPr/>
+          </p:nvPicPr>
+          <p:blipFill>
+            <a:blip r:embed="rId8"/>
+            <a:stretch>
+              <a:fillRect/>
+            </a:stretch>
+          </p:blipFill>
+          <p:spPr>
+            <a:xfrm>
+              <a:off x="5580158" y="2634376"/>
+              <a:ext cx="356128" cy="356128"/>
+            </a:xfrm>
+            <a:prstGeom prst="rect">
+              <a:avLst/>
+            </a:prstGeom>
+          </p:spPr>
+        </p:pic>
+      </p:grpSp>
+      <p:sp>
+        <p:nvSpPr>
+          <p:cNvPr id="32" name="Rectángulo 31"/>
+          <p:cNvSpPr/>
+          <p:nvPr/>
+        </p:nvSpPr>
+        <p:spPr>
+          <a:xfrm>
+            <a:off x="10100730" y="2718179"/>
+            <a:ext cx="242374" cy="369332"/>
+          </a:xfrm>
+          <a:prstGeom prst="rect">
+            <a:avLst/>
+          </a:prstGeom>
+        </p:spPr>
+        <p:txBody>
+          <a:bodyPr wrap="none">
+            <a:spAutoFit/>
+          </a:bodyPr>
+          <a:lstStyle/>
+          <a:p>
+            <a:r>
+              <a:rPr lang="es-CO" dirty="0" smtClean="0"/>
+              <a:t>,</a:t>
+            </a:r>
+            <a:endParaRPr lang="es-CO" dirty="0"/>
+          </a:p>
+        </p:txBody>
+      </p:sp>
+      <p:sp>
+        <p:nvSpPr>
+          <p:cNvPr id="34" name="Rectángulo 33"/>
+          <p:cNvSpPr/>
+          <p:nvPr/>
+        </p:nvSpPr>
+        <p:spPr>
+          <a:xfrm>
+            <a:off x="3372606" y="4378166"/>
+            <a:ext cx="2427773" cy="523220"/>
+          </a:xfrm>
+          <a:prstGeom prst="rect">
+            <a:avLst/>
+          </a:prstGeom>
+        </p:spPr>
+        <p:txBody>
+          <a:bodyPr wrap="square">
+            <a:spAutoFit/>
+          </a:bodyPr>
+          <a:lstStyle/>
+          <a:p>
+            <a:r>
+              <a:rPr lang="es-CO" sz="2800" dirty="0" smtClean="0"/>
+              <a:t>Vec_1[ </a:t>
+            </a:r>
+            <a:r>
+              <a:rPr lang="es-CO" sz="2000" dirty="0" smtClean="0"/>
+              <a:t>C</a:t>
+            </a:r>
+            <a:r>
+              <a:rPr lang="es-CO" sz="2800" dirty="0" smtClean="0"/>
+              <a:t>(      ) ]</a:t>
+            </a:r>
+            <a:endParaRPr lang="es-CO" sz="2800" dirty="0"/>
+          </a:p>
+        </p:txBody>
+      </p:sp>
+      <p:cxnSp>
+        <p:nvCxnSpPr>
+          <p:cNvPr id="35" name="Conector recto de flecha 34"/>
+          <p:cNvCxnSpPr/>
+          <p:nvPr/>
+        </p:nvCxnSpPr>
+        <p:spPr>
+          <a:xfrm>
+            <a:off x="5158704" y="2196593"/>
+            <a:ext cx="0" cy="317629"/>
+          </a:xfrm>
+          <a:prstGeom prst="straightConnector1">
+            <a:avLst/>
+          </a:prstGeom>
+          <a:ln>
+            <a:solidFill>
+              <a:srgbClr val="00B050"/>
+            </a:solidFill>
+            <a:prstDash val="dash"/>
+            <a:tailEnd type="triangle"/>
+          </a:ln>
+        </p:spPr>
+        <p:style>
+          <a:lnRef idx="1">
+            <a:schemeClr val="accent1"/>
+          </a:lnRef>
+          <a:fillRef idx="0">
+            <a:schemeClr val="accent1"/>
+          </a:fillRef>
+          <a:effectRef idx="0">
+            <a:schemeClr val="accent1"/>
+          </a:effectRef>
+          <a:fontRef idx="minor">
+            <a:schemeClr val="tx1"/>
+          </a:fontRef>
+        </p:style>
+      </p:cxnSp>
+      <p:cxnSp>
+        <p:nvCxnSpPr>
+          <p:cNvPr id="36" name="Conector recto 35"/>
+          <p:cNvCxnSpPr/>
+          <p:nvPr/>
+        </p:nvCxnSpPr>
+        <p:spPr>
+          <a:xfrm>
+            <a:off x="5158704" y="2196593"/>
+            <a:ext cx="5285814" cy="0"/>
+          </a:xfrm>
+          <a:prstGeom prst="line">
+            <a:avLst/>
+          </a:prstGeom>
+          <a:ln>
+            <a:solidFill>
+              <a:srgbClr val="00B050"/>
+            </a:solidFill>
+            <a:prstDash val="dash"/>
+          </a:ln>
+        </p:spPr>
+        <p:style>
+          <a:lnRef idx="1">
+            <a:schemeClr val="accent1"/>
+          </a:lnRef>
+          <a:fillRef idx="0">
+            <a:schemeClr val="accent1"/>
+          </a:fillRef>
+          <a:effectRef idx="0">
+            <a:schemeClr val="accent1"/>
+          </a:effectRef>
+          <a:fontRef idx="minor">
+            <a:schemeClr val="tx1"/>
+          </a:fontRef>
+        </p:style>
+      </p:cxnSp>
+      <p:cxnSp>
+        <p:nvCxnSpPr>
+          <p:cNvPr id="37" name="Conector recto de flecha 36"/>
+          <p:cNvCxnSpPr/>
+          <p:nvPr/>
+        </p:nvCxnSpPr>
+        <p:spPr>
+          <a:xfrm>
+            <a:off x="10444518" y="2196593"/>
+            <a:ext cx="0" cy="317629"/>
+          </a:xfrm>
+          <a:prstGeom prst="straightConnector1">
+            <a:avLst/>
+          </a:prstGeom>
+          <a:ln>
+            <a:solidFill>
+              <a:srgbClr val="00B050"/>
+            </a:solidFill>
+            <a:prstDash val="dash"/>
+            <a:tailEnd type="triangle"/>
+          </a:ln>
+        </p:spPr>
+        <p:style>
+          <a:lnRef idx="1">
+            <a:schemeClr val="accent1"/>
+          </a:lnRef>
+          <a:fillRef idx="0">
+            <a:schemeClr val="accent1"/>
+          </a:fillRef>
+          <a:effectRef idx="0">
+            <a:schemeClr val="accent1"/>
+          </a:effectRef>
+          <a:fontRef idx="minor">
+            <a:schemeClr val="tx1"/>
+          </a:fontRef>
+        </p:style>
+      </p:cxnSp>
+      <p:pic>
+        <p:nvPicPr>
+          <p:cNvPr id="38" name="Imagen 37"/>
+          <p:cNvPicPr>
+            <a:picLocks noChangeAspect="1"/>
+          </p:cNvPicPr>
+          <p:nvPr/>
+        </p:nvPicPr>
+        <p:blipFill>
+          <a:blip r:embed="rId6"/>
+          <a:stretch>
+            <a:fillRect/>
+          </a:stretch>
+        </p:blipFill>
+        <p:spPr>
+          <a:xfrm>
+            <a:off x="4788418" y="4437766"/>
+            <a:ext cx="458315" cy="458315"/>
+          </a:xfrm>
+          <a:prstGeom prst="rect">
+            <a:avLst/>
+          </a:prstGeom>
+        </p:spPr>
+      </p:pic>
+      <p:cxnSp>
+        <p:nvCxnSpPr>
+          <p:cNvPr id="39" name="Conector recto de flecha 38"/>
+          <p:cNvCxnSpPr/>
+          <p:nvPr/>
+        </p:nvCxnSpPr>
+        <p:spPr>
+          <a:xfrm>
+            <a:off x="5907766" y="4644770"/>
+            <a:ext cx="881149" cy="0"/>
+          </a:xfrm>
+          <a:prstGeom prst="straightConnector1">
+            <a:avLst/>
+          </a:prstGeom>
+          <a:ln>
+            <a:tailEnd type="triangle"/>
+          </a:ln>
+        </p:spPr>
+        <p:style>
+          <a:lnRef idx="1">
+            <a:schemeClr val="accent1"/>
+          </a:lnRef>
+          <a:fillRef idx="0">
+            <a:schemeClr val="accent1"/>
+          </a:fillRef>
+          <a:effectRef idx="0">
+            <a:schemeClr val="accent1"/>
+          </a:effectRef>
+          <a:fontRef idx="minor">
+            <a:schemeClr val="tx1"/>
+          </a:fontRef>
+        </p:style>
+      </p:cxnSp>
+      <p:grpSp>
+        <p:nvGrpSpPr>
+          <p:cNvPr id="54" name="Grupo 53"/>
+          <p:cNvGrpSpPr/>
+          <p:nvPr/>
+        </p:nvGrpSpPr>
+        <p:grpSpPr>
+          <a:xfrm>
+            <a:off x="7572516" y="2532960"/>
+            <a:ext cx="4023901" cy="630229"/>
+            <a:chOff x="7376573" y="3029574"/>
+            <a:chExt cx="4023901" cy="630229"/>
+          </a:xfrm>
+        </p:grpSpPr>
+        <p:sp>
+          <p:nvSpPr>
+            <p:cNvPr id="23" name="CuadroTexto 22"/>
+            <p:cNvSpPr txBox="1"/>
+            <p:nvPr/>
+          </p:nvSpPr>
+          <p:spPr>
+            <a:xfrm>
+              <a:off x="7376573" y="3029574"/>
+              <a:ext cx="606829" cy="584775"/>
+            </a:xfrm>
+            <a:prstGeom prst="rect">
+              <a:avLst/>
+            </a:prstGeom>
+            <a:noFill/>
+          </p:spPr>
+          <p:txBody>
+            <a:bodyPr wrap="square" rtlCol="0">
+              <a:spAutoFit/>
+            </a:bodyPr>
+            <a:lstStyle/>
+            <a:p>
+              <a:r>
+                <a:rPr lang="es-CO" sz="2400" dirty="0" smtClean="0"/>
+                <a:t>C</a:t>
+              </a:r>
+              <a:r>
+                <a:rPr lang="es-CO" sz="3200" dirty="0" smtClean="0"/>
+                <a:t>(</a:t>
+              </a:r>
+              <a:endParaRPr lang="es-CO" sz="3200" dirty="0"/>
+            </a:p>
+          </p:txBody>
+        </p:sp>
+        <p:pic>
+          <p:nvPicPr>
+            <p:cNvPr id="24" name="Imagen 23"/>
+            <p:cNvPicPr>
+              <a:picLocks noChangeAspect="1"/>
+            </p:cNvPicPr>
+            <p:nvPr/>
+          </p:nvPicPr>
+          <p:blipFill>
+            <a:blip r:embed="rId3"/>
+            <a:stretch>
+              <a:fillRect/>
+            </a:stretch>
+          </p:blipFill>
+          <p:spPr>
+            <a:xfrm>
+              <a:off x="7862494" y="3166730"/>
+              <a:ext cx="440695" cy="370544"/>
+            </a:xfrm>
+            <a:prstGeom prst="rect">
+              <a:avLst/>
+            </a:prstGeom>
+          </p:spPr>
+        </p:pic>
+        <p:pic>
+          <p:nvPicPr>
+            <p:cNvPr id="26" name="Imagen 25"/>
+            <p:cNvPicPr>
+              <a:picLocks noChangeAspect="1"/>
+            </p:cNvPicPr>
+            <p:nvPr/>
+          </p:nvPicPr>
+          <p:blipFill>
+            <a:blip r:embed="rId4"/>
+            <a:stretch>
+              <a:fillRect/>
+            </a:stretch>
+          </p:blipFill>
+          <p:spPr>
+            <a:xfrm>
+              <a:off x="8561381" y="3094240"/>
+              <a:ext cx="502798" cy="398241"/>
+            </a:xfrm>
+            <a:prstGeom prst="rect">
+              <a:avLst/>
+            </a:prstGeom>
+          </p:spPr>
+        </p:pic>
+        <p:pic>
+          <p:nvPicPr>
+            <p:cNvPr id="27" name="Imagen 26"/>
+            <p:cNvPicPr>
+              <a:picLocks noChangeAspect="1"/>
+            </p:cNvPicPr>
+            <p:nvPr/>
+          </p:nvPicPr>
+          <p:blipFill>
+            <a:blip r:embed="rId5"/>
+            <a:stretch>
+              <a:fillRect/>
+            </a:stretch>
+          </p:blipFill>
+          <p:spPr>
+            <a:xfrm>
+              <a:off x="9339377" y="3166730"/>
+              <a:ext cx="543781" cy="339600"/>
+            </a:xfrm>
+            <a:prstGeom prst="rect">
+              <a:avLst/>
+            </a:prstGeom>
+          </p:spPr>
+        </p:pic>
+        <p:sp>
+          <p:nvSpPr>
+            <p:cNvPr id="28" name="Rectángulo 27"/>
+            <p:cNvSpPr/>
+            <p:nvPr/>
+          </p:nvSpPr>
+          <p:spPr>
+            <a:xfrm rot="10800000">
+              <a:off x="11090774" y="3075028"/>
+              <a:ext cx="309700" cy="584775"/>
+            </a:xfrm>
+            <a:prstGeom prst="rect">
+              <a:avLst/>
+            </a:prstGeom>
+          </p:spPr>
+          <p:txBody>
+            <a:bodyPr wrap="none">
+              <a:spAutoFit/>
+            </a:bodyPr>
+            <a:lstStyle/>
+            <a:p>
+              <a:r>
+                <a:rPr lang="es-CO" sz="3200" dirty="0"/>
+                <a:t>(</a:t>
+              </a:r>
+              <a:endParaRPr lang="es-CO" sz="3200" dirty="0"/>
+            </a:p>
+          </p:txBody>
+        </p:sp>
+        <p:sp>
+          <p:nvSpPr>
+            <p:cNvPr id="29" name="Rectángulo 28"/>
+            <p:cNvSpPr/>
+            <p:nvPr/>
+          </p:nvSpPr>
+          <p:spPr>
+            <a:xfrm>
+              <a:off x="10515522" y="3224924"/>
+              <a:ext cx="242374" cy="369332"/>
+            </a:xfrm>
+            <a:prstGeom prst="rect">
+              <a:avLst/>
+            </a:prstGeom>
+          </p:spPr>
+          <p:txBody>
+            <a:bodyPr wrap="none">
+              <a:spAutoFit/>
+            </a:bodyPr>
+            <a:lstStyle/>
+            <a:p>
+              <a:r>
+                <a:rPr lang="es-CO" dirty="0" smtClean="0"/>
+                <a:t>,</a:t>
+              </a:r>
+              <a:endParaRPr lang="es-CO" dirty="0"/>
+            </a:p>
+          </p:txBody>
+        </p:sp>
+        <p:sp>
+          <p:nvSpPr>
+            <p:cNvPr id="30" name="Rectángulo 29"/>
+            <p:cNvSpPr/>
+            <p:nvPr/>
+          </p:nvSpPr>
+          <p:spPr>
+            <a:xfrm>
+              <a:off x="8309982" y="3167942"/>
+              <a:ext cx="242374" cy="369332"/>
+            </a:xfrm>
+            <a:prstGeom prst="rect">
+              <a:avLst/>
+            </a:prstGeom>
+          </p:spPr>
+          <p:txBody>
+            <a:bodyPr wrap="none">
+              <a:spAutoFit/>
+            </a:bodyPr>
+            <a:lstStyle/>
+            <a:p>
+              <a:r>
+                <a:rPr lang="es-CO" dirty="0"/>
+                <a:t>,</a:t>
+              </a:r>
+              <a:endParaRPr lang="es-CO" dirty="0"/>
+            </a:p>
+          </p:txBody>
+        </p:sp>
+        <p:pic>
+          <p:nvPicPr>
+            <p:cNvPr id="31" name="Imagen 30"/>
+            <p:cNvPicPr>
+              <a:picLocks noChangeAspect="1"/>
+            </p:cNvPicPr>
+            <p:nvPr/>
+          </p:nvPicPr>
+          <p:blipFill>
+            <a:blip r:embed="rId7"/>
+            <a:stretch>
+              <a:fillRect/>
+            </a:stretch>
+          </p:blipFill>
+          <p:spPr>
+            <a:xfrm>
+              <a:off x="8976296" y="3162681"/>
+              <a:ext cx="341406" cy="493819"/>
+            </a:xfrm>
+            <a:prstGeom prst="rect">
+              <a:avLst/>
+            </a:prstGeom>
+          </p:spPr>
+        </p:pic>
+        <p:pic>
+          <p:nvPicPr>
+            <p:cNvPr id="33" name="Imagen 32"/>
+            <p:cNvPicPr>
+              <a:picLocks noChangeAspect="1"/>
+            </p:cNvPicPr>
+            <p:nvPr/>
+          </p:nvPicPr>
+          <p:blipFill>
+            <a:blip r:embed="rId9"/>
+            <a:stretch>
+              <a:fillRect/>
+            </a:stretch>
+          </p:blipFill>
+          <p:spPr>
+            <a:xfrm>
+              <a:off x="10085140" y="3090355"/>
+              <a:ext cx="452910" cy="482936"/>
+            </a:xfrm>
+            <a:prstGeom prst="rect">
+              <a:avLst/>
+            </a:prstGeom>
+          </p:spPr>
+        </p:pic>
+        <p:pic>
+          <p:nvPicPr>
+            <p:cNvPr id="40" name="Imagen 39"/>
+            <p:cNvPicPr>
+              <a:picLocks noChangeAspect="1"/>
+            </p:cNvPicPr>
+            <p:nvPr/>
+          </p:nvPicPr>
+          <p:blipFill>
+            <a:blip r:embed="rId8"/>
+            <a:stretch>
+              <a:fillRect/>
+            </a:stretch>
+          </p:blipFill>
+          <p:spPr>
+            <a:xfrm>
+              <a:off x="10757896" y="3177215"/>
+              <a:ext cx="356128" cy="356128"/>
+            </a:xfrm>
+            <a:prstGeom prst="rect">
+              <a:avLst/>
+            </a:prstGeom>
+          </p:spPr>
+        </p:pic>
+      </p:grpSp>
+      <p:pic>
+        <p:nvPicPr>
+          <p:cNvPr id="41" name="Imagen 40"/>
+          <p:cNvPicPr>
+            <a:picLocks noChangeAspect="1"/>
+          </p:cNvPicPr>
+          <p:nvPr/>
+        </p:nvPicPr>
+        <p:blipFill>
+          <a:blip r:embed="rId9"/>
+          <a:stretch>
+            <a:fillRect/>
+          </a:stretch>
+        </p:blipFill>
+        <p:spPr>
+          <a:xfrm>
+            <a:off x="6978817" y="4403302"/>
+            <a:ext cx="452910" cy="482936"/>
+          </a:xfrm>
+          <a:prstGeom prst="rect">
+            <a:avLst/>
+          </a:prstGeom>
+        </p:spPr>
+      </p:pic>
+      <p:pic>
+        <p:nvPicPr>
+          <p:cNvPr id="42" name="Imagen 41"/>
+          <p:cNvPicPr>
+            <a:picLocks noChangeAspect="1"/>
+          </p:cNvPicPr>
+          <p:nvPr/>
+        </p:nvPicPr>
+        <p:blipFill>
+          <a:blip r:embed="rId9"/>
+          <a:stretch>
+            <a:fillRect/>
+          </a:stretch>
+        </p:blipFill>
+        <p:spPr>
+          <a:xfrm>
+            <a:off x="4993318" y="3686432"/>
+            <a:ext cx="452910" cy="482936"/>
+          </a:xfrm>
+          <a:prstGeom prst="rect">
+            <a:avLst/>
+          </a:prstGeom>
+        </p:spPr>
+      </p:pic>
+      <p:cxnSp>
+        <p:nvCxnSpPr>
+          <p:cNvPr id="43" name="Conector recto de flecha 42"/>
+          <p:cNvCxnSpPr/>
+          <p:nvPr/>
+        </p:nvCxnSpPr>
+        <p:spPr>
+          <a:xfrm flipH="1">
+            <a:off x="5087866" y="3151102"/>
+            <a:ext cx="2" cy="526546"/>
+          </a:xfrm>
+          <a:prstGeom prst="straightConnector1">
+            <a:avLst/>
+          </a:prstGeom>
+          <a:ln w="15875">
+            <a:solidFill>
+              <a:srgbClr val="FF0000"/>
+            </a:solidFill>
+            <a:prstDash val="dash"/>
+            <a:tailEnd type="triangle"/>
+          </a:ln>
+        </p:spPr>
+        <p:style>
+          <a:lnRef idx="1">
+            <a:schemeClr val="accent1"/>
+          </a:lnRef>
+          <a:fillRef idx="0">
+            <a:schemeClr val="accent1"/>
+          </a:fillRef>
+          <a:effectRef idx="0">
+            <a:schemeClr val="accent1"/>
+          </a:effectRef>
+          <a:fontRef idx="minor">
+            <a:schemeClr val="tx1"/>
+          </a:fontRef>
+        </p:style>
+      </p:cxnSp>
+      <p:cxnSp>
+        <p:nvCxnSpPr>
+          <p:cNvPr id="46" name="Conector recto 45"/>
+          <p:cNvCxnSpPr/>
+          <p:nvPr/>
+        </p:nvCxnSpPr>
+        <p:spPr>
+          <a:xfrm>
+            <a:off x="7572516" y="4644770"/>
+            <a:ext cx="2974706" cy="0"/>
+          </a:xfrm>
+          <a:prstGeom prst="line">
+            <a:avLst/>
+          </a:prstGeom>
+          <a:ln>
+            <a:solidFill>
+              <a:srgbClr val="00B050"/>
+            </a:solidFill>
+            <a:prstDash val="dash"/>
+          </a:ln>
+        </p:spPr>
+        <p:style>
+          <a:lnRef idx="1">
+            <a:schemeClr val="accent1"/>
+          </a:lnRef>
+          <a:fillRef idx="0">
+            <a:schemeClr val="accent1"/>
+          </a:fillRef>
+          <a:effectRef idx="0">
+            <a:schemeClr val="accent1"/>
+          </a:effectRef>
+          <a:fontRef idx="minor">
+            <a:schemeClr val="tx1"/>
+          </a:fontRef>
+        </p:style>
+      </p:cxnSp>
+      <p:cxnSp>
+        <p:nvCxnSpPr>
+          <p:cNvPr id="47" name="Conector recto de flecha 46"/>
+          <p:cNvCxnSpPr/>
+          <p:nvPr/>
+        </p:nvCxnSpPr>
+        <p:spPr>
+          <a:xfrm flipH="1" flipV="1">
+            <a:off x="10530976" y="3127373"/>
+            <a:ext cx="16246" cy="1517397"/>
+          </a:xfrm>
+          <a:prstGeom prst="straightConnector1">
+            <a:avLst/>
+          </a:prstGeom>
+          <a:ln>
+            <a:solidFill>
+              <a:srgbClr val="00B050"/>
+            </a:solidFill>
+            <a:prstDash val="dash"/>
+            <a:tailEnd type="triangle"/>
+          </a:ln>
+        </p:spPr>
+        <p:style>
+          <a:lnRef idx="1">
+            <a:schemeClr val="accent1"/>
+          </a:lnRef>
+          <a:fillRef idx="0">
+            <a:schemeClr val="accent1"/>
+          </a:fillRef>
+          <a:effectRef idx="0">
+            <a:schemeClr val="accent1"/>
+          </a:effectRef>
+          <a:fontRef idx="minor">
+            <a:schemeClr val="tx1"/>
+          </a:fontRef>
+        </p:style>
+      </p:cxnSp>
+      <p:cxnSp>
+        <p:nvCxnSpPr>
+          <p:cNvPr id="51" name="Conector recto de flecha 50"/>
+          <p:cNvCxnSpPr/>
+          <p:nvPr/>
+        </p:nvCxnSpPr>
+        <p:spPr>
+          <a:xfrm flipH="1" flipV="1">
+            <a:off x="5258992" y="3149048"/>
+            <a:ext cx="6467" cy="505943"/>
+          </a:xfrm>
+          <a:prstGeom prst="straightConnector1">
+            <a:avLst/>
+          </a:prstGeom>
+          <a:ln w="15875">
+            <a:solidFill>
+              <a:srgbClr val="FF0000"/>
+            </a:solidFill>
+            <a:prstDash val="dash"/>
+            <a:tailEnd type="triangle"/>
+          </a:ln>
+        </p:spPr>
+        <p:style>
+          <a:lnRef idx="1">
+            <a:schemeClr val="accent1"/>
+          </a:lnRef>
+          <a:fillRef idx="0">
+            <a:schemeClr val="accent1"/>
+          </a:fillRef>
+          <a:effectRef idx="0">
+            <a:schemeClr val="accent1"/>
+          </a:effectRef>
+          <a:fontRef idx="minor">
+            <a:schemeClr val="tx1"/>
+          </a:fontRef>
+        </p:style>
+      </p:cxnSp>
+    </p:spTree>
+    <p:extLst>
+      <p:ext uri="{BB962C8B-B14F-4D97-AF65-F5344CB8AC3E}">
+        <p14:creationId xmlns:p14="http://schemas.microsoft.com/office/powerpoint/2010/main" val="1177011501"/>
+      </p:ext>
+    </p:extLst>
+  </p:cSld>
+  <p:clrMapOvr>
+    <a:masterClrMapping/>
+  </p:clrMapOvr>
+  <p:timing>
+    <p:tnLst>
+      <p:par>
+        <p:cTn id="1" dur="indefinite" restart="never" nodeType="tmRoot">
+          <p:childTnLst>
+            <p:seq concurrent="1" nextAc="seek">
+              <p:cTn id="2" dur="indefinite" nodeType="mainSeq">
+                <p:childTnLst>
+                  <p:par>
+                    <p:cTn id="3" fill="hold">
+                      <p:stCondLst>
+                        <p:cond delay="indefinite"/>
+                      </p:stCondLst>
+                      <p:childTnLst>
+                        <p:par>
+                          <p:cTn id="4" fill="hold">
+                            <p:stCondLst>
+                              <p:cond delay="0"/>
+                            </p:stCondLst>
+                            <p:childTnLst>
+                              <p:par>
+                                <p:cTn id="5" presetID="1" presetClass="entr" presetSubtype="0" fill="hold" grpId="0" nodeType="clickEffect">
+                                  <p:stCondLst>
+                                    <p:cond delay="0"/>
+                                  </p:stCondLst>
+                                  <p:childTnLst>
+                                    <p:set>
+                                      <p:cBhvr>
+                                        <p:cTn id="6" dur="1" fill="hold">
+                                          <p:stCondLst>
+                                            <p:cond delay="0"/>
+                                          </p:stCondLst>
+                                        </p:cTn>
+                                        <p:tgtEl>
+                                          <p:spTgt spid="9"/>
+                                        </p:tgtEl>
+                                        <p:attrNameLst>
+                                          <p:attrName>style.visibility</p:attrName>
+                                        </p:attrNameLst>
+                                      </p:cBhvr>
+                                      <p:to>
+                                        <p:strVal val="visible"/>
+                                      </p:to>
+                                    </p:set>
+                                  </p:childTnLst>
+                                </p:cTn>
+                              </p:par>
+                            </p:childTnLst>
+                          </p:cTn>
+                        </p:par>
+                      </p:childTnLst>
+                    </p:cTn>
+                  </p:par>
+                  <p:par>
+                    <p:cTn id="7" fill="hold">
+                      <p:stCondLst>
+                        <p:cond delay="indefinite"/>
+                      </p:stCondLst>
+                      <p:childTnLst>
+                        <p:par>
+                          <p:cTn id="8" fill="hold">
+                            <p:stCondLst>
+                              <p:cond delay="0"/>
+                            </p:stCondLst>
+                            <p:childTnLst>
+                              <p:par>
+                                <p:cTn id="9" presetID="1" presetClass="entr" presetSubtype="0" fill="hold" nodeType="clickEffect">
+                                  <p:stCondLst>
+                                    <p:cond delay="0"/>
+                                  </p:stCondLst>
+                                  <p:childTnLst>
+                                    <p:set>
+                                      <p:cBhvr>
+                                        <p:cTn id="10" dur="1" fill="hold">
+                                          <p:stCondLst>
+                                            <p:cond delay="0"/>
+                                          </p:stCondLst>
+                                        </p:cTn>
+                                        <p:tgtEl>
+                                          <p:spTgt spid="10"/>
+                                        </p:tgtEl>
+                                        <p:attrNameLst>
+                                          <p:attrName>style.visibility</p:attrName>
+                                        </p:attrNameLst>
+                                      </p:cBhvr>
+                                      <p:to>
+                                        <p:strVal val="visible"/>
+                                      </p:to>
+                                    </p:set>
+                                  </p:childTnLst>
+                                </p:cTn>
+                              </p:par>
+                            </p:childTnLst>
+                          </p:cTn>
+                        </p:par>
+                      </p:childTnLst>
+                    </p:cTn>
+                  </p:par>
+                  <p:par>
+                    <p:cTn id="11" fill="hold">
+                      <p:stCondLst>
+                        <p:cond delay="indefinite"/>
+                      </p:stCondLst>
+                      <p:childTnLst>
+                        <p:par>
+                          <p:cTn id="12" fill="hold">
+                            <p:stCondLst>
+                              <p:cond delay="0"/>
+                            </p:stCondLst>
+                            <p:childTnLst>
+                              <p:par>
+                                <p:cTn id="13" presetID="1" presetClass="entr" presetSubtype="0" fill="hold" nodeType="clickEffect">
+                                  <p:stCondLst>
+                                    <p:cond delay="0"/>
+                                  </p:stCondLst>
+                                  <p:childTnLst>
+                                    <p:set>
+                                      <p:cBhvr>
+                                        <p:cTn id="14" dur="1" fill="hold">
+                                          <p:stCondLst>
+                                            <p:cond delay="0"/>
+                                          </p:stCondLst>
+                                        </p:cTn>
+                                        <p:tgtEl>
+                                          <p:spTgt spid="54"/>
+                                        </p:tgtEl>
+                                        <p:attrNameLst>
+                                          <p:attrName>style.visibility</p:attrName>
+                                        </p:attrNameLst>
+                                      </p:cBhvr>
+                                      <p:to>
+                                        <p:strVal val="visible"/>
+                                      </p:to>
+                                    </p:set>
+                                  </p:childTnLst>
+                                </p:cTn>
+                              </p:par>
+                              <p:par>
+                                <p:cTn id="15" presetID="1" presetClass="entr" presetSubtype="0" fill="hold" nodeType="withEffect">
+                                  <p:stCondLst>
+                                    <p:cond delay="0"/>
+                                  </p:stCondLst>
+                                  <p:childTnLst>
+                                    <p:set>
+                                      <p:cBhvr>
+                                        <p:cTn id="16" dur="1" fill="hold">
+                                          <p:stCondLst>
+                                            <p:cond delay="0"/>
+                                          </p:stCondLst>
+                                        </p:cTn>
+                                        <p:tgtEl>
+                                          <p:spTgt spid="7"/>
+                                        </p:tgtEl>
+                                        <p:attrNameLst>
+                                          <p:attrName>style.visibility</p:attrName>
+                                        </p:attrNameLst>
+                                      </p:cBhvr>
+                                      <p:to>
+                                        <p:strVal val="visible"/>
+                                      </p:to>
+                                    </p:set>
+                                  </p:childTnLst>
+                                </p:cTn>
+                              </p:par>
+                            </p:childTnLst>
+                          </p:cTn>
+                        </p:par>
+                      </p:childTnLst>
+                    </p:cTn>
+                  </p:par>
+                  <p:par>
+                    <p:cTn id="17" fill="hold">
+                      <p:stCondLst>
+                        <p:cond delay="indefinite"/>
+                      </p:stCondLst>
+                      <p:childTnLst>
+                        <p:par>
+                          <p:cTn id="18" fill="hold">
+                            <p:stCondLst>
+                              <p:cond delay="0"/>
+                            </p:stCondLst>
+                            <p:childTnLst>
+                              <p:par>
+                                <p:cTn id="19" presetID="1" presetClass="entr" presetSubtype="0" fill="hold" nodeType="clickEffect">
+                                  <p:stCondLst>
+                                    <p:cond delay="0"/>
+                                  </p:stCondLst>
+                                  <p:childTnLst>
+                                    <p:set>
+                                      <p:cBhvr>
+                                        <p:cTn id="20" dur="1" fill="hold">
+                                          <p:stCondLst>
+                                            <p:cond delay="0"/>
+                                          </p:stCondLst>
+                                        </p:cTn>
+                                        <p:tgtEl>
+                                          <p:spTgt spid="35"/>
+                                        </p:tgtEl>
+                                        <p:attrNameLst>
+                                          <p:attrName>style.visibility</p:attrName>
+                                        </p:attrNameLst>
+                                      </p:cBhvr>
+                                      <p:to>
+                                        <p:strVal val="visible"/>
+                                      </p:to>
+                                    </p:set>
+                                  </p:childTnLst>
+                                </p:cTn>
+                              </p:par>
+                              <p:par>
+                                <p:cTn id="21" presetID="1" presetClass="entr" presetSubtype="0" fill="hold" nodeType="withEffect">
+                                  <p:stCondLst>
+                                    <p:cond delay="0"/>
+                                  </p:stCondLst>
+                                  <p:childTnLst>
+                                    <p:set>
+                                      <p:cBhvr>
+                                        <p:cTn id="22" dur="1" fill="hold">
+                                          <p:stCondLst>
+                                            <p:cond delay="0"/>
+                                          </p:stCondLst>
+                                        </p:cTn>
+                                        <p:tgtEl>
+                                          <p:spTgt spid="36"/>
+                                        </p:tgtEl>
+                                        <p:attrNameLst>
+                                          <p:attrName>style.visibility</p:attrName>
+                                        </p:attrNameLst>
+                                      </p:cBhvr>
+                                      <p:to>
+                                        <p:strVal val="visible"/>
+                                      </p:to>
+                                    </p:set>
+                                  </p:childTnLst>
+                                </p:cTn>
+                              </p:par>
+                              <p:par>
+                                <p:cTn id="23" presetID="1" presetClass="entr" presetSubtype="0" fill="hold" nodeType="withEffect">
+                                  <p:stCondLst>
+                                    <p:cond delay="0"/>
+                                  </p:stCondLst>
+                                  <p:childTnLst>
+                                    <p:set>
+                                      <p:cBhvr>
+                                        <p:cTn id="24" dur="1" fill="hold">
+                                          <p:stCondLst>
+                                            <p:cond delay="0"/>
+                                          </p:stCondLst>
+                                        </p:cTn>
+                                        <p:tgtEl>
+                                          <p:spTgt spid="37"/>
+                                        </p:tgtEl>
+                                        <p:attrNameLst>
+                                          <p:attrName>style.visibility</p:attrName>
+                                        </p:attrNameLst>
+                                      </p:cBhvr>
+                                      <p:to>
+                                        <p:strVal val="visible"/>
+                                      </p:to>
+                                    </p:set>
+                                  </p:childTnLst>
+                                </p:cTn>
+                              </p:par>
+                            </p:childTnLst>
+                          </p:cTn>
+                        </p:par>
+                      </p:childTnLst>
+                    </p:cTn>
+                  </p:par>
+                  <p:par>
+                    <p:cTn id="25" fill="hold">
+                      <p:stCondLst>
+                        <p:cond delay="indefinite"/>
+                      </p:stCondLst>
+                      <p:childTnLst>
+                        <p:par>
+                          <p:cTn id="26" fill="hold">
+                            <p:stCondLst>
+                              <p:cond delay="0"/>
+                            </p:stCondLst>
+                            <p:childTnLst>
+                              <p:par>
+                                <p:cTn id="27" presetID="1" presetClass="entr" presetSubtype="0" fill="hold" nodeType="clickEffect">
+                                  <p:stCondLst>
+                                    <p:cond delay="0"/>
+                                  </p:stCondLst>
+                                  <p:childTnLst>
+                                    <p:set>
+                                      <p:cBhvr>
+                                        <p:cTn id="28" dur="1" fill="hold">
+                                          <p:stCondLst>
+                                            <p:cond delay="0"/>
+                                          </p:stCondLst>
+                                        </p:cTn>
+                                        <p:tgtEl>
+                                          <p:spTgt spid="43"/>
+                                        </p:tgtEl>
+                                        <p:attrNameLst>
+                                          <p:attrName>style.visibility</p:attrName>
+                                        </p:attrNameLst>
+                                      </p:cBhvr>
+                                      <p:to>
+                                        <p:strVal val="visible"/>
+                                      </p:to>
+                                    </p:set>
+                                  </p:childTnLst>
+                                </p:cTn>
+                              </p:par>
+                              <p:par>
+                                <p:cTn id="29" presetID="1" presetClass="entr" presetSubtype="0" fill="hold" nodeType="withEffect">
+                                  <p:stCondLst>
+                                    <p:cond delay="0"/>
+                                  </p:stCondLst>
+                                  <p:childTnLst>
+                                    <p:set>
+                                      <p:cBhvr>
+                                        <p:cTn id="30" dur="1" fill="hold">
+                                          <p:stCondLst>
+                                            <p:cond delay="0"/>
+                                          </p:stCondLst>
+                                        </p:cTn>
+                                        <p:tgtEl>
+                                          <p:spTgt spid="51"/>
+                                        </p:tgtEl>
+                                        <p:attrNameLst>
+                                          <p:attrName>style.visibility</p:attrName>
+                                        </p:attrNameLst>
+                                      </p:cBhvr>
+                                      <p:to>
+                                        <p:strVal val="visible"/>
+                                      </p:to>
+                                    </p:set>
+                                  </p:childTnLst>
+                                </p:cTn>
+                              </p:par>
+                              <p:par>
+                                <p:cTn id="31" presetID="1" presetClass="entr" presetSubtype="0" fill="hold" nodeType="withEffect">
+                                  <p:stCondLst>
+                                    <p:cond delay="0"/>
+                                  </p:stCondLst>
+                                  <p:childTnLst>
+                                    <p:set>
+                                      <p:cBhvr>
+                                        <p:cTn id="32" dur="1" fill="hold">
+                                          <p:stCondLst>
+                                            <p:cond delay="0"/>
+                                          </p:stCondLst>
+                                        </p:cTn>
+                                        <p:tgtEl>
+                                          <p:spTgt spid="42"/>
+                                        </p:tgtEl>
+                                        <p:attrNameLst>
+                                          <p:attrName>style.visibility</p:attrName>
+                                        </p:attrNameLst>
+                                      </p:cBhvr>
+                                      <p:to>
+                                        <p:strVal val="visible"/>
+                                      </p:to>
+                                    </p:set>
+                                  </p:childTnLst>
+                                </p:cTn>
+                              </p:par>
+                            </p:childTnLst>
+                          </p:cTn>
+                        </p:par>
+                      </p:childTnLst>
+                    </p:cTn>
+                  </p:par>
+                  <p:par>
+                    <p:cTn id="33" fill="hold">
+                      <p:stCondLst>
+                        <p:cond delay="indefinite"/>
+                      </p:stCondLst>
+                      <p:childTnLst>
+                        <p:par>
+                          <p:cTn id="34" fill="hold">
+                            <p:stCondLst>
+                              <p:cond delay="0"/>
+                            </p:stCondLst>
+                            <p:childTnLst>
+                              <p:par>
+                                <p:cTn id="35" presetID="1" presetClass="entr" presetSubtype="0" fill="hold" grpId="0" nodeType="clickEffect">
+                                  <p:stCondLst>
+                                    <p:cond delay="0"/>
+                                  </p:stCondLst>
+                                  <p:childTnLst>
+                                    <p:set>
+                                      <p:cBhvr>
+                                        <p:cTn id="36" dur="1" fill="hold">
+                                          <p:stCondLst>
+                                            <p:cond delay="0"/>
+                                          </p:stCondLst>
+                                        </p:cTn>
+                                        <p:tgtEl>
+                                          <p:spTgt spid="34"/>
+                                        </p:tgtEl>
+                                        <p:attrNameLst>
+                                          <p:attrName>style.visibility</p:attrName>
+                                        </p:attrNameLst>
+                                      </p:cBhvr>
+                                      <p:to>
+                                        <p:strVal val="visible"/>
+                                      </p:to>
+                                    </p:set>
+                                  </p:childTnLst>
+                                </p:cTn>
+                              </p:par>
+                              <p:par>
+                                <p:cTn id="37" presetID="1" presetClass="entr" presetSubtype="0" fill="hold" nodeType="withEffect">
+                                  <p:stCondLst>
+                                    <p:cond delay="0"/>
+                                  </p:stCondLst>
+                                  <p:childTnLst>
+                                    <p:set>
+                                      <p:cBhvr>
+                                        <p:cTn id="38" dur="1" fill="hold">
+                                          <p:stCondLst>
+                                            <p:cond delay="0"/>
+                                          </p:stCondLst>
+                                        </p:cTn>
+                                        <p:tgtEl>
+                                          <p:spTgt spid="38"/>
+                                        </p:tgtEl>
+                                        <p:attrNameLst>
+                                          <p:attrName>style.visibility</p:attrName>
+                                        </p:attrNameLst>
+                                      </p:cBhvr>
+                                      <p:to>
+                                        <p:strVal val="visible"/>
+                                      </p:to>
+                                    </p:set>
+                                  </p:childTnLst>
+                                </p:cTn>
+                              </p:par>
+                            </p:childTnLst>
+                          </p:cTn>
+                        </p:par>
+                      </p:childTnLst>
+                    </p:cTn>
+                  </p:par>
+                  <p:par>
+                    <p:cTn id="39" fill="hold">
+                      <p:stCondLst>
+                        <p:cond delay="indefinite"/>
+                      </p:stCondLst>
+                      <p:childTnLst>
+                        <p:par>
+                          <p:cTn id="40" fill="hold">
+                            <p:stCondLst>
+                              <p:cond delay="0"/>
+                            </p:stCondLst>
+                            <p:childTnLst>
+                              <p:par>
+                                <p:cTn id="41" presetID="1" presetClass="entr" presetSubtype="0" fill="hold" nodeType="clickEffect">
+                                  <p:stCondLst>
+                                    <p:cond delay="0"/>
+                                  </p:stCondLst>
+                                  <p:childTnLst>
+                                    <p:set>
+                                      <p:cBhvr>
+                                        <p:cTn id="42" dur="1" fill="hold">
+                                          <p:stCondLst>
+                                            <p:cond delay="0"/>
+                                          </p:stCondLst>
+                                        </p:cTn>
+                                        <p:tgtEl>
+                                          <p:spTgt spid="39"/>
+                                        </p:tgtEl>
+                                        <p:attrNameLst>
+                                          <p:attrName>style.visibility</p:attrName>
+                                        </p:attrNameLst>
+                                      </p:cBhvr>
+                                      <p:to>
+                                        <p:strVal val="visible"/>
+                                      </p:to>
+                                    </p:set>
+                                  </p:childTnLst>
+                                </p:cTn>
+                              </p:par>
+                              <p:par>
+                                <p:cTn id="43" presetID="1" presetClass="entr" presetSubtype="0" fill="hold" nodeType="withEffect">
+                                  <p:stCondLst>
+                                    <p:cond delay="0"/>
+                                  </p:stCondLst>
+                                  <p:childTnLst>
+                                    <p:set>
+                                      <p:cBhvr>
+                                        <p:cTn id="44" dur="1" fill="hold">
+                                          <p:stCondLst>
+                                            <p:cond delay="0"/>
+                                          </p:stCondLst>
+                                        </p:cTn>
+                                        <p:tgtEl>
+                                          <p:spTgt spid="41"/>
+                                        </p:tgtEl>
+                                        <p:attrNameLst>
+                                          <p:attrName>style.visibility</p:attrName>
+                                        </p:attrNameLst>
+                                      </p:cBhvr>
+                                      <p:to>
+                                        <p:strVal val="visible"/>
+                                      </p:to>
+                                    </p:set>
+                                  </p:childTnLst>
+                                </p:cTn>
+                              </p:par>
+                            </p:childTnLst>
+                          </p:cTn>
+                        </p:par>
+                      </p:childTnLst>
+                    </p:cTn>
+                  </p:par>
+                  <p:par>
+                    <p:cTn id="45" fill="hold">
+                      <p:stCondLst>
+                        <p:cond delay="indefinite"/>
+                      </p:stCondLst>
+                      <p:childTnLst>
+                        <p:par>
+                          <p:cTn id="46" fill="hold">
+                            <p:stCondLst>
+                              <p:cond delay="0"/>
+                            </p:stCondLst>
+                            <p:childTnLst>
+                              <p:par>
+                                <p:cTn id="47" presetID="1" presetClass="entr" presetSubtype="0" fill="hold" nodeType="clickEffect">
+                                  <p:stCondLst>
+                                    <p:cond delay="0"/>
+                                  </p:stCondLst>
+                                  <p:childTnLst>
+                                    <p:set>
+                                      <p:cBhvr>
+                                        <p:cTn id="48" dur="1" fill="hold">
+                                          <p:stCondLst>
+                                            <p:cond delay="0"/>
+                                          </p:stCondLst>
+                                        </p:cTn>
+                                        <p:tgtEl>
+                                          <p:spTgt spid="46"/>
+                                        </p:tgtEl>
+                                        <p:attrNameLst>
+                                          <p:attrName>style.visibility</p:attrName>
+                                        </p:attrNameLst>
+                                      </p:cBhvr>
+                                      <p:to>
+                                        <p:strVal val="visible"/>
+                                      </p:to>
+                                    </p:set>
+                                  </p:childTnLst>
+                                </p:cTn>
+                              </p:par>
+                              <p:par>
+                                <p:cTn id="49" presetID="1" presetClass="entr" presetSubtype="0" fill="hold" nodeType="withEffect">
+                                  <p:stCondLst>
+                                    <p:cond delay="0"/>
+                                  </p:stCondLst>
+                                  <p:childTnLst>
+                                    <p:set>
+                                      <p:cBhvr>
+                                        <p:cTn id="50" dur="1" fill="hold">
+                                          <p:stCondLst>
+                                            <p:cond delay="0"/>
+                                          </p:stCondLst>
+                                        </p:cTn>
+                                        <p:tgtEl>
+                                          <p:spTgt spid="47"/>
+                                        </p:tgtEl>
+                                        <p:attrNameLst>
+                                          <p:attrName>style.visibility</p:attrName>
+                                        </p:attrNameLst>
+                                      </p:cBhvr>
+                                      <p:to>
+                                        <p:strVal val="visible"/>
+                                      </p:to>
+                                    </p:set>
+                                  </p:childTnLst>
+                                </p:cTn>
+                              </p:par>
+                            </p:childTnLst>
+                          </p:cTn>
+                        </p:par>
+                      </p:childTnLst>
+                    </p:cTn>
+                  </p:par>
+                </p:childTnLst>
+              </p:cTn>
+              <p:prevCondLst>
+                <p:cond evt="onPrev" delay="0">
+                  <p:tgtEl>
+                    <p:sldTgt/>
+                  </p:tgtEl>
+                </p:cond>
+              </p:prevCondLst>
+              <p:nextCondLst>
+                <p:cond evt="onNext" delay="0">
+                  <p:tgtEl>
+                    <p:sldTgt/>
+                  </p:tgtEl>
+                </p:cond>
+              </p:nextCondLst>
+            </p:seq>
+          </p:childTnLst>
+        </p:cTn>
+      </p:par>
+    </p:tnLst>
+    <p:bldLst>
+      <p:bldP spid="9" grpId="0"/>
+      <p:bldP spid="34" grpId="0"/>
+    </p:bldLst>
+  </p:timing>
+</p:sld>
+</file>
+
+<file path=ppt/slides/slide21.xml><?xml version="1.0" encoding="utf-8"?>
+<p:sld xmlns:a="http://schemas.openxmlformats.org/drawingml/2006/main" xmlns:r="http://schemas.openxmlformats.org/officeDocument/2006/relationships" xmlns:p="http://schemas.openxmlformats.org/presentationml/2006/main">
+  <p:cSld>
+    <p:spTree>
+      <p:nvGrpSpPr>
+        <p:cNvPr id="1" name=""/>
+        <p:cNvGrpSpPr/>
+        <p:nvPr/>
+      </p:nvGrpSpPr>
+      <p:grpSpPr>
+        <a:xfrm>
+          <a:off x="0" y="0"/>
+          <a:ext cx="0" cy="0"/>
+          <a:chOff x="0" y="0"/>
+          <a:chExt cx="0" cy="0"/>
+        </a:xfrm>
+      </p:grpSpPr>
+      <p:sp>
+        <p:nvSpPr>
+          <p:cNvPr id="25" name="Título 1"/>
+          <p:cNvSpPr txBox="1">
+            <a:spLocks/>
+          </p:cNvSpPr>
+          <p:nvPr/>
+        </p:nvSpPr>
+        <p:spPr>
+          <a:xfrm>
+            <a:off x="1955322" y="1831125"/>
+            <a:ext cx="798488" cy="374246"/>
+          </a:xfrm>
+          <a:prstGeom prst="rect">
+            <a:avLst/>
+          </a:prstGeom>
+        </p:spPr>
+        <p:txBody>
+          <a:bodyPr vert="horz" lIns="91440" tIns="45720" rIns="91440" bIns="45720" rtlCol="0" anchor="ctr">
+            <a:noAutofit/>
+          </a:bodyPr>
+          <a:lstStyle>
+            <a:lvl1pPr algn="ctr" defTabSz="457200" rtl="0" eaLnBrk="1" latinLnBrk="0" hangingPunct="1">
+              <a:spcBef>
+                <a:spcPct val="0"/>
+              </a:spcBef>
+              <a:buNone/>
+              <a:defRPr sz="4400" kern="1200">
+                <a:solidFill>
+                  <a:schemeClr val="tx1"/>
+                </a:solidFill>
+                <a:latin typeface="+mj-lt"/>
+                <a:ea typeface="+mj-ea"/>
+                <a:cs typeface="+mj-cs"/>
+              </a:defRPr>
+            </a:lvl1pPr>
+          </a:lstStyle>
+          <a:p>
+            <a:endParaRPr lang="es-ES" sz="4000" dirty="0">
+              <a:solidFill>
+                <a:srgbClr val="19937C"/>
+              </a:solidFill>
+              <a:latin typeface="Ancizar Sans Extrabold"/>
+              <a:cs typeface="Ancizar Sans Extrabold"/>
+            </a:endParaRPr>
+          </a:p>
+        </p:txBody>
+      </p:sp>
+      <p:pic>
+        <p:nvPicPr>
+          <p:cNvPr id="1026" name="Picture 2" descr="https://ih0.redbubble.net/image.522698608.2413/flat,550x550,075,f.u4.jpg"/>
+          <p:cNvPicPr>
+            <a:picLocks noChangeAspect="1" noChangeArrowheads="1"/>
+          </p:cNvPicPr>
+          <p:nvPr/>
+        </p:nvPicPr>
+        <p:blipFill>
+          <a:blip r:embed="rId2" cstate="print">
+            <a:extLst>
+              <a:ext uri="{28A0092B-C50C-407E-A947-70E740481C1C}">
+                <a14:useLocalDpi xmlns:a14="http://schemas.microsoft.com/office/drawing/2010/main" val="0"/>
+              </a:ext>
+            </a:extLst>
+          </a:blip>
+          <a:srcRect/>
+          <a:stretch>
+            <a:fillRect/>
+          </a:stretch>
+        </p:blipFill>
+        <p:spPr bwMode="auto">
+          <a:xfrm>
+            <a:off x="11294629" y="247472"/>
+            <a:ext cx="655187" cy="756458"/>
+          </a:xfrm>
+          <a:prstGeom prst="rect">
+            <a:avLst/>
+          </a:prstGeom>
+          <a:noFill/>
+          <a:extLst>
+            <a:ext uri="{909E8E84-426E-40DD-AFC4-6F175D3DCCD1}">
+              <a14:hiddenFill xmlns:a14="http://schemas.microsoft.com/office/drawing/2010/main">
+                <a:solidFill>
+                  <a:srgbClr val="FFFFFF"/>
+                </a:solidFill>
+              </a14:hiddenFill>
+            </a:ext>
+          </a:extLst>
+        </p:spPr>
+      </p:pic>
+      <p:sp>
+        <p:nvSpPr>
+          <p:cNvPr id="2" name="Rectángulo 1"/>
+          <p:cNvSpPr/>
+          <p:nvPr/>
+        </p:nvSpPr>
+        <p:spPr>
+          <a:xfrm>
+            <a:off x="105476" y="6401750"/>
+            <a:ext cx="1473609" cy="307777"/>
+          </a:xfrm>
+          <a:prstGeom prst="rect">
+            <a:avLst/>
+          </a:prstGeom>
+        </p:spPr>
+        <p:txBody>
+          <a:bodyPr wrap="none">
+            <a:spAutoFit/>
+          </a:bodyPr>
+          <a:lstStyle/>
+          <a:p>
+            <a:r>
+              <a:rPr lang="es-CO" sz="1400" dirty="0" smtClean="0">
+                <a:solidFill>
+                  <a:schemeClr val="bg1">
+                    <a:lumMod val="65000"/>
+                  </a:schemeClr>
+                </a:solidFill>
+                <a:effectLst>
+                  <a:outerShdw blurRad="38100" dist="38100" dir="2700000" algn="tl">
+                    <a:srgbClr val="000000">
+                      <a:alpha val="43137"/>
+                    </a:srgbClr>
+                  </a:outerShdw>
+                </a:effectLst>
+              </a:rPr>
+              <a:t>Primer curso de R</a:t>
+            </a:r>
+            <a:endParaRPr lang="es-CO" sz="1400" dirty="0">
+              <a:solidFill>
+                <a:schemeClr val="bg1">
+                  <a:lumMod val="65000"/>
+                </a:schemeClr>
+              </a:solidFill>
+              <a:effectLst>
+                <a:outerShdw blurRad="38100" dist="38100" dir="2700000" algn="tl">
+                  <a:srgbClr val="000000">
+                    <a:alpha val="43137"/>
+                  </a:srgbClr>
+                </a:outerShdw>
+              </a:effectLst>
+            </a:endParaRPr>
+          </a:p>
+        </p:txBody>
+      </p:sp>
+      <p:sp>
+        <p:nvSpPr>
+          <p:cNvPr id="5" name="CuadroTexto 4"/>
+          <p:cNvSpPr txBox="1"/>
+          <p:nvPr/>
+        </p:nvSpPr>
+        <p:spPr>
+          <a:xfrm>
+            <a:off x="648393" y="551330"/>
+            <a:ext cx="5511338" cy="369332"/>
+          </a:xfrm>
+          <a:prstGeom prst="rect">
+            <a:avLst/>
+          </a:prstGeom>
+          <a:noFill/>
+        </p:spPr>
+        <p:txBody>
+          <a:bodyPr wrap="square" rtlCol="0">
+            <a:spAutoFit/>
+          </a:bodyPr>
+          <a:lstStyle/>
+          <a:p>
             <a:r>
               <a:rPr lang="es-CO" b="1" dirty="0" smtClean="0"/>
-              <a:t>EN R</a:t>
+              <a:t>VECTORES EN R</a:t>
+            </a:r>
+            <a:endParaRPr lang="es-CO" b="1" dirty="0"/>
+          </a:p>
+        </p:txBody>
+      </p:sp>
+      <p:sp>
+        <p:nvSpPr>
+          <p:cNvPr id="6" name="Rectángulo 5"/>
+          <p:cNvSpPr/>
+          <p:nvPr/>
+        </p:nvSpPr>
+        <p:spPr>
+          <a:xfrm>
+            <a:off x="970931" y="1179230"/>
+            <a:ext cx="4755661" cy="369332"/>
+          </a:xfrm>
+          <a:prstGeom prst="rect">
+            <a:avLst/>
+          </a:prstGeom>
+        </p:spPr>
+        <p:txBody>
+          <a:bodyPr wrap="none">
+            <a:spAutoFit/>
+          </a:bodyPr>
+          <a:lstStyle/>
+          <a:p>
+            <a:r>
+              <a:rPr lang="es-CO" b="1" dirty="0" smtClean="0">
+                <a:solidFill>
+                  <a:srgbClr val="00B050"/>
+                </a:solidFill>
+              </a:rPr>
+              <a:t>ANEXAR/ADICIONAR ELEMENTOS A UN VECTOR</a:t>
+            </a:r>
+            <a:endParaRPr lang="es-CO" b="1" dirty="0">
+              <a:solidFill>
+                <a:srgbClr val="FF0000"/>
+              </a:solidFill>
+            </a:endParaRPr>
+          </a:p>
+        </p:txBody>
+      </p:sp>
+      <p:sp>
+        <p:nvSpPr>
+          <p:cNvPr id="7" name="Rectángulo 6"/>
+          <p:cNvSpPr/>
+          <p:nvPr/>
+        </p:nvSpPr>
+        <p:spPr>
+          <a:xfrm>
+            <a:off x="507637" y="2517386"/>
+            <a:ext cx="1062855" cy="523220"/>
+          </a:xfrm>
+          <a:prstGeom prst="rect">
+            <a:avLst/>
+          </a:prstGeom>
+        </p:spPr>
+        <p:txBody>
+          <a:bodyPr wrap="none">
+            <a:spAutoFit/>
+          </a:bodyPr>
+          <a:lstStyle/>
+          <a:p>
+            <a:r>
+              <a:rPr lang="es-CO" sz="2800" dirty="0" smtClean="0"/>
+              <a:t>Vec_1</a:t>
+            </a:r>
+            <a:endParaRPr lang="es-CO" sz="2800" dirty="0"/>
+          </a:p>
+        </p:txBody>
+      </p:sp>
+      <p:sp>
+        <p:nvSpPr>
+          <p:cNvPr id="8" name="Rectángulo 7"/>
+          <p:cNvSpPr/>
+          <p:nvPr/>
+        </p:nvSpPr>
+        <p:spPr>
+          <a:xfrm>
+            <a:off x="1674556" y="2492448"/>
+            <a:ext cx="514885" cy="584775"/>
+          </a:xfrm>
+          <a:prstGeom prst="rect">
+            <a:avLst/>
+          </a:prstGeom>
+        </p:spPr>
+        <p:txBody>
+          <a:bodyPr wrap="none">
+            <a:spAutoFit/>
+          </a:bodyPr>
+          <a:lstStyle/>
+          <a:p>
+            <a:r>
+              <a:rPr lang="es-CO" sz="3200" dirty="0" smtClean="0">
+                <a:solidFill>
+                  <a:srgbClr val="FF0000"/>
+                </a:solidFill>
+              </a:rPr>
+              <a:t>&lt;-</a:t>
+            </a:r>
+            <a:endParaRPr lang="es-CO" sz="3200" dirty="0">
+              <a:solidFill>
+                <a:srgbClr val="FF0000"/>
+              </a:solidFill>
+            </a:endParaRPr>
+          </a:p>
+        </p:txBody>
+      </p:sp>
+      <p:grpSp>
+        <p:nvGrpSpPr>
+          <p:cNvPr id="9" name="Grupo 8"/>
+          <p:cNvGrpSpPr/>
+          <p:nvPr/>
+        </p:nvGrpSpPr>
+        <p:grpSpPr>
+          <a:xfrm>
+            <a:off x="2260204" y="2514222"/>
+            <a:ext cx="3466388" cy="672403"/>
+            <a:chOff x="2176422" y="2507041"/>
+            <a:chExt cx="3466388" cy="672403"/>
+          </a:xfrm>
+        </p:grpSpPr>
+        <p:grpSp>
+          <p:nvGrpSpPr>
+            <p:cNvPr id="10" name="Grupo 9"/>
+            <p:cNvGrpSpPr/>
+            <p:nvPr/>
+          </p:nvGrpSpPr>
+          <p:grpSpPr>
+            <a:xfrm>
+              <a:off x="2176422" y="2507041"/>
+              <a:ext cx="3466388" cy="672403"/>
+              <a:chOff x="1317603" y="1743706"/>
+              <a:chExt cx="3466388" cy="672403"/>
+            </a:xfrm>
+          </p:grpSpPr>
+          <p:sp>
+            <p:nvSpPr>
+              <p:cNvPr id="12" name="CuadroTexto 11"/>
+              <p:cNvSpPr txBox="1"/>
+              <p:nvPr/>
+            </p:nvSpPr>
+            <p:spPr>
+              <a:xfrm>
+                <a:off x="1317603" y="1743706"/>
+                <a:ext cx="606829" cy="584775"/>
+              </a:xfrm>
+              <a:prstGeom prst="rect">
+                <a:avLst/>
+              </a:prstGeom>
+              <a:noFill/>
+            </p:spPr>
+            <p:txBody>
+              <a:bodyPr wrap="square" rtlCol="0">
+                <a:spAutoFit/>
+              </a:bodyPr>
+              <a:lstStyle/>
+              <a:p>
+                <a:r>
+                  <a:rPr lang="es-CO" sz="2400" dirty="0" smtClean="0"/>
+                  <a:t>C</a:t>
+                </a:r>
+                <a:r>
+                  <a:rPr lang="es-CO" sz="3200" dirty="0" smtClean="0"/>
+                  <a:t>(</a:t>
+                </a:r>
+                <a:endParaRPr lang="es-CO" sz="3200" dirty="0"/>
+              </a:p>
+            </p:txBody>
+          </p:sp>
+          <p:pic>
+            <p:nvPicPr>
+              <p:cNvPr id="13" name="Imagen 12"/>
+              <p:cNvPicPr>
+                <a:picLocks noChangeAspect="1"/>
+              </p:cNvPicPr>
+              <p:nvPr/>
+            </p:nvPicPr>
+            <p:blipFill>
+              <a:blip r:embed="rId3"/>
+              <a:stretch>
+                <a:fillRect/>
+              </a:stretch>
+            </p:blipFill>
+            <p:spPr>
+              <a:xfrm>
+                <a:off x="1803524" y="1880862"/>
+                <a:ext cx="440695" cy="370544"/>
+              </a:xfrm>
+              <a:prstGeom prst="rect">
+                <a:avLst/>
+              </a:prstGeom>
+            </p:spPr>
+          </p:pic>
+          <p:pic>
+            <p:nvPicPr>
+              <p:cNvPr id="14" name="Imagen 13"/>
+              <p:cNvPicPr>
+                <a:picLocks noChangeAspect="1"/>
+              </p:cNvPicPr>
+              <p:nvPr/>
+            </p:nvPicPr>
+            <p:blipFill>
+              <a:blip r:embed="rId4"/>
+              <a:stretch>
+                <a:fillRect/>
+              </a:stretch>
+            </p:blipFill>
+            <p:spPr>
+              <a:xfrm>
+                <a:off x="2502411" y="1808372"/>
+                <a:ext cx="502798" cy="398241"/>
+              </a:xfrm>
+              <a:prstGeom prst="rect">
+                <a:avLst/>
+              </a:prstGeom>
+            </p:spPr>
+          </p:pic>
+          <p:pic>
+            <p:nvPicPr>
+              <p:cNvPr id="15" name="Imagen 14"/>
+              <p:cNvPicPr>
+                <a:picLocks noChangeAspect="1"/>
+              </p:cNvPicPr>
+              <p:nvPr/>
+            </p:nvPicPr>
+            <p:blipFill>
+              <a:blip r:embed="rId5"/>
+              <a:stretch>
+                <a:fillRect/>
+              </a:stretch>
+            </p:blipFill>
+            <p:spPr>
+              <a:xfrm>
+                <a:off x="3280407" y="1880862"/>
+                <a:ext cx="543781" cy="339600"/>
+              </a:xfrm>
+              <a:prstGeom prst="rect">
+                <a:avLst/>
+              </a:prstGeom>
+            </p:spPr>
+          </p:pic>
+          <p:sp>
+            <p:nvSpPr>
+              <p:cNvPr id="17" name="Rectángulo 16"/>
+              <p:cNvSpPr/>
+              <p:nvPr/>
+            </p:nvSpPr>
+            <p:spPr>
+              <a:xfrm rot="10800000">
+                <a:off x="4474291" y="1831334"/>
+                <a:ext cx="309700" cy="584775"/>
+              </a:xfrm>
+              <a:prstGeom prst="rect">
+                <a:avLst/>
+              </a:prstGeom>
+            </p:spPr>
+            <p:txBody>
+              <a:bodyPr wrap="none">
+                <a:spAutoFit/>
+              </a:bodyPr>
+              <a:lstStyle/>
+              <a:p>
+                <a:r>
+                  <a:rPr lang="es-CO" sz="3200" dirty="0"/>
+                  <a:t>(</a:t>
+                </a:r>
+                <a:endParaRPr lang="es-CO" sz="3200" dirty="0"/>
+              </a:p>
+            </p:txBody>
+          </p:sp>
+          <p:sp>
+            <p:nvSpPr>
+              <p:cNvPr id="19" name="Rectángulo 18"/>
+              <p:cNvSpPr/>
+              <p:nvPr/>
+            </p:nvSpPr>
+            <p:spPr>
+              <a:xfrm>
+                <a:off x="2251012" y="1882074"/>
+                <a:ext cx="242374" cy="369332"/>
+              </a:xfrm>
+              <a:prstGeom prst="rect">
+                <a:avLst/>
+              </a:prstGeom>
+            </p:spPr>
+            <p:txBody>
+              <a:bodyPr wrap="none">
+                <a:spAutoFit/>
+              </a:bodyPr>
+              <a:lstStyle/>
+              <a:p>
+                <a:r>
+                  <a:rPr lang="es-CO" dirty="0"/>
+                  <a:t>,</a:t>
+                </a:r>
+                <a:endParaRPr lang="es-CO" dirty="0"/>
+              </a:p>
+            </p:txBody>
+          </p:sp>
+          <p:pic>
+            <p:nvPicPr>
+              <p:cNvPr id="20" name="Imagen 19"/>
+              <p:cNvPicPr>
+                <a:picLocks noChangeAspect="1"/>
+              </p:cNvPicPr>
+              <p:nvPr/>
+            </p:nvPicPr>
+            <p:blipFill>
+              <a:blip r:embed="rId6"/>
+              <a:stretch>
+                <a:fillRect/>
+              </a:stretch>
+            </p:blipFill>
+            <p:spPr>
+              <a:xfrm>
+                <a:off x="2917326" y="1876813"/>
+                <a:ext cx="341406" cy="493819"/>
+              </a:xfrm>
+              <a:prstGeom prst="rect">
+                <a:avLst/>
+              </a:prstGeom>
+            </p:spPr>
+          </p:pic>
+          <p:sp>
+            <p:nvSpPr>
+              <p:cNvPr id="21" name="Rectángulo 20"/>
+              <p:cNvSpPr/>
+              <p:nvPr/>
+            </p:nvSpPr>
+            <p:spPr>
+              <a:xfrm>
+                <a:off x="3845817" y="1928925"/>
+                <a:ext cx="242374" cy="369332"/>
+              </a:xfrm>
+              <a:prstGeom prst="rect">
+                <a:avLst/>
+              </a:prstGeom>
+            </p:spPr>
+            <p:txBody>
+              <a:bodyPr wrap="none">
+                <a:spAutoFit/>
+              </a:bodyPr>
+              <a:lstStyle/>
+              <a:p>
+                <a:r>
+                  <a:rPr lang="es-CO" dirty="0" smtClean="0"/>
+                  <a:t>,</a:t>
+                </a:r>
+                <a:endParaRPr lang="es-CO" dirty="0"/>
+              </a:p>
+            </p:txBody>
+          </p:sp>
+        </p:grpSp>
+        <p:pic>
+          <p:nvPicPr>
+            <p:cNvPr id="11" name="Imagen 10"/>
+            <p:cNvPicPr>
+              <a:picLocks noChangeAspect="1"/>
+            </p:cNvPicPr>
+            <p:nvPr/>
+          </p:nvPicPr>
+          <p:blipFill>
+            <a:blip r:embed="rId7"/>
+            <a:stretch>
+              <a:fillRect/>
+            </a:stretch>
+          </p:blipFill>
+          <p:spPr>
+            <a:xfrm>
+              <a:off x="4976749" y="2677297"/>
+              <a:ext cx="356128" cy="356128"/>
+            </a:xfrm>
+            <a:prstGeom prst="rect">
+              <a:avLst/>
+            </a:prstGeom>
+          </p:spPr>
+        </p:pic>
+      </p:grpSp>
+      <p:sp>
+        <p:nvSpPr>
+          <p:cNvPr id="22" name="Rectángulo 21"/>
+          <p:cNvSpPr/>
+          <p:nvPr/>
+        </p:nvSpPr>
+        <p:spPr>
+          <a:xfrm>
+            <a:off x="507637" y="3351870"/>
+            <a:ext cx="1062855" cy="523220"/>
+          </a:xfrm>
+          <a:prstGeom prst="rect">
+            <a:avLst/>
+          </a:prstGeom>
+        </p:spPr>
+        <p:txBody>
+          <a:bodyPr wrap="none">
+            <a:spAutoFit/>
+          </a:bodyPr>
+          <a:lstStyle/>
+          <a:p>
+            <a:r>
+              <a:rPr lang="es-CO" sz="2800" dirty="0" smtClean="0"/>
+              <a:t>Vec_2</a:t>
+            </a:r>
+            <a:endParaRPr lang="es-CO" sz="2800" dirty="0"/>
+          </a:p>
+        </p:txBody>
+      </p:sp>
+      <p:sp>
+        <p:nvSpPr>
+          <p:cNvPr id="23" name="Rectángulo 22"/>
+          <p:cNvSpPr/>
+          <p:nvPr/>
+        </p:nvSpPr>
+        <p:spPr>
+          <a:xfrm>
+            <a:off x="1674556" y="3326932"/>
+            <a:ext cx="514885" cy="584775"/>
+          </a:xfrm>
+          <a:prstGeom prst="rect">
+            <a:avLst/>
+          </a:prstGeom>
+        </p:spPr>
+        <p:txBody>
+          <a:bodyPr wrap="none">
+            <a:spAutoFit/>
+          </a:bodyPr>
+          <a:lstStyle/>
+          <a:p>
+            <a:r>
+              <a:rPr lang="es-CO" sz="3200" dirty="0" smtClean="0">
+                <a:solidFill>
+                  <a:srgbClr val="FF0000"/>
+                </a:solidFill>
+              </a:rPr>
+              <a:t>&lt;-</a:t>
+            </a:r>
+            <a:endParaRPr lang="es-CO" sz="3200" dirty="0">
+              <a:solidFill>
+                <a:srgbClr val="FF0000"/>
+              </a:solidFill>
+            </a:endParaRPr>
+          </a:p>
+        </p:txBody>
+      </p:sp>
+      <p:grpSp>
+        <p:nvGrpSpPr>
+          <p:cNvPr id="81" name="Grupo 80"/>
+          <p:cNvGrpSpPr/>
+          <p:nvPr/>
+        </p:nvGrpSpPr>
+        <p:grpSpPr>
+          <a:xfrm>
+            <a:off x="2325037" y="3349814"/>
+            <a:ext cx="2611298" cy="671295"/>
+            <a:chOff x="2325037" y="3349814"/>
+            <a:chExt cx="2611298" cy="671295"/>
+          </a:xfrm>
+        </p:grpSpPr>
+        <p:pic>
+          <p:nvPicPr>
+            <p:cNvPr id="36" name="Imagen 35"/>
+            <p:cNvPicPr>
+              <a:picLocks noChangeAspect="1"/>
+            </p:cNvPicPr>
+            <p:nvPr/>
+          </p:nvPicPr>
+          <p:blipFill>
+            <a:blip r:embed="rId8"/>
+            <a:stretch>
+              <a:fillRect/>
+            </a:stretch>
+          </p:blipFill>
+          <p:spPr>
+            <a:xfrm>
+              <a:off x="2702627" y="3436334"/>
+              <a:ext cx="458315" cy="458315"/>
+            </a:xfrm>
+            <a:prstGeom prst="rect">
+              <a:avLst/>
+            </a:prstGeom>
+          </p:spPr>
+        </p:pic>
+        <p:grpSp>
+          <p:nvGrpSpPr>
+            <p:cNvPr id="73" name="Grupo 72"/>
+            <p:cNvGrpSpPr/>
+            <p:nvPr/>
+          </p:nvGrpSpPr>
+          <p:grpSpPr>
+            <a:xfrm>
+              <a:off x="2325037" y="3349814"/>
+              <a:ext cx="2611298" cy="671295"/>
+              <a:chOff x="2325037" y="3349814"/>
+              <a:chExt cx="2611298" cy="671295"/>
+            </a:xfrm>
+          </p:grpSpPr>
+          <p:grpSp>
+            <p:nvGrpSpPr>
+              <p:cNvPr id="26" name="Grupo 25"/>
+              <p:cNvGrpSpPr/>
+              <p:nvPr/>
+            </p:nvGrpSpPr>
+            <p:grpSpPr>
+              <a:xfrm>
+                <a:off x="2325037" y="3349814"/>
+                <a:ext cx="2010691" cy="626926"/>
+                <a:chOff x="1317603" y="1743706"/>
+                <a:chExt cx="1941129" cy="626926"/>
+              </a:xfrm>
+            </p:grpSpPr>
+            <p:sp>
+              <p:nvSpPr>
+                <p:cNvPr id="28" name="CuadroTexto 27"/>
+                <p:cNvSpPr txBox="1"/>
+                <p:nvPr/>
+              </p:nvSpPr>
+              <p:spPr>
+                <a:xfrm>
+                  <a:off x="1317603" y="1743706"/>
+                  <a:ext cx="606829" cy="584775"/>
+                </a:xfrm>
+                <a:prstGeom prst="rect">
+                  <a:avLst/>
+                </a:prstGeom>
+                <a:noFill/>
+              </p:spPr>
+              <p:txBody>
+                <a:bodyPr wrap="square" rtlCol="0">
+                  <a:spAutoFit/>
+                </a:bodyPr>
+                <a:lstStyle/>
+                <a:p>
+                  <a:r>
+                    <a:rPr lang="es-CO" sz="2400" dirty="0" smtClean="0"/>
+                    <a:t>C</a:t>
+                  </a:r>
+                  <a:r>
+                    <a:rPr lang="es-CO" sz="3200" dirty="0" smtClean="0"/>
+                    <a:t>(</a:t>
+                  </a:r>
+                  <a:endParaRPr lang="es-CO" sz="3200" dirty="0"/>
+                </a:p>
+              </p:txBody>
+            </p:sp>
+            <p:sp>
+              <p:nvSpPr>
+                <p:cNvPr id="33" name="Rectángulo 32"/>
+                <p:cNvSpPr/>
+                <p:nvPr/>
+              </p:nvSpPr>
+              <p:spPr>
+                <a:xfrm>
+                  <a:off x="2251012" y="1882074"/>
+                  <a:ext cx="242374" cy="369332"/>
+                </a:xfrm>
+                <a:prstGeom prst="rect">
+                  <a:avLst/>
+                </a:prstGeom>
+              </p:spPr>
+              <p:txBody>
+                <a:bodyPr wrap="none">
+                  <a:spAutoFit/>
+                </a:bodyPr>
+                <a:lstStyle/>
+                <a:p>
+                  <a:r>
+                    <a:rPr lang="es-CO" dirty="0"/>
+                    <a:t>,</a:t>
+                  </a:r>
+                  <a:endParaRPr lang="es-CO" dirty="0"/>
+                </a:p>
+              </p:txBody>
+            </p:sp>
+            <p:pic>
+              <p:nvPicPr>
+                <p:cNvPr id="34" name="Imagen 33"/>
+                <p:cNvPicPr>
+                  <a:picLocks noChangeAspect="1"/>
+                </p:cNvPicPr>
+                <p:nvPr/>
+              </p:nvPicPr>
+              <p:blipFill>
+                <a:blip r:embed="rId6"/>
+                <a:stretch>
+                  <a:fillRect/>
+                </a:stretch>
+              </p:blipFill>
+              <p:spPr>
+                <a:xfrm>
+                  <a:off x="2917326" y="1876813"/>
+                  <a:ext cx="341406" cy="493819"/>
+                </a:xfrm>
+                <a:prstGeom prst="rect">
+                  <a:avLst/>
+                </a:prstGeom>
+              </p:spPr>
+            </p:pic>
+          </p:grpSp>
+          <p:pic>
+            <p:nvPicPr>
+              <p:cNvPr id="3" name="Imagen 2"/>
+              <p:cNvPicPr>
+                <a:picLocks noChangeAspect="1"/>
+              </p:cNvPicPr>
+              <p:nvPr/>
+            </p:nvPicPr>
+            <p:blipFill>
+              <a:blip r:embed="rId9"/>
+              <a:stretch>
+                <a:fillRect/>
+              </a:stretch>
+            </p:blipFill>
+            <p:spPr>
+              <a:xfrm>
+                <a:off x="3542178" y="3489038"/>
+                <a:ext cx="368098" cy="368098"/>
+              </a:xfrm>
+              <a:prstGeom prst="rect">
+                <a:avLst/>
+              </a:prstGeom>
+            </p:spPr>
+          </p:pic>
+          <p:pic>
+            <p:nvPicPr>
+              <p:cNvPr id="38" name="Imagen 37"/>
+              <p:cNvPicPr>
+                <a:picLocks noChangeAspect="1"/>
+              </p:cNvPicPr>
+              <p:nvPr/>
+            </p:nvPicPr>
+            <p:blipFill>
+              <a:blip r:embed="rId10"/>
+              <a:stretch>
+                <a:fillRect/>
+              </a:stretch>
+            </p:blipFill>
+            <p:spPr>
+              <a:xfrm>
+                <a:off x="4316816" y="3511116"/>
+                <a:ext cx="332854" cy="332854"/>
+              </a:xfrm>
+              <a:prstGeom prst="rect">
+                <a:avLst/>
+              </a:prstGeom>
+            </p:spPr>
+          </p:pic>
+          <p:sp>
+            <p:nvSpPr>
+              <p:cNvPr id="37" name="Rectángulo 36"/>
+              <p:cNvSpPr/>
+              <p:nvPr/>
+            </p:nvSpPr>
+            <p:spPr>
+              <a:xfrm flipV="1">
+                <a:off x="4597242" y="3436334"/>
+                <a:ext cx="339093" cy="584775"/>
+              </a:xfrm>
+              <a:prstGeom prst="rect">
+                <a:avLst/>
+              </a:prstGeom>
+            </p:spPr>
+            <p:txBody>
+              <a:bodyPr wrap="square">
+                <a:spAutoFit/>
+              </a:bodyPr>
+              <a:lstStyle/>
+              <a:p>
+                <a:r>
+                  <a:rPr lang="es-CO" sz="3200" dirty="0"/>
+                  <a:t>(</a:t>
+                </a:r>
+              </a:p>
+            </p:txBody>
+          </p:sp>
+        </p:grpSp>
+      </p:grpSp>
+      <p:grpSp>
+        <p:nvGrpSpPr>
+          <p:cNvPr id="40" name="Grupo 39"/>
+          <p:cNvGrpSpPr/>
+          <p:nvPr/>
+        </p:nvGrpSpPr>
+        <p:grpSpPr>
+          <a:xfrm>
+            <a:off x="6746862" y="3107496"/>
+            <a:ext cx="5202954" cy="657675"/>
+            <a:chOff x="6742008" y="3300203"/>
+            <a:chExt cx="5202954" cy="657675"/>
+          </a:xfrm>
+        </p:grpSpPr>
+        <p:grpSp>
+          <p:nvGrpSpPr>
+            <p:cNvPr id="42" name="Grupo 41"/>
+            <p:cNvGrpSpPr/>
+            <p:nvPr/>
+          </p:nvGrpSpPr>
+          <p:grpSpPr>
+            <a:xfrm>
+              <a:off x="6742008" y="3300203"/>
+              <a:ext cx="2770588" cy="626926"/>
+              <a:chOff x="1317603" y="1743706"/>
+              <a:chExt cx="2770588" cy="626926"/>
+            </a:xfrm>
+          </p:grpSpPr>
+          <p:sp>
+            <p:nvSpPr>
+              <p:cNvPr id="44" name="CuadroTexto 43"/>
+              <p:cNvSpPr txBox="1"/>
+              <p:nvPr/>
+            </p:nvSpPr>
+            <p:spPr>
+              <a:xfrm>
+                <a:off x="1317603" y="1743706"/>
+                <a:ext cx="606829" cy="584775"/>
+              </a:xfrm>
+              <a:prstGeom prst="rect">
+                <a:avLst/>
+              </a:prstGeom>
+              <a:noFill/>
+            </p:spPr>
+            <p:txBody>
+              <a:bodyPr wrap="square" rtlCol="0">
+                <a:spAutoFit/>
+              </a:bodyPr>
+              <a:lstStyle/>
+              <a:p>
+                <a:r>
+                  <a:rPr lang="es-CO" sz="2400" dirty="0" smtClean="0"/>
+                  <a:t>C</a:t>
+                </a:r>
+                <a:r>
+                  <a:rPr lang="es-CO" sz="3200" dirty="0" smtClean="0"/>
+                  <a:t>(</a:t>
+                </a:r>
+                <a:endParaRPr lang="es-CO" sz="3200" dirty="0"/>
+              </a:p>
+            </p:txBody>
+          </p:sp>
+          <p:pic>
+            <p:nvPicPr>
+              <p:cNvPr id="45" name="Imagen 44"/>
+              <p:cNvPicPr>
+                <a:picLocks noChangeAspect="1"/>
+              </p:cNvPicPr>
+              <p:nvPr/>
+            </p:nvPicPr>
+            <p:blipFill>
+              <a:blip r:embed="rId3"/>
+              <a:stretch>
+                <a:fillRect/>
+              </a:stretch>
+            </p:blipFill>
+            <p:spPr>
+              <a:xfrm>
+                <a:off x="1803524" y="1880862"/>
+                <a:ext cx="440695" cy="370544"/>
+              </a:xfrm>
+              <a:prstGeom prst="rect">
+                <a:avLst/>
+              </a:prstGeom>
+            </p:spPr>
+          </p:pic>
+          <p:pic>
+            <p:nvPicPr>
+              <p:cNvPr id="46" name="Imagen 45"/>
+              <p:cNvPicPr>
+                <a:picLocks noChangeAspect="1"/>
+              </p:cNvPicPr>
+              <p:nvPr/>
+            </p:nvPicPr>
+            <p:blipFill>
+              <a:blip r:embed="rId4"/>
+              <a:stretch>
+                <a:fillRect/>
+              </a:stretch>
+            </p:blipFill>
+            <p:spPr>
+              <a:xfrm>
+                <a:off x="2502411" y="1808372"/>
+                <a:ext cx="502798" cy="398241"/>
+              </a:xfrm>
+              <a:prstGeom prst="rect">
+                <a:avLst/>
+              </a:prstGeom>
+            </p:spPr>
+          </p:pic>
+          <p:pic>
+            <p:nvPicPr>
+              <p:cNvPr id="47" name="Imagen 46"/>
+              <p:cNvPicPr>
+                <a:picLocks noChangeAspect="1"/>
+              </p:cNvPicPr>
+              <p:nvPr/>
+            </p:nvPicPr>
+            <p:blipFill>
+              <a:blip r:embed="rId5"/>
+              <a:stretch>
+                <a:fillRect/>
+              </a:stretch>
+            </p:blipFill>
+            <p:spPr>
+              <a:xfrm>
+                <a:off x="3280407" y="1880862"/>
+                <a:ext cx="543781" cy="339600"/>
+              </a:xfrm>
+              <a:prstGeom prst="rect">
+                <a:avLst/>
+              </a:prstGeom>
+            </p:spPr>
+          </p:pic>
+          <p:sp>
+            <p:nvSpPr>
+              <p:cNvPr id="49" name="Rectángulo 48"/>
+              <p:cNvSpPr/>
+              <p:nvPr/>
+            </p:nvSpPr>
+            <p:spPr>
+              <a:xfrm>
+                <a:off x="2251012" y="1882074"/>
+                <a:ext cx="242374" cy="369332"/>
+              </a:xfrm>
+              <a:prstGeom prst="rect">
+                <a:avLst/>
+              </a:prstGeom>
+            </p:spPr>
+            <p:txBody>
+              <a:bodyPr wrap="none">
+                <a:spAutoFit/>
+              </a:bodyPr>
+              <a:lstStyle/>
+              <a:p>
+                <a:r>
+                  <a:rPr lang="es-CO" dirty="0"/>
+                  <a:t>,</a:t>
+                </a:r>
+                <a:endParaRPr lang="es-CO" dirty="0"/>
+              </a:p>
+            </p:txBody>
+          </p:sp>
+          <p:pic>
+            <p:nvPicPr>
+              <p:cNvPr id="50" name="Imagen 49"/>
+              <p:cNvPicPr>
+                <a:picLocks noChangeAspect="1"/>
+              </p:cNvPicPr>
+              <p:nvPr/>
+            </p:nvPicPr>
+            <p:blipFill>
+              <a:blip r:embed="rId6"/>
+              <a:stretch>
+                <a:fillRect/>
+              </a:stretch>
+            </p:blipFill>
+            <p:spPr>
+              <a:xfrm>
+                <a:off x="2917326" y="1876813"/>
+                <a:ext cx="341406" cy="493819"/>
+              </a:xfrm>
+              <a:prstGeom prst="rect">
+                <a:avLst/>
+              </a:prstGeom>
+            </p:spPr>
+          </p:pic>
+          <p:sp>
+            <p:nvSpPr>
+              <p:cNvPr id="51" name="Rectángulo 50"/>
+              <p:cNvSpPr/>
+              <p:nvPr/>
+            </p:nvSpPr>
+            <p:spPr>
+              <a:xfrm>
+                <a:off x="3845817" y="1928925"/>
+                <a:ext cx="242374" cy="369332"/>
+              </a:xfrm>
+              <a:prstGeom prst="rect">
+                <a:avLst/>
+              </a:prstGeom>
+            </p:spPr>
+            <p:txBody>
+              <a:bodyPr wrap="none">
+                <a:spAutoFit/>
+              </a:bodyPr>
+              <a:lstStyle/>
+              <a:p>
+                <a:r>
+                  <a:rPr lang="es-CO" dirty="0" smtClean="0"/>
+                  <a:t>,</a:t>
+                </a:r>
+                <a:endParaRPr lang="es-CO" dirty="0"/>
+              </a:p>
+            </p:txBody>
+          </p:sp>
+        </p:grpSp>
+        <p:pic>
+          <p:nvPicPr>
+            <p:cNvPr id="43" name="Imagen 42"/>
+            <p:cNvPicPr>
+              <a:picLocks noChangeAspect="1"/>
+            </p:cNvPicPr>
+            <p:nvPr/>
+          </p:nvPicPr>
+          <p:blipFill>
+            <a:blip r:embed="rId7"/>
+            <a:stretch>
+              <a:fillRect/>
+            </a:stretch>
+          </p:blipFill>
+          <p:spPr>
+            <a:xfrm>
+              <a:off x="9542335" y="3470459"/>
+              <a:ext cx="356128" cy="356128"/>
+            </a:xfrm>
+            <a:prstGeom prst="rect">
+              <a:avLst/>
+            </a:prstGeom>
+          </p:spPr>
+        </p:pic>
+        <p:sp>
+          <p:nvSpPr>
+            <p:cNvPr id="52" name="Rectángulo 51"/>
+            <p:cNvSpPr/>
+            <p:nvPr/>
+          </p:nvSpPr>
+          <p:spPr>
+            <a:xfrm rot="10800000">
+              <a:off x="11635262" y="3373103"/>
+              <a:ext cx="309700" cy="584775"/>
+            </a:xfrm>
+            <a:prstGeom prst="rect">
+              <a:avLst/>
+            </a:prstGeom>
+          </p:spPr>
+          <p:txBody>
+            <a:bodyPr wrap="none">
+              <a:spAutoFit/>
+            </a:bodyPr>
+            <a:lstStyle/>
+            <a:p>
+              <a:r>
+                <a:rPr lang="es-CO" sz="3200" dirty="0"/>
+                <a:t>(</a:t>
+              </a:r>
+              <a:endParaRPr lang="es-CO" sz="3200" dirty="0"/>
+            </a:p>
+          </p:txBody>
+        </p:sp>
+        <p:sp>
+          <p:nvSpPr>
+            <p:cNvPr id="53" name="Rectángulo 52"/>
+            <p:cNvSpPr/>
+            <p:nvPr/>
+          </p:nvSpPr>
+          <p:spPr>
+            <a:xfrm>
+              <a:off x="9921448" y="3485422"/>
+              <a:ext cx="242374" cy="369332"/>
+            </a:xfrm>
+            <a:prstGeom prst="rect">
+              <a:avLst/>
+            </a:prstGeom>
+          </p:spPr>
+          <p:txBody>
+            <a:bodyPr wrap="none">
+              <a:spAutoFit/>
+            </a:bodyPr>
+            <a:lstStyle/>
+            <a:p>
+              <a:r>
+                <a:rPr lang="es-CO" dirty="0" smtClean="0"/>
+                <a:t>,</a:t>
+              </a:r>
+              <a:endParaRPr lang="es-CO" dirty="0"/>
+            </a:p>
+          </p:txBody>
+        </p:sp>
+        <p:pic>
+          <p:nvPicPr>
+            <p:cNvPr id="54" name="Imagen 53"/>
+            <p:cNvPicPr>
+              <a:picLocks noChangeAspect="1"/>
+            </p:cNvPicPr>
+            <p:nvPr/>
+          </p:nvPicPr>
+          <p:blipFill>
+            <a:blip r:embed="rId8"/>
+            <a:stretch>
+              <a:fillRect/>
+            </a:stretch>
+          </p:blipFill>
+          <p:spPr>
+            <a:xfrm>
+              <a:off x="10145275" y="3411935"/>
+              <a:ext cx="458315" cy="458315"/>
+            </a:xfrm>
+            <a:prstGeom prst="rect">
+              <a:avLst/>
+            </a:prstGeom>
+          </p:spPr>
+        </p:pic>
+        <p:pic>
+          <p:nvPicPr>
+            <p:cNvPr id="55" name="Imagen 54"/>
+            <p:cNvPicPr>
+              <a:picLocks noChangeAspect="1"/>
+            </p:cNvPicPr>
+            <p:nvPr/>
+          </p:nvPicPr>
+          <p:blipFill>
+            <a:blip r:embed="rId9"/>
+            <a:stretch>
+              <a:fillRect/>
+            </a:stretch>
+          </p:blipFill>
+          <p:spPr>
+            <a:xfrm>
+              <a:off x="10816681" y="3470459"/>
+              <a:ext cx="341436" cy="341436"/>
+            </a:xfrm>
+            <a:prstGeom prst="rect">
+              <a:avLst/>
+            </a:prstGeom>
+          </p:spPr>
+        </p:pic>
+        <p:pic>
+          <p:nvPicPr>
+            <p:cNvPr id="56" name="Imagen 55"/>
+            <p:cNvPicPr>
+              <a:picLocks noChangeAspect="1"/>
+            </p:cNvPicPr>
+            <p:nvPr/>
+          </p:nvPicPr>
+          <p:blipFill>
+            <a:blip r:embed="rId10"/>
+            <a:stretch>
+              <a:fillRect/>
+            </a:stretch>
+          </p:blipFill>
+          <p:spPr>
+            <a:xfrm>
+              <a:off x="11350355" y="3470459"/>
+              <a:ext cx="299833" cy="316136"/>
+            </a:xfrm>
+            <a:prstGeom prst="rect">
+              <a:avLst/>
+            </a:prstGeom>
+          </p:spPr>
+        </p:pic>
+        <p:sp>
+          <p:nvSpPr>
+            <p:cNvPr id="57" name="Rectángulo 56"/>
+            <p:cNvSpPr/>
+            <p:nvPr/>
+          </p:nvSpPr>
+          <p:spPr>
+            <a:xfrm>
+              <a:off x="10531142" y="3469400"/>
+              <a:ext cx="242374" cy="369332"/>
+            </a:xfrm>
+            <a:prstGeom prst="rect">
+              <a:avLst/>
+            </a:prstGeom>
+          </p:spPr>
+          <p:txBody>
+            <a:bodyPr wrap="none">
+              <a:spAutoFit/>
+            </a:bodyPr>
+            <a:lstStyle/>
+            <a:p>
+              <a:r>
+                <a:rPr lang="es-CO" dirty="0" smtClean="0"/>
+                <a:t>,</a:t>
+              </a:r>
+              <a:endParaRPr lang="es-CO" dirty="0"/>
+            </a:p>
+          </p:txBody>
+        </p:sp>
+        <p:sp>
+          <p:nvSpPr>
+            <p:cNvPr id="58" name="Rectángulo 57"/>
+            <p:cNvSpPr/>
+            <p:nvPr/>
+          </p:nvSpPr>
+          <p:spPr>
+            <a:xfrm>
+              <a:off x="11109428" y="3485422"/>
+              <a:ext cx="242374" cy="369332"/>
+            </a:xfrm>
+            <a:prstGeom prst="rect">
+              <a:avLst/>
+            </a:prstGeom>
+          </p:spPr>
+          <p:txBody>
+            <a:bodyPr wrap="none">
+              <a:spAutoFit/>
+            </a:bodyPr>
+            <a:lstStyle/>
+            <a:p>
+              <a:r>
+                <a:rPr lang="es-CO" dirty="0" smtClean="0"/>
+                <a:t>,</a:t>
+              </a:r>
+              <a:endParaRPr lang="es-CO" dirty="0"/>
+            </a:p>
+          </p:txBody>
+        </p:sp>
+      </p:grpSp>
+      <p:sp>
+        <p:nvSpPr>
+          <p:cNvPr id="59" name="Flecha derecha 58"/>
+          <p:cNvSpPr/>
+          <p:nvPr/>
+        </p:nvSpPr>
+        <p:spPr>
+          <a:xfrm>
+            <a:off x="6198904" y="3269510"/>
+            <a:ext cx="390359" cy="333648"/>
+          </a:xfrm>
+          <a:prstGeom prst="rightArrow">
+            <a:avLst/>
+          </a:prstGeom>
+        </p:spPr>
+        <p:style>
+          <a:lnRef idx="2">
+            <a:schemeClr val="accent1">
+              <a:shade val="50000"/>
+            </a:schemeClr>
+          </a:lnRef>
+          <a:fillRef idx="1">
+            <a:schemeClr val="accent1"/>
+          </a:fillRef>
+          <a:effectRef idx="0">
+            <a:schemeClr val="accent1"/>
+          </a:effectRef>
+          <a:fontRef idx="minor">
+            <a:schemeClr val="lt1"/>
+          </a:fontRef>
+        </p:style>
+        <p:txBody>
+          <a:bodyPr rtlCol="0" anchor="ctr"/>
+          <a:lstStyle/>
+          <a:p>
+            <a:pPr algn="ctr"/>
+            <a:endParaRPr lang="es-CO"/>
+          </a:p>
+        </p:txBody>
+      </p:sp>
+      <p:sp>
+        <p:nvSpPr>
+          <p:cNvPr id="61" name="Rectángulo 60"/>
+          <p:cNvSpPr/>
+          <p:nvPr/>
+        </p:nvSpPr>
+        <p:spPr>
+          <a:xfrm>
+            <a:off x="2180520" y="4569735"/>
+            <a:ext cx="1062855" cy="523220"/>
+          </a:xfrm>
+          <a:prstGeom prst="rect">
+            <a:avLst/>
+          </a:prstGeom>
+        </p:spPr>
+        <p:txBody>
+          <a:bodyPr wrap="none">
+            <a:spAutoFit/>
+          </a:bodyPr>
+          <a:lstStyle/>
+          <a:p>
+            <a:r>
+              <a:rPr lang="es-CO" sz="2800" dirty="0" smtClean="0"/>
+              <a:t>Vec_1</a:t>
+            </a:r>
+            <a:endParaRPr lang="es-CO" sz="2800" dirty="0"/>
+          </a:p>
+        </p:txBody>
+      </p:sp>
+      <p:sp>
+        <p:nvSpPr>
+          <p:cNvPr id="62" name="Rectángulo 61"/>
+          <p:cNvSpPr/>
+          <p:nvPr/>
+        </p:nvSpPr>
+        <p:spPr>
+          <a:xfrm>
+            <a:off x="3351565" y="4508180"/>
+            <a:ext cx="514885" cy="584775"/>
+          </a:xfrm>
+          <a:prstGeom prst="rect">
+            <a:avLst/>
+          </a:prstGeom>
+        </p:spPr>
+        <p:txBody>
+          <a:bodyPr wrap="none">
+            <a:spAutoFit/>
+          </a:bodyPr>
+          <a:lstStyle/>
+          <a:p>
+            <a:r>
+              <a:rPr lang="es-CO" sz="3200" dirty="0" smtClean="0">
+                <a:solidFill>
+                  <a:srgbClr val="FF0000"/>
+                </a:solidFill>
+              </a:rPr>
+              <a:t>&lt;-</a:t>
+            </a:r>
+            <a:endParaRPr lang="es-CO" sz="3200" dirty="0">
+              <a:solidFill>
+                <a:srgbClr val="FF0000"/>
+              </a:solidFill>
+            </a:endParaRPr>
+          </a:p>
+        </p:txBody>
+      </p:sp>
+      <p:grpSp>
+        <p:nvGrpSpPr>
+          <p:cNvPr id="104" name="Grupo 103"/>
+          <p:cNvGrpSpPr/>
+          <p:nvPr/>
+        </p:nvGrpSpPr>
+        <p:grpSpPr>
+          <a:xfrm>
+            <a:off x="3951041" y="4508179"/>
+            <a:ext cx="2705078" cy="662203"/>
+            <a:chOff x="3951041" y="4508179"/>
+            <a:chExt cx="2705078" cy="662203"/>
+          </a:xfrm>
+        </p:grpSpPr>
+        <p:sp>
+          <p:nvSpPr>
+            <p:cNvPr id="64" name="CuadroTexto 63"/>
+            <p:cNvSpPr txBox="1"/>
+            <p:nvPr/>
+          </p:nvSpPr>
+          <p:spPr>
+            <a:xfrm>
+              <a:off x="3951041" y="4508179"/>
+              <a:ext cx="606829" cy="584775"/>
+            </a:xfrm>
+            <a:prstGeom prst="rect">
+              <a:avLst/>
+            </a:prstGeom>
+            <a:noFill/>
+          </p:spPr>
+          <p:txBody>
+            <a:bodyPr wrap="square" rtlCol="0">
+              <a:spAutoFit/>
+            </a:bodyPr>
+            <a:lstStyle/>
+            <a:p>
+              <a:r>
+                <a:rPr lang="es-CO" sz="2400" dirty="0" smtClean="0"/>
+                <a:t>C</a:t>
+              </a:r>
+              <a:r>
+                <a:rPr lang="es-CO" sz="3200" dirty="0" smtClean="0"/>
+                <a:t>(</a:t>
+              </a:r>
+              <a:endParaRPr lang="es-CO" sz="3200" dirty="0"/>
+            </a:p>
+          </p:txBody>
+        </p:sp>
+        <p:sp>
+          <p:nvSpPr>
+            <p:cNvPr id="66" name="Rectángulo 65"/>
+            <p:cNvSpPr/>
+            <p:nvPr/>
+          </p:nvSpPr>
+          <p:spPr>
+            <a:xfrm rot="10800000">
+              <a:off x="6346419" y="4582508"/>
+              <a:ext cx="309700" cy="584775"/>
+            </a:xfrm>
+            <a:prstGeom prst="rect">
+              <a:avLst/>
+            </a:prstGeom>
+          </p:spPr>
+          <p:txBody>
+            <a:bodyPr wrap="none">
+              <a:spAutoFit/>
+            </a:bodyPr>
+            <a:lstStyle/>
+            <a:p>
+              <a:r>
+                <a:rPr lang="es-CO" sz="3200" dirty="0"/>
+                <a:t>(</a:t>
+              </a:r>
+              <a:endParaRPr lang="es-CO" sz="3200" dirty="0"/>
+            </a:p>
+          </p:txBody>
+        </p:sp>
+        <p:sp>
+          <p:nvSpPr>
+            <p:cNvPr id="67" name="Rectángulo 66"/>
+            <p:cNvSpPr/>
+            <p:nvPr/>
+          </p:nvSpPr>
+          <p:spPr>
+            <a:xfrm>
+              <a:off x="4309479" y="4569734"/>
+              <a:ext cx="1062855" cy="523220"/>
+            </a:xfrm>
+            <a:prstGeom prst="rect">
+              <a:avLst/>
+            </a:prstGeom>
+          </p:spPr>
+          <p:txBody>
+            <a:bodyPr wrap="none">
+              <a:spAutoFit/>
+            </a:bodyPr>
+            <a:lstStyle/>
+            <a:p>
+              <a:r>
+                <a:rPr lang="es-CO" sz="2800" dirty="0" smtClean="0"/>
+                <a:t>Vec_1</a:t>
+              </a:r>
+              <a:endParaRPr lang="es-CO" sz="2800" dirty="0"/>
+            </a:p>
+          </p:txBody>
+        </p:sp>
+        <p:sp>
+          <p:nvSpPr>
+            <p:cNvPr id="68" name="Rectángulo 67"/>
+            <p:cNvSpPr/>
+            <p:nvPr/>
+          </p:nvSpPr>
+          <p:spPr>
+            <a:xfrm>
+              <a:off x="5398693" y="4569734"/>
+              <a:ext cx="1062855" cy="523220"/>
+            </a:xfrm>
+            <a:prstGeom prst="rect">
+              <a:avLst/>
+            </a:prstGeom>
+          </p:spPr>
+          <p:txBody>
+            <a:bodyPr wrap="none">
+              <a:spAutoFit/>
+            </a:bodyPr>
+            <a:lstStyle/>
+            <a:p>
+              <a:r>
+                <a:rPr lang="es-CO" sz="2800" dirty="0" smtClean="0"/>
+                <a:t>Vec_2</a:t>
+              </a:r>
+              <a:endParaRPr lang="es-CO" sz="2800" dirty="0"/>
+            </a:p>
+          </p:txBody>
+        </p:sp>
+        <p:pic>
+          <p:nvPicPr>
+            <p:cNvPr id="69" name="Imagen 68"/>
+            <p:cNvPicPr>
+              <a:picLocks noChangeAspect="1"/>
+            </p:cNvPicPr>
+            <p:nvPr/>
+          </p:nvPicPr>
+          <p:blipFill>
+            <a:blip r:embed="rId6"/>
+            <a:stretch>
+              <a:fillRect/>
+            </a:stretch>
+          </p:blipFill>
+          <p:spPr>
+            <a:xfrm>
+              <a:off x="5165634" y="4676563"/>
+              <a:ext cx="353641" cy="493819"/>
+            </a:xfrm>
+            <a:prstGeom prst="rect">
+              <a:avLst/>
+            </a:prstGeom>
+          </p:spPr>
+        </p:pic>
+      </p:grpSp>
+      <p:sp>
+        <p:nvSpPr>
+          <p:cNvPr id="70" name="Rectángulo 69"/>
+          <p:cNvSpPr/>
+          <p:nvPr/>
+        </p:nvSpPr>
+        <p:spPr>
+          <a:xfrm>
+            <a:off x="2180520" y="5460936"/>
+            <a:ext cx="1062855" cy="523220"/>
+          </a:xfrm>
+          <a:prstGeom prst="rect">
+            <a:avLst/>
+          </a:prstGeom>
+        </p:spPr>
+        <p:txBody>
+          <a:bodyPr wrap="none">
+            <a:spAutoFit/>
+          </a:bodyPr>
+          <a:lstStyle/>
+          <a:p>
+            <a:r>
+              <a:rPr lang="es-CO" sz="2800" dirty="0" smtClean="0"/>
+              <a:t>Vec_1</a:t>
+            </a:r>
+            <a:endParaRPr lang="es-CO" sz="2800" dirty="0"/>
+          </a:p>
+        </p:txBody>
+      </p:sp>
+      <p:sp>
+        <p:nvSpPr>
+          <p:cNvPr id="65" name="Rectángulo 64"/>
+          <p:cNvSpPr/>
+          <p:nvPr/>
+        </p:nvSpPr>
+        <p:spPr>
+          <a:xfrm>
+            <a:off x="3110621" y="5449722"/>
+            <a:ext cx="1766830" cy="584775"/>
+          </a:xfrm>
+          <a:prstGeom prst="rect">
+            <a:avLst/>
+          </a:prstGeom>
+        </p:spPr>
+        <p:txBody>
+          <a:bodyPr wrap="none">
+            <a:spAutoFit/>
+          </a:bodyPr>
+          <a:lstStyle/>
+          <a:p>
+            <a:r>
+              <a:rPr lang="es-CO" sz="3200" dirty="0" smtClean="0"/>
+              <a:t>[ </a:t>
+            </a:r>
+            <a:r>
+              <a:rPr lang="es-CO" sz="2400" dirty="0" smtClean="0"/>
+              <a:t>c(5, 6, 7) </a:t>
+            </a:r>
+            <a:r>
+              <a:rPr lang="es-CO" sz="3200" dirty="0" smtClean="0"/>
+              <a:t>] </a:t>
+            </a:r>
+            <a:endParaRPr lang="es-CO" sz="3200" dirty="0"/>
+          </a:p>
+        </p:txBody>
+      </p:sp>
+      <p:grpSp>
+        <p:nvGrpSpPr>
+          <p:cNvPr id="91" name="Grupo 90"/>
+          <p:cNvGrpSpPr/>
+          <p:nvPr/>
+        </p:nvGrpSpPr>
+        <p:grpSpPr>
+          <a:xfrm>
+            <a:off x="5352925" y="5407972"/>
+            <a:ext cx="2611298" cy="671295"/>
+            <a:chOff x="2325037" y="3349814"/>
+            <a:chExt cx="2611298" cy="671295"/>
+          </a:xfrm>
+        </p:grpSpPr>
+        <p:pic>
+          <p:nvPicPr>
+            <p:cNvPr id="92" name="Imagen 91"/>
+            <p:cNvPicPr>
+              <a:picLocks noChangeAspect="1"/>
+            </p:cNvPicPr>
+            <p:nvPr/>
+          </p:nvPicPr>
+          <p:blipFill>
+            <a:blip r:embed="rId8"/>
+            <a:stretch>
+              <a:fillRect/>
+            </a:stretch>
+          </p:blipFill>
+          <p:spPr>
+            <a:xfrm>
+              <a:off x="2702627" y="3436334"/>
+              <a:ext cx="458315" cy="458315"/>
+            </a:xfrm>
+            <a:prstGeom prst="rect">
+              <a:avLst/>
+            </a:prstGeom>
+          </p:spPr>
+        </p:pic>
+        <p:grpSp>
+          <p:nvGrpSpPr>
+            <p:cNvPr id="93" name="Grupo 92"/>
+            <p:cNvGrpSpPr/>
+            <p:nvPr/>
+          </p:nvGrpSpPr>
+          <p:grpSpPr>
+            <a:xfrm>
+              <a:off x="2325037" y="3349814"/>
+              <a:ext cx="2611298" cy="671295"/>
+              <a:chOff x="2325037" y="3349814"/>
+              <a:chExt cx="2611298" cy="671295"/>
+            </a:xfrm>
+          </p:grpSpPr>
+          <p:grpSp>
+            <p:nvGrpSpPr>
+              <p:cNvPr id="94" name="Grupo 93"/>
+              <p:cNvGrpSpPr/>
+              <p:nvPr/>
+            </p:nvGrpSpPr>
+            <p:grpSpPr>
+              <a:xfrm>
+                <a:off x="2325037" y="3349814"/>
+                <a:ext cx="2010691" cy="626926"/>
+                <a:chOff x="1317603" y="1743706"/>
+                <a:chExt cx="1941129" cy="626926"/>
+              </a:xfrm>
+            </p:grpSpPr>
+            <p:sp>
+              <p:nvSpPr>
+                <p:cNvPr id="98" name="CuadroTexto 97"/>
+                <p:cNvSpPr txBox="1"/>
+                <p:nvPr/>
+              </p:nvSpPr>
+              <p:spPr>
+                <a:xfrm>
+                  <a:off x="1317603" y="1743706"/>
+                  <a:ext cx="606829" cy="584775"/>
+                </a:xfrm>
+                <a:prstGeom prst="rect">
+                  <a:avLst/>
+                </a:prstGeom>
+                <a:noFill/>
+              </p:spPr>
+              <p:txBody>
+                <a:bodyPr wrap="square" rtlCol="0">
+                  <a:spAutoFit/>
+                </a:bodyPr>
+                <a:lstStyle/>
+                <a:p>
+                  <a:r>
+                    <a:rPr lang="es-CO" sz="2400" dirty="0" smtClean="0"/>
+                    <a:t>C</a:t>
+                  </a:r>
+                  <a:r>
+                    <a:rPr lang="es-CO" sz="3200" dirty="0" smtClean="0"/>
+                    <a:t>(</a:t>
+                  </a:r>
+                  <a:endParaRPr lang="es-CO" sz="3200" dirty="0"/>
+                </a:p>
+              </p:txBody>
+            </p:sp>
+            <p:sp>
+              <p:nvSpPr>
+                <p:cNvPr id="99" name="Rectángulo 98"/>
+                <p:cNvSpPr/>
+                <p:nvPr/>
+              </p:nvSpPr>
+              <p:spPr>
+                <a:xfrm>
+                  <a:off x="2251012" y="1882074"/>
+                  <a:ext cx="242374" cy="369332"/>
+                </a:xfrm>
+                <a:prstGeom prst="rect">
+                  <a:avLst/>
+                </a:prstGeom>
+              </p:spPr>
+              <p:txBody>
+                <a:bodyPr wrap="none">
+                  <a:spAutoFit/>
+                </a:bodyPr>
+                <a:lstStyle/>
+                <a:p>
+                  <a:r>
+                    <a:rPr lang="es-CO" dirty="0"/>
+                    <a:t>,</a:t>
+                  </a:r>
+                  <a:endParaRPr lang="es-CO" dirty="0"/>
+                </a:p>
+              </p:txBody>
+            </p:sp>
+            <p:pic>
+              <p:nvPicPr>
+                <p:cNvPr id="100" name="Imagen 99"/>
+                <p:cNvPicPr>
+                  <a:picLocks noChangeAspect="1"/>
+                </p:cNvPicPr>
+                <p:nvPr/>
+              </p:nvPicPr>
+              <p:blipFill>
+                <a:blip r:embed="rId6"/>
+                <a:stretch>
+                  <a:fillRect/>
+                </a:stretch>
+              </p:blipFill>
+              <p:spPr>
+                <a:xfrm>
+                  <a:off x="2917326" y="1876813"/>
+                  <a:ext cx="341406" cy="493819"/>
+                </a:xfrm>
+                <a:prstGeom prst="rect">
+                  <a:avLst/>
+                </a:prstGeom>
+              </p:spPr>
+            </p:pic>
+          </p:grpSp>
+          <p:pic>
+            <p:nvPicPr>
+              <p:cNvPr id="95" name="Imagen 94"/>
+              <p:cNvPicPr>
+                <a:picLocks noChangeAspect="1"/>
+              </p:cNvPicPr>
+              <p:nvPr/>
+            </p:nvPicPr>
+            <p:blipFill>
+              <a:blip r:embed="rId9"/>
+              <a:stretch>
+                <a:fillRect/>
+              </a:stretch>
+            </p:blipFill>
+            <p:spPr>
+              <a:xfrm>
+                <a:off x="3591962" y="3516769"/>
+                <a:ext cx="340745" cy="340745"/>
+              </a:xfrm>
+              <a:prstGeom prst="rect">
+                <a:avLst/>
+              </a:prstGeom>
+            </p:spPr>
+          </p:pic>
+          <p:pic>
+            <p:nvPicPr>
+              <p:cNvPr id="96" name="Imagen 95"/>
+              <p:cNvPicPr>
+                <a:picLocks noChangeAspect="1"/>
+              </p:cNvPicPr>
+              <p:nvPr/>
+            </p:nvPicPr>
+            <p:blipFill>
+              <a:blip r:embed="rId10"/>
+              <a:stretch>
+                <a:fillRect/>
+              </a:stretch>
+            </p:blipFill>
+            <p:spPr>
+              <a:xfrm>
+                <a:off x="4307328" y="3513409"/>
+                <a:ext cx="345055" cy="345055"/>
+              </a:xfrm>
+              <a:prstGeom prst="rect">
+                <a:avLst/>
+              </a:prstGeom>
+            </p:spPr>
+          </p:pic>
+          <p:sp>
+            <p:nvSpPr>
+              <p:cNvPr id="97" name="Rectángulo 96"/>
+              <p:cNvSpPr/>
+              <p:nvPr/>
+            </p:nvSpPr>
+            <p:spPr>
+              <a:xfrm flipV="1">
+                <a:off x="4597242" y="3436334"/>
+                <a:ext cx="339093" cy="584775"/>
+              </a:xfrm>
+              <a:prstGeom prst="rect">
+                <a:avLst/>
+              </a:prstGeom>
+            </p:spPr>
+            <p:txBody>
+              <a:bodyPr wrap="square">
+                <a:spAutoFit/>
+              </a:bodyPr>
+              <a:lstStyle/>
+              <a:p>
+                <a:r>
+                  <a:rPr lang="es-CO" sz="3200" dirty="0"/>
+                  <a:t>(</a:t>
+                </a:r>
+              </a:p>
+            </p:txBody>
+          </p:sp>
+        </p:grpSp>
+      </p:grpSp>
+      <p:sp>
+        <p:nvSpPr>
+          <p:cNvPr id="101" name="Rectángulo 100"/>
+          <p:cNvSpPr/>
+          <p:nvPr/>
+        </p:nvSpPr>
+        <p:spPr>
+          <a:xfrm>
+            <a:off x="4814728" y="5491873"/>
+            <a:ext cx="514885" cy="584775"/>
+          </a:xfrm>
+          <a:prstGeom prst="rect">
+            <a:avLst/>
+          </a:prstGeom>
+        </p:spPr>
+        <p:txBody>
+          <a:bodyPr wrap="none">
+            <a:spAutoFit/>
+          </a:bodyPr>
+          <a:lstStyle/>
+          <a:p>
+            <a:r>
+              <a:rPr lang="es-CO" sz="3200" dirty="0" smtClean="0">
+                <a:solidFill>
+                  <a:srgbClr val="FF0000"/>
+                </a:solidFill>
+              </a:rPr>
+              <a:t>&lt;-</a:t>
+            </a:r>
+            <a:endParaRPr lang="es-CO" sz="3200" dirty="0">
+              <a:solidFill>
+                <a:srgbClr val="FF0000"/>
+              </a:solidFill>
+            </a:endParaRPr>
+          </a:p>
+        </p:txBody>
+      </p:sp>
+      <p:sp>
+        <p:nvSpPr>
+          <p:cNvPr id="90" name="Flecha derecha 89"/>
+          <p:cNvSpPr/>
+          <p:nvPr/>
+        </p:nvSpPr>
+        <p:spPr>
+          <a:xfrm>
+            <a:off x="486310" y="4637330"/>
+            <a:ext cx="1447685" cy="490721"/>
+          </a:xfrm>
+          <a:prstGeom prst="rightArrow">
+            <a:avLst/>
+          </a:prstGeom>
+        </p:spPr>
+        <p:style>
+          <a:lnRef idx="2">
+            <a:schemeClr val="accent1">
+              <a:shade val="50000"/>
+            </a:schemeClr>
+          </a:lnRef>
+          <a:fillRef idx="1">
+            <a:schemeClr val="accent1"/>
+          </a:fillRef>
+          <a:effectRef idx="0">
+            <a:schemeClr val="accent1"/>
+          </a:effectRef>
+          <a:fontRef idx="minor">
+            <a:schemeClr val="lt1"/>
+          </a:fontRef>
+        </p:style>
+        <p:txBody>
+          <a:bodyPr rtlCol="0" anchor="ctr"/>
+          <a:lstStyle/>
+          <a:p>
+            <a:pPr algn="ctr"/>
+            <a:r>
+              <a:rPr lang="es-CO" dirty="0" smtClean="0"/>
+              <a:t>Opción 1</a:t>
+            </a:r>
+            <a:endParaRPr lang="es-CO" dirty="0"/>
+          </a:p>
+        </p:txBody>
+      </p:sp>
+      <p:sp>
+        <p:nvSpPr>
+          <p:cNvPr id="103" name="Flecha derecha 102"/>
+          <p:cNvSpPr/>
+          <p:nvPr/>
+        </p:nvSpPr>
+        <p:spPr>
+          <a:xfrm>
+            <a:off x="515233" y="5524369"/>
+            <a:ext cx="1447685" cy="490721"/>
+          </a:xfrm>
+          <a:prstGeom prst="rightArrow">
+            <a:avLst/>
+          </a:prstGeom>
+        </p:spPr>
+        <p:style>
+          <a:lnRef idx="2">
+            <a:schemeClr val="accent1">
+              <a:shade val="50000"/>
+            </a:schemeClr>
+          </a:lnRef>
+          <a:fillRef idx="1">
+            <a:schemeClr val="accent1"/>
+          </a:fillRef>
+          <a:effectRef idx="0">
+            <a:schemeClr val="accent1"/>
+          </a:effectRef>
+          <a:fontRef idx="minor">
+            <a:schemeClr val="lt1"/>
+          </a:fontRef>
+        </p:style>
+        <p:txBody>
+          <a:bodyPr rtlCol="0" anchor="ctr"/>
+          <a:lstStyle/>
+          <a:p>
+            <a:pPr algn="ctr"/>
+            <a:r>
+              <a:rPr lang="es-CO" dirty="0" smtClean="0"/>
+              <a:t>Opción 2</a:t>
+            </a:r>
+            <a:endParaRPr lang="es-CO" dirty="0"/>
+          </a:p>
+        </p:txBody>
+      </p:sp>
+      <p:cxnSp>
+        <p:nvCxnSpPr>
+          <p:cNvPr id="107" name="Conector recto 106"/>
+          <p:cNvCxnSpPr/>
+          <p:nvPr/>
+        </p:nvCxnSpPr>
+        <p:spPr>
+          <a:xfrm>
+            <a:off x="8184761" y="5092954"/>
+            <a:ext cx="2974706" cy="0"/>
+          </a:xfrm>
+          <a:prstGeom prst="line">
+            <a:avLst/>
+          </a:prstGeom>
+          <a:ln>
+            <a:solidFill>
+              <a:srgbClr val="00B050"/>
+            </a:solidFill>
+            <a:prstDash val="dash"/>
+          </a:ln>
+        </p:spPr>
+        <p:style>
+          <a:lnRef idx="1">
+            <a:schemeClr val="accent1"/>
+          </a:lnRef>
+          <a:fillRef idx="0">
+            <a:schemeClr val="accent1"/>
+          </a:fillRef>
+          <a:effectRef idx="0">
+            <a:schemeClr val="accent1"/>
+          </a:effectRef>
+          <a:fontRef idx="minor">
+            <a:schemeClr val="tx1"/>
+          </a:fontRef>
+        </p:style>
+      </p:cxnSp>
+      <p:cxnSp>
+        <p:nvCxnSpPr>
+          <p:cNvPr id="108" name="Conector recto de flecha 107"/>
+          <p:cNvCxnSpPr/>
+          <p:nvPr/>
+        </p:nvCxnSpPr>
+        <p:spPr>
+          <a:xfrm flipH="1" flipV="1">
+            <a:off x="11143221" y="4006989"/>
+            <a:ext cx="16246" cy="1085965"/>
+          </a:xfrm>
+          <a:prstGeom prst="straightConnector1">
+            <a:avLst/>
+          </a:prstGeom>
+          <a:ln>
+            <a:solidFill>
+              <a:srgbClr val="00B050"/>
+            </a:solidFill>
+            <a:prstDash val="dash"/>
+            <a:tailEnd type="triangle"/>
+          </a:ln>
+        </p:spPr>
+        <p:style>
+          <a:lnRef idx="1">
+            <a:schemeClr val="accent1"/>
+          </a:lnRef>
+          <a:fillRef idx="0">
+            <a:schemeClr val="accent1"/>
+          </a:fillRef>
+          <a:effectRef idx="0">
+            <a:schemeClr val="accent1"/>
+          </a:effectRef>
+          <a:fontRef idx="minor">
+            <a:schemeClr val="tx1"/>
+          </a:fontRef>
+        </p:style>
+      </p:cxnSp>
+    </p:spTree>
+    <p:extLst>
+      <p:ext uri="{BB962C8B-B14F-4D97-AF65-F5344CB8AC3E}">
+        <p14:creationId xmlns:p14="http://schemas.microsoft.com/office/powerpoint/2010/main" val="1605956248"/>
+      </p:ext>
+    </p:extLst>
+  </p:cSld>
+  <p:clrMapOvr>
+    <a:masterClrMapping/>
+  </p:clrMapOvr>
+  <p:timing>
+    <p:tnLst>
+      <p:par>
+        <p:cTn id="1" dur="indefinite" restart="never" nodeType="tmRoot">
+          <p:childTnLst>
+            <p:seq concurrent="1" nextAc="seek">
+              <p:cTn id="2" dur="indefinite" nodeType="mainSeq">
+                <p:childTnLst>
+                  <p:par>
+                    <p:cTn id="3" fill="hold">
+                      <p:stCondLst>
+                        <p:cond delay="indefinite"/>
+                      </p:stCondLst>
+                      <p:childTnLst>
+                        <p:par>
+                          <p:cTn id="4" fill="hold">
+                            <p:stCondLst>
+                              <p:cond delay="0"/>
+                            </p:stCondLst>
+                            <p:childTnLst>
+                              <p:par>
+                                <p:cTn id="5" presetID="1" presetClass="entr" presetSubtype="0" fill="hold" grpId="0" nodeType="clickEffect">
+                                  <p:stCondLst>
+                                    <p:cond delay="0"/>
+                                  </p:stCondLst>
+                                  <p:childTnLst>
+                                    <p:set>
+                                      <p:cBhvr>
+                                        <p:cTn id="6" dur="1" fill="hold">
+                                          <p:stCondLst>
+                                            <p:cond delay="0"/>
+                                          </p:stCondLst>
+                                        </p:cTn>
+                                        <p:tgtEl>
+                                          <p:spTgt spid="8"/>
+                                        </p:tgtEl>
+                                        <p:attrNameLst>
+                                          <p:attrName>style.visibility</p:attrName>
+                                        </p:attrNameLst>
+                                      </p:cBhvr>
+                                      <p:to>
+                                        <p:strVal val="visible"/>
+                                      </p:to>
+                                    </p:set>
+                                  </p:childTnLst>
+                                </p:cTn>
+                              </p:par>
+                            </p:childTnLst>
+                          </p:cTn>
+                        </p:par>
+                      </p:childTnLst>
+                    </p:cTn>
+                  </p:par>
+                  <p:par>
+                    <p:cTn id="7" fill="hold">
+                      <p:stCondLst>
+                        <p:cond delay="indefinite"/>
+                      </p:stCondLst>
+                      <p:childTnLst>
+                        <p:par>
+                          <p:cTn id="8" fill="hold">
+                            <p:stCondLst>
+                              <p:cond delay="0"/>
+                            </p:stCondLst>
+                            <p:childTnLst>
+                              <p:par>
+                                <p:cTn id="9" presetID="1" presetClass="entr" presetSubtype="0" fill="hold" nodeType="clickEffect">
+                                  <p:stCondLst>
+                                    <p:cond delay="0"/>
+                                  </p:stCondLst>
+                                  <p:childTnLst>
+                                    <p:set>
+                                      <p:cBhvr>
+                                        <p:cTn id="10" dur="1" fill="hold">
+                                          <p:stCondLst>
+                                            <p:cond delay="0"/>
+                                          </p:stCondLst>
+                                        </p:cTn>
+                                        <p:tgtEl>
+                                          <p:spTgt spid="9"/>
+                                        </p:tgtEl>
+                                        <p:attrNameLst>
+                                          <p:attrName>style.visibility</p:attrName>
+                                        </p:attrNameLst>
+                                      </p:cBhvr>
+                                      <p:to>
+                                        <p:strVal val="visible"/>
+                                      </p:to>
+                                    </p:set>
+                                  </p:childTnLst>
+                                </p:cTn>
+                              </p:par>
+                            </p:childTnLst>
+                          </p:cTn>
+                        </p:par>
+                      </p:childTnLst>
+                    </p:cTn>
+                  </p:par>
+                  <p:par>
+                    <p:cTn id="11" fill="hold">
+                      <p:stCondLst>
+                        <p:cond delay="indefinite"/>
+                      </p:stCondLst>
+                      <p:childTnLst>
+                        <p:par>
+                          <p:cTn id="12" fill="hold">
+                            <p:stCondLst>
+                              <p:cond delay="0"/>
+                            </p:stCondLst>
+                            <p:childTnLst>
+                              <p:par>
+                                <p:cTn id="13" presetID="1" presetClass="entr" presetSubtype="0" fill="hold" grpId="0" nodeType="clickEffect">
+                                  <p:stCondLst>
+                                    <p:cond delay="0"/>
+                                  </p:stCondLst>
+                                  <p:childTnLst>
+                                    <p:set>
+                                      <p:cBhvr>
+                                        <p:cTn id="14" dur="1" fill="hold">
+                                          <p:stCondLst>
+                                            <p:cond delay="0"/>
+                                          </p:stCondLst>
+                                        </p:cTn>
+                                        <p:tgtEl>
+                                          <p:spTgt spid="23"/>
+                                        </p:tgtEl>
+                                        <p:attrNameLst>
+                                          <p:attrName>style.visibility</p:attrName>
+                                        </p:attrNameLst>
+                                      </p:cBhvr>
+                                      <p:to>
+                                        <p:strVal val="visible"/>
+                                      </p:to>
+                                    </p:set>
+                                  </p:childTnLst>
+                                </p:cTn>
+                              </p:par>
+                            </p:childTnLst>
+                          </p:cTn>
+                        </p:par>
+                      </p:childTnLst>
+                    </p:cTn>
+                  </p:par>
+                  <p:par>
+                    <p:cTn id="15" fill="hold">
+                      <p:stCondLst>
+                        <p:cond delay="indefinite"/>
+                      </p:stCondLst>
+                      <p:childTnLst>
+                        <p:par>
+                          <p:cTn id="16" fill="hold">
+                            <p:stCondLst>
+                              <p:cond delay="0"/>
+                            </p:stCondLst>
+                            <p:childTnLst>
+                              <p:par>
+                                <p:cTn id="17" presetID="1" presetClass="entr" presetSubtype="0" fill="hold" nodeType="clickEffect">
+                                  <p:stCondLst>
+                                    <p:cond delay="0"/>
+                                  </p:stCondLst>
+                                  <p:childTnLst>
+                                    <p:set>
+                                      <p:cBhvr>
+                                        <p:cTn id="18" dur="1" fill="hold">
+                                          <p:stCondLst>
+                                            <p:cond delay="0"/>
+                                          </p:stCondLst>
+                                        </p:cTn>
+                                        <p:tgtEl>
+                                          <p:spTgt spid="81"/>
+                                        </p:tgtEl>
+                                        <p:attrNameLst>
+                                          <p:attrName>style.visibility</p:attrName>
+                                        </p:attrNameLst>
+                                      </p:cBhvr>
+                                      <p:to>
+                                        <p:strVal val="visible"/>
+                                      </p:to>
+                                    </p:set>
+                                  </p:childTnLst>
+                                </p:cTn>
+                              </p:par>
+                            </p:childTnLst>
+                          </p:cTn>
+                        </p:par>
+                      </p:childTnLst>
+                    </p:cTn>
+                  </p:par>
+                  <p:par>
+                    <p:cTn id="19" fill="hold">
+                      <p:stCondLst>
+                        <p:cond delay="indefinite"/>
+                      </p:stCondLst>
+                      <p:childTnLst>
+                        <p:par>
+                          <p:cTn id="20" fill="hold">
+                            <p:stCondLst>
+                              <p:cond delay="0"/>
+                            </p:stCondLst>
+                            <p:childTnLst>
+                              <p:par>
+                                <p:cTn id="21" presetID="1" presetClass="entr" presetSubtype="0" fill="hold" grpId="0" nodeType="clickEffect">
+                                  <p:stCondLst>
+                                    <p:cond delay="0"/>
+                                  </p:stCondLst>
+                                  <p:childTnLst>
+                                    <p:set>
+                                      <p:cBhvr>
+                                        <p:cTn id="22" dur="1" fill="hold">
+                                          <p:stCondLst>
+                                            <p:cond delay="0"/>
+                                          </p:stCondLst>
+                                        </p:cTn>
+                                        <p:tgtEl>
+                                          <p:spTgt spid="59"/>
+                                        </p:tgtEl>
+                                        <p:attrNameLst>
+                                          <p:attrName>style.visibility</p:attrName>
+                                        </p:attrNameLst>
+                                      </p:cBhvr>
+                                      <p:to>
+                                        <p:strVal val="visible"/>
+                                      </p:to>
+                                    </p:set>
+                                  </p:childTnLst>
+                                </p:cTn>
+                              </p:par>
+                              <p:par>
+                                <p:cTn id="23" presetID="1" presetClass="entr" presetSubtype="0" fill="hold" nodeType="withEffect">
+                                  <p:stCondLst>
+                                    <p:cond delay="0"/>
+                                  </p:stCondLst>
+                                  <p:childTnLst>
+                                    <p:set>
+                                      <p:cBhvr>
+                                        <p:cTn id="24" dur="1" fill="hold">
+                                          <p:stCondLst>
+                                            <p:cond delay="0"/>
+                                          </p:stCondLst>
+                                        </p:cTn>
+                                        <p:tgtEl>
+                                          <p:spTgt spid="40"/>
+                                        </p:tgtEl>
+                                        <p:attrNameLst>
+                                          <p:attrName>style.visibility</p:attrName>
+                                        </p:attrNameLst>
+                                      </p:cBhvr>
+                                      <p:to>
+                                        <p:strVal val="visible"/>
+                                      </p:to>
+                                    </p:set>
+                                  </p:childTnLst>
+                                </p:cTn>
+                              </p:par>
+                            </p:childTnLst>
+                          </p:cTn>
+                        </p:par>
+                      </p:childTnLst>
+                    </p:cTn>
+                  </p:par>
+                  <p:par>
+                    <p:cTn id="25" fill="hold">
+                      <p:stCondLst>
+                        <p:cond delay="indefinite"/>
+                      </p:stCondLst>
+                      <p:childTnLst>
+                        <p:par>
+                          <p:cTn id="26" fill="hold">
+                            <p:stCondLst>
+                              <p:cond delay="0"/>
+                            </p:stCondLst>
+                            <p:childTnLst>
+                              <p:par>
+                                <p:cTn id="27" presetID="1" presetClass="entr" presetSubtype="0" fill="hold" grpId="0" nodeType="clickEffect">
+                                  <p:stCondLst>
+                                    <p:cond delay="0"/>
+                                  </p:stCondLst>
+                                  <p:childTnLst>
+                                    <p:set>
+                                      <p:cBhvr>
+                                        <p:cTn id="28" dur="1" fill="hold">
+                                          <p:stCondLst>
+                                            <p:cond delay="0"/>
+                                          </p:stCondLst>
+                                        </p:cTn>
+                                        <p:tgtEl>
+                                          <p:spTgt spid="90"/>
+                                        </p:tgtEl>
+                                        <p:attrNameLst>
+                                          <p:attrName>style.visibility</p:attrName>
+                                        </p:attrNameLst>
+                                      </p:cBhvr>
+                                      <p:to>
+                                        <p:strVal val="visible"/>
+                                      </p:to>
+                                    </p:set>
+                                  </p:childTnLst>
+                                </p:cTn>
+                              </p:par>
+                            </p:childTnLst>
+                          </p:cTn>
+                        </p:par>
+                      </p:childTnLst>
+                    </p:cTn>
+                  </p:par>
+                  <p:par>
+                    <p:cTn id="29" fill="hold">
+                      <p:stCondLst>
+                        <p:cond delay="indefinite"/>
+                      </p:stCondLst>
+                      <p:childTnLst>
+                        <p:par>
+                          <p:cTn id="30" fill="hold">
+                            <p:stCondLst>
+                              <p:cond delay="0"/>
+                            </p:stCondLst>
+                            <p:childTnLst>
+                              <p:par>
+                                <p:cTn id="31" presetID="1" presetClass="entr" presetSubtype="0" fill="hold" grpId="0" nodeType="clickEffect">
+                                  <p:stCondLst>
+                                    <p:cond delay="0"/>
+                                  </p:stCondLst>
+                                  <p:childTnLst>
+                                    <p:set>
+                                      <p:cBhvr>
+                                        <p:cTn id="32" dur="1" fill="hold">
+                                          <p:stCondLst>
+                                            <p:cond delay="0"/>
+                                          </p:stCondLst>
+                                        </p:cTn>
+                                        <p:tgtEl>
+                                          <p:spTgt spid="62"/>
+                                        </p:tgtEl>
+                                        <p:attrNameLst>
+                                          <p:attrName>style.visibility</p:attrName>
+                                        </p:attrNameLst>
+                                      </p:cBhvr>
+                                      <p:to>
+                                        <p:strVal val="visible"/>
+                                      </p:to>
+                                    </p:set>
+                                  </p:childTnLst>
+                                </p:cTn>
+                              </p:par>
+                              <p:par>
+                                <p:cTn id="33" presetID="1" presetClass="entr" presetSubtype="0" fill="hold" grpId="0" nodeType="withEffect">
+                                  <p:stCondLst>
+                                    <p:cond delay="0"/>
+                                  </p:stCondLst>
+                                  <p:childTnLst>
+                                    <p:set>
+                                      <p:cBhvr>
+                                        <p:cTn id="34" dur="1" fill="hold">
+                                          <p:stCondLst>
+                                            <p:cond delay="0"/>
+                                          </p:stCondLst>
+                                        </p:cTn>
+                                        <p:tgtEl>
+                                          <p:spTgt spid="61"/>
+                                        </p:tgtEl>
+                                        <p:attrNameLst>
+                                          <p:attrName>style.visibility</p:attrName>
+                                        </p:attrNameLst>
+                                      </p:cBhvr>
+                                      <p:to>
+                                        <p:strVal val="visible"/>
+                                      </p:to>
+                                    </p:set>
+                                  </p:childTnLst>
+                                </p:cTn>
+                              </p:par>
+                            </p:childTnLst>
+                          </p:cTn>
+                        </p:par>
+                      </p:childTnLst>
+                    </p:cTn>
+                  </p:par>
+                  <p:par>
+                    <p:cTn id="35" fill="hold">
+                      <p:stCondLst>
+                        <p:cond delay="indefinite"/>
+                      </p:stCondLst>
+                      <p:childTnLst>
+                        <p:par>
+                          <p:cTn id="36" fill="hold">
+                            <p:stCondLst>
+                              <p:cond delay="0"/>
+                            </p:stCondLst>
+                            <p:childTnLst>
+                              <p:par>
+                                <p:cTn id="37" presetID="1" presetClass="entr" presetSubtype="0" fill="hold" nodeType="clickEffect">
+                                  <p:stCondLst>
+                                    <p:cond delay="0"/>
+                                  </p:stCondLst>
+                                  <p:childTnLst>
+                                    <p:set>
+                                      <p:cBhvr>
+                                        <p:cTn id="38" dur="1" fill="hold">
+                                          <p:stCondLst>
+                                            <p:cond delay="0"/>
+                                          </p:stCondLst>
+                                        </p:cTn>
+                                        <p:tgtEl>
+                                          <p:spTgt spid="104"/>
+                                        </p:tgtEl>
+                                        <p:attrNameLst>
+                                          <p:attrName>style.visibility</p:attrName>
+                                        </p:attrNameLst>
+                                      </p:cBhvr>
+                                      <p:to>
+                                        <p:strVal val="visible"/>
+                                      </p:to>
+                                    </p:set>
+                                  </p:childTnLst>
+                                </p:cTn>
+                              </p:par>
+                            </p:childTnLst>
+                          </p:cTn>
+                        </p:par>
+                      </p:childTnLst>
+                    </p:cTn>
+                  </p:par>
+                  <p:par>
+                    <p:cTn id="39" fill="hold">
+                      <p:stCondLst>
+                        <p:cond delay="indefinite"/>
+                      </p:stCondLst>
+                      <p:childTnLst>
+                        <p:par>
+                          <p:cTn id="40" fill="hold">
+                            <p:stCondLst>
+                              <p:cond delay="0"/>
+                            </p:stCondLst>
+                            <p:childTnLst>
+                              <p:par>
+                                <p:cTn id="41" presetID="1" presetClass="entr" presetSubtype="0" fill="hold" grpId="0" nodeType="clickEffect">
+                                  <p:stCondLst>
+                                    <p:cond delay="0"/>
+                                  </p:stCondLst>
+                                  <p:childTnLst>
+                                    <p:set>
+                                      <p:cBhvr>
+                                        <p:cTn id="42" dur="1" fill="hold">
+                                          <p:stCondLst>
+                                            <p:cond delay="0"/>
+                                          </p:stCondLst>
+                                        </p:cTn>
+                                        <p:tgtEl>
+                                          <p:spTgt spid="103"/>
+                                        </p:tgtEl>
+                                        <p:attrNameLst>
+                                          <p:attrName>style.visibility</p:attrName>
+                                        </p:attrNameLst>
+                                      </p:cBhvr>
+                                      <p:to>
+                                        <p:strVal val="visible"/>
+                                      </p:to>
+                                    </p:set>
+                                  </p:childTnLst>
+                                </p:cTn>
+                              </p:par>
+                            </p:childTnLst>
+                          </p:cTn>
+                        </p:par>
+                      </p:childTnLst>
+                    </p:cTn>
+                  </p:par>
+                  <p:par>
+                    <p:cTn id="43" fill="hold">
+                      <p:stCondLst>
+                        <p:cond delay="indefinite"/>
+                      </p:stCondLst>
+                      <p:childTnLst>
+                        <p:par>
+                          <p:cTn id="44" fill="hold">
+                            <p:stCondLst>
+                              <p:cond delay="0"/>
+                            </p:stCondLst>
+                            <p:childTnLst>
+                              <p:par>
+                                <p:cTn id="45" presetID="1" presetClass="entr" presetSubtype="0" fill="hold" grpId="0" nodeType="clickEffect">
+                                  <p:stCondLst>
+                                    <p:cond delay="0"/>
+                                  </p:stCondLst>
+                                  <p:childTnLst>
+                                    <p:set>
+                                      <p:cBhvr>
+                                        <p:cTn id="46" dur="1" fill="hold">
+                                          <p:stCondLst>
+                                            <p:cond delay="0"/>
+                                          </p:stCondLst>
+                                        </p:cTn>
+                                        <p:tgtEl>
+                                          <p:spTgt spid="70"/>
+                                        </p:tgtEl>
+                                        <p:attrNameLst>
+                                          <p:attrName>style.visibility</p:attrName>
+                                        </p:attrNameLst>
+                                      </p:cBhvr>
+                                      <p:to>
+                                        <p:strVal val="visible"/>
+                                      </p:to>
+                                    </p:set>
+                                  </p:childTnLst>
+                                </p:cTn>
+                              </p:par>
+                              <p:par>
+                                <p:cTn id="47" presetID="1" presetClass="entr" presetSubtype="0" fill="hold" grpId="0" nodeType="withEffect">
+                                  <p:stCondLst>
+                                    <p:cond delay="0"/>
+                                  </p:stCondLst>
+                                  <p:childTnLst>
+                                    <p:set>
+                                      <p:cBhvr>
+                                        <p:cTn id="48" dur="1" fill="hold">
+                                          <p:stCondLst>
+                                            <p:cond delay="0"/>
+                                          </p:stCondLst>
+                                        </p:cTn>
+                                        <p:tgtEl>
+                                          <p:spTgt spid="65"/>
+                                        </p:tgtEl>
+                                        <p:attrNameLst>
+                                          <p:attrName>style.visibility</p:attrName>
+                                        </p:attrNameLst>
+                                      </p:cBhvr>
+                                      <p:to>
+                                        <p:strVal val="visible"/>
+                                      </p:to>
+                                    </p:set>
+                                  </p:childTnLst>
+                                </p:cTn>
+                              </p:par>
+                              <p:par>
+                                <p:cTn id="49" presetID="1" presetClass="entr" presetSubtype="0" fill="hold" grpId="0" nodeType="withEffect">
+                                  <p:stCondLst>
+                                    <p:cond delay="0"/>
+                                  </p:stCondLst>
+                                  <p:childTnLst>
+                                    <p:set>
+                                      <p:cBhvr>
+                                        <p:cTn id="50" dur="1" fill="hold">
+                                          <p:stCondLst>
+                                            <p:cond delay="0"/>
+                                          </p:stCondLst>
+                                        </p:cTn>
+                                        <p:tgtEl>
+                                          <p:spTgt spid="101"/>
+                                        </p:tgtEl>
+                                        <p:attrNameLst>
+                                          <p:attrName>style.visibility</p:attrName>
+                                        </p:attrNameLst>
+                                      </p:cBhvr>
+                                      <p:to>
+                                        <p:strVal val="visible"/>
+                                      </p:to>
+                                    </p:set>
+                                  </p:childTnLst>
+                                </p:cTn>
+                              </p:par>
+                              <p:par>
+                                <p:cTn id="51" presetID="1" presetClass="entr" presetSubtype="0" fill="hold" nodeType="withEffect">
+                                  <p:stCondLst>
+                                    <p:cond delay="0"/>
+                                  </p:stCondLst>
+                                  <p:childTnLst>
+                                    <p:set>
+                                      <p:cBhvr>
+                                        <p:cTn id="52" dur="1" fill="hold">
+                                          <p:stCondLst>
+                                            <p:cond delay="0"/>
+                                          </p:stCondLst>
+                                        </p:cTn>
+                                        <p:tgtEl>
+                                          <p:spTgt spid="91"/>
+                                        </p:tgtEl>
+                                        <p:attrNameLst>
+                                          <p:attrName>style.visibility</p:attrName>
+                                        </p:attrNameLst>
+                                      </p:cBhvr>
+                                      <p:to>
+                                        <p:strVal val="visible"/>
+                                      </p:to>
+                                    </p:set>
+                                  </p:childTnLst>
+                                </p:cTn>
+                              </p:par>
+                            </p:childTnLst>
+                          </p:cTn>
+                        </p:par>
+                      </p:childTnLst>
+                    </p:cTn>
+                  </p:par>
+                  <p:par>
+                    <p:cTn id="53" fill="hold">
+                      <p:stCondLst>
+                        <p:cond delay="indefinite"/>
+                      </p:stCondLst>
+                      <p:childTnLst>
+                        <p:par>
+                          <p:cTn id="54" fill="hold">
+                            <p:stCondLst>
+                              <p:cond delay="0"/>
+                            </p:stCondLst>
+                            <p:childTnLst>
+                              <p:par>
+                                <p:cTn id="55" presetID="1" presetClass="entr" presetSubtype="0" fill="hold" nodeType="clickEffect">
+                                  <p:stCondLst>
+                                    <p:cond delay="0"/>
+                                  </p:stCondLst>
+                                  <p:childTnLst>
+                                    <p:set>
+                                      <p:cBhvr>
+                                        <p:cTn id="56" dur="1" fill="hold">
+                                          <p:stCondLst>
+                                            <p:cond delay="0"/>
+                                          </p:stCondLst>
+                                        </p:cTn>
+                                        <p:tgtEl>
+                                          <p:spTgt spid="107"/>
+                                        </p:tgtEl>
+                                        <p:attrNameLst>
+                                          <p:attrName>style.visibility</p:attrName>
+                                        </p:attrNameLst>
+                                      </p:cBhvr>
+                                      <p:to>
+                                        <p:strVal val="visible"/>
+                                      </p:to>
+                                    </p:set>
+                                  </p:childTnLst>
+                                </p:cTn>
+                              </p:par>
+                              <p:par>
+                                <p:cTn id="57" presetID="1" presetClass="entr" presetSubtype="0" fill="hold" nodeType="withEffect">
+                                  <p:stCondLst>
+                                    <p:cond delay="0"/>
+                                  </p:stCondLst>
+                                  <p:childTnLst>
+                                    <p:set>
+                                      <p:cBhvr>
+                                        <p:cTn id="58" dur="1" fill="hold">
+                                          <p:stCondLst>
+                                            <p:cond delay="0"/>
+                                          </p:stCondLst>
+                                        </p:cTn>
+                                        <p:tgtEl>
+                                          <p:spTgt spid="108"/>
+                                        </p:tgtEl>
+                                        <p:attrNameLst>
+                                          <p:attrName>style.visibility</p:attrName>
+                                        </p:attrNameLst>
+                                      </p:cBhvr>
+                                      <p:to>
+                                        <p:strVal val="visible"/>
+                                      </p:to>
+                                    </p:set>
+                                  </p:childTnLst>
+                                </p:cTn>
+                              </p:par>
+                            </p:childTnLst>
+                          </p:cTn>
+                        </p:par>
+                      </p:childTnLst>
+                    </p:cTn>
+                  </p:par>
+                </p:childTnLst>
+              </p:cTn>
+              <p:prevCondLst>
+                <p:cond evt="onPrev" delay="0">
+                  <p:tgtEl>
+                    <p:sldTgt/>
+                  </p:tgtEl>
+                </p:cond>
+              </p:prevCondLst>
+              <p:nextCondLst>
+                <p:cond evt="onNext" delay="0">
+                  <p:tgtEl>
+                    <p:sldTgt/>
+                  </p:tgtEl>
+                </p:cond>
+              </p:nextCondLst>
+            </p:seq>
+          </p:childTnLst>
+        </p:cTn>
+      </p:par>
+    </p:tnLst>
+    <p:bldLst>
+      <p:bldP spid="8" grpId="0"/>
+      <p:bldP spid="23" grpId="0"/>
+      <p:bldP spid="59" grpId="0" animBg="1"/>
+      <p:bldP spid="61" grpId="0"/>
+      <p:bldP spid="62" grpId="0"/>
+      <p:bldP spid="70" grpId="0"/>
+      <p:bldP spid="65" grpId="0"/>
+      <p:bldP spid="101" grpId="0"/>
+      <p:bldP spid="90" grpId="0" animBg="1"/>
+      <p:bldP spid="103" grpId="0" animBg="1"/>
+    </p:bldLst>
+  </p:timing>
+</p:sld>
+</file>
+
+<file path=ppt/slides/slide22.xml><?xml version="1.0" encoding="utf-8"?>
+<p:sld xmlns:a="http://schemas.openxmlformats.org/drawingml/2006/main" xmlns:r="http://schemas.openxmlformats.org/officeDocument/2006/relationships" xmlns:p="http://schemas.openxmlformats.org/presentationml/2006/main">
+  <p:cSld>
+    <p:spTree>
+      <p:nvGrpSpPr>
+        <p:cNvPr id="1" name=""/>
+        <p:cNvGrpSpPr/>
+        <p:nvPr/>
+      </p:nvGrpSpPr>
+      <p:grpSpPr>
+        <a:xfrm>
+          <a:off x="0" y="0"/>
+          <a:ext cx="0" cy="0"/>
+          <a:chOff x="0" y="0"/>
+          <a:chExt cx="0" cy="0"/>
+        </a:xfrm>
+      </p:grpSpPr>
+      <p:sp>
+        <p:nvSpPr>
+          <p:cNvPr id="25" name="Título 1"/>
+          <p:cNvSpPr txBox="1">
+            <a:spLocks/>
+          </p:cNvSpPr>
+          <p:nvPr/>
+        </p:nvSpPr>
+        <p:spPr>
+          <a:xfrm>
+            <a:off x="1955322" y="1831125"/>
+            <a:ext cx="798488" cy="374246"/>
+          </a:xfrm>
+          <a:prstGeom prst="rect">
+            <a:avLst/>
+          </a:prstGeom>
+        </p:spPr>
+        <p:txBody>
+          <a:bodyPr vert="horz" lIns="91440" tIns="45720" rIns="91440" bIns="45720" rtlCol="0" anchor="ctr">
+            <a:noAutofit/>
+          </a:bodyPr>
+          <a:lstStyle>
+            <a:lvl1pPr algn="ctr" defTabSz="457200" rtl="0" eaLnBrk="1" latinLnBrk="0" hangingPunct="1">
+              <a:spcBef>
+                <a:spcPct val="0"/>
+              </a:spcBef>
+              <a:buNone/>
+              <a:defRPr sz="4400" kern="1200">
+                <a:solidFill>
+                  <a:schemeClr val="tx1"/>
+                </a:solidFill>
+                <a:latin typeface="+mj-lt"/>
+                <a:ea typeface="+mj-ea"/>
+                <a:cs typeface="+mj-cs"/>
+              </a:defRPr>
+            </a:lvl1pPr>
+          </a:lstStyle>
+          <a:p>
+            <a:endParaRPr lang="es-ES" sz="4000" dirty="0">
+              <a:solidFill>
+                <a:srgbClr val="19937C"/>
+              </a:solidFill>
+              <a:latin typeface="Ancizar Sans Extrabold"/>
+              <a:cs typeface="Ancizar Sans Extrabold"/>
+            </a:endParaRPr>
+          </a:p>
+        </p:txBody>
+      </p:sp>
+      <p:pic>
+        <p:nvPicPr>
+          <p:cNvPr id="1026" name="Picture 2" descr="https://ih0.redbubble.net/image.522698608.2413/flat,550x550,075,f.u4.jpg"/>
+          <p:cNvPicPr>
+            <a:picLocks noChangeAspect="1" noChangeArrowheads="1"/>
+          </p:cNvPicPr>
+          <p:nvPr/>
+        </p:nvPicPr>
+        <p:blipFill>
+          <a:blip r:embed="rId2" cstate="print">
+            <a:extLst>
+              <a:ext uri="{28A0092B-C50C-407E-A947-70E740481C1C}">
+                <a14:useLocalDpi xmlns:a14="http://schemas.microsoft.com/office/drawing/2010/main" val="0"/>
+              </a:ext>
+            </a:extLst>
+          </a:blip>
+          <a:srcRect/>
+          <a:stretch>
+            <a:fillRect/>
+          </a:stretch>
+        </p:blipFill>
+        <p:spPr bwMode="auto">
+          <a:xfrm>
+            <a:off x="11294629" y="247472"/>
+            <a:ext cx="655187" cy="756458"/>
+          </a:xfrm>
+          <a:prstGeom prst="rect">
+            <a:avLst/>
+          </a:prstGeom>
+          <a:noFill/>
+          <a:extLst>
+            <a:ext uri="{909E8E84-426E-40DD-AFC4-6F175D3DCCD1}">
+              <a14:hiddenFill xmlns:a14="http://schemas.microsoft.com/office/drawing/2010/main">
+                <a:solidFill>
+                  <a:srgbClr val="FFFFFF"/>
+                </a:solidFill>
+              </a14:hiddenFill>
+            </a:ext>
+          </a:extLst>
+        </p:spPr>
+      </p:pic>
+      <p:sp>
+        <p:nvSpPr>
+          <p:cNvPr id="2" name="Rectángulo 1"/>
+          <p:cNvSpPr/>
+          <p:nvPr/>
+        </p:nvSpPr>
+        <p:spPr>
+          <a:xfrm>
+            <a:off x="105476" y="6401750"/>
+            <a:ext cx="1473609" cy="307777"/>
+          </a:xfrm>
+          <a:prstGeom prst="rect">
+            <a:avLst/>
+          </a:prstGeom>
+        </p:spPr>
+        <p:txBody>
+          <a:bodyPr wrap="none">
+            <a:spAutoFit/>
+          </a:bodyPr>
+          <a:lstStyle/>
+          <a:p>
+            <a:r>
+              <a:rPr lang="es-CO" sz="1400" dirty="0" smtClean="0">
+                <a:solidFill>
+                  <a:schemeClr val="bg1">
+                    <a:lumMod val="65000"/>
+                  </a:schemeClr>
+                </a:solidFill>
+                <a:effectLst>
+                  <a:outerShdw blurRad="38100" dist="38100" dir="2700000" algn="tl">
+                    <a:srgbClr val="000000">
+                      <a:alpha val="43137"/>
+                    </a:srgbClr>
+                  </a:outerShdw>
+                </a:effectLst>
+              </a:rPr>
+              <a:t>Primer curso de R</a:t>
+            </a:r>
+            <a:endParaRPr lang="es-CO" sz="1400" dirty="0">
+              <a:solidFill>
+                <a:schemeClr val="bg1">
+                  <a:lumMod val="65000"/>
+                </a:schemeClr>
+              </a:solidFill>
+              <a:effectLst>
+                <a:outerShdw blurRad="38100" dist="38100" dir="2700000" algn="tl">
+                  <a:srgbClr val="000000">
+                    <a:alpha val="43137"/>
+                  </a:srgbClr>
+                </a:outerShdw>
+              </a:effectLst>
+            </a:endParaRPr>
+          </a:p>
+        </p:txBody>
+      </p:sp>
+      <p:sp>
+        <p:nvSpPr>
+          <p:cNvPr id="5" name="CuadroTexto 4"/>
+          <p:cNvSpPr txBox="1"/>
+          <p:nvPr/>
+        </p:nvSpPr>
+        <p:spPr>
+          <a:xfrm>
+            <a:off x="648393" y="551330"/>
+            <a:ext cx="5511338" cy="369332"/>
+          </a:xfrm>
+          <a:prstGeom prst="rect">
+            <a:avLst/>
+          </a:prstGeom>
+          <a:noFill/>
+        </p:spPr>
+        <p:txBody>
+          <a:bodyPr wrap="square" rtlCol="0">
+            <a:spAutoFit/>
+          </a:bodyPr>
+          <a:lstStyle/>
+          <a:p>
+            <a:r>
+              <a:rPr lang="es-CO" b="1" dirty="0" smtClean="0"/>
+              <a:t>VECTORES EN R</a:t>
+            </a:r>
+            <a:endParaRPr lang="es-CO" b="1" dirty="0"/>
+          </a:p>
+        </p:txBody>
+      </p:sp>
+      <p:sp>
+        <p:nvSpPr>
+          <p:cNvPr id="6" name="Rectángulo 5"/>
+          <p:cNvSpPr/>
+          <p:nvPr/>
+        </p:nvSpPr>
+        <p:spPr>
+          <a:xfrm>
+            <a:off x="712502" y="1227548"/>
+            <a:ext cx="4907690" cy="369332"/>
+          </a:xfrm>
+          <a:prstGeom prst="rect">
+            <a:avLst/>
+          </a:prstGeom>
+        </p:spPr>
+        <p:txBody>
+          <a:bodyPr wrap="none">
+            <a:spAutoFit/>
+          </a:bodyPr>
+          <a:lstStyle/>
+          <a:p>
+            <a:r>
+              <a:rPr lang="es-CO" b="1" dirty="0" smtClean="0">
+                <a:solidFill>
+                  <a:srgbClr val="00B050"/>
+                </a:solidFill>
+              </a:rPr>
+              <a:t>REMOVER/ELIMINAR ELEMENTOS DE UN VECTOR</a:t>
+            </a:r>
+            <a:endParaRPr lang="es-CO" b="1" dirty="0">
+              <a:solidFill>
+                <a:srgbClr val="FF0000"/>
+              </a:solidFill>
+            </a:endParaRPr>
+          </a:p>
+        </p:txBody>
+      </p:sp>
+      <p:cxnSp>
+        <p:nvCxnSpPr>
+          <p:cNvPr id="92" name="Conector recto de flecha 91"/>
+          <p:cNvCxnSpPr/>
+          <p:nvPr/>
+        </p:nvCxnSpPr>
+        <p:spPr>
+          <a:xfrm>
+            <a:off x="6463039" y="2931070"/>
+            <a:ext cx="881149" cy="0"/>
+          </a:xfrm>
+          <a:prstGeom prst="straightConnector1">
+            <a:avLst/>
+          </a:prstGeom>
+          <a:ln>
+            <a:tailEnd type="triangle"/>
+          </a:ln>
+        </p:spPr>
+        <p:style>
+          <a:lnRef idx="1">
+            <a:schemeClr val="accent1"/>
+          </a:lnRef>
+          <a:fillRef idx="0">
+            <a:schemeClr val="accent1"/>
+          </a:fillRef>
+          <a:effectRef idx="0">
+            <a:schemeClr val="accent1"/>
+          </a:effectRef>
+          <a:fontRef idx="minor">
+            <a:schemeClr val="tx1"/>
+          </a:fontRef>
+        </p:style>
+      </p:cxnSp>
+      <p:sp>
+        <p:nvSpPr>
+          <p:cNvPr id="93" name="Rectángulo 92"/>
+          <p:cNvSpPr/>
+          <p:nvPr/>
+        </p:nvSpPr>
+        <p:spPr>
+          <a:xfrm>
+            <a:off x="1550182" y="2615838"/>
+            <a:ext cx="514885" cy="584775"/>
+          </a:xfrm>
+          <a:prstGeom prst="rect">
+            <a:avLst/>
+          </a:prstGeom>
+        </p:spPr>
+        <p:txBody>
+          <a:bodyPr wrap="none">
+            <a:spAutoFit/>
+          </a:bodyPr>
+          <a:lstStyle/>
+          <a:p>
+            <a:r>
+              <a:rPr lang="es-CO" sz="3200" dirty="0" smtClean="0">
+                <a:solidFill>
+                  <a:srgbClr val="FF0000"/>
+                </a:solidFill>
+              </a:rPr>
+              <a:t>&lt;-</a:t>
+            </a:r>
+            <a:endParaRPr lang="es-CO" sz="3200" dirty="0">
+              <a:solidFill>
+                <a:srgbClr val="FF0000"/>
+              </a:solidFill>
+            </a:endParaRPr>
+          </a:p>
+        </p:txBody>
+      </p:sp>
+      <p:grpSp>
+        <p:nvGrpSpPr>
+          <p:cNvPr id="94" name="Grupo 93"/>
+          <p:cNvGrpSpPr/>
+          <p:nvPr/>
+        </p:nvGrpSpPr>
+        <p:grpSpPr>
+          <a:xfrm>
+            <a:off x="2135830" y="2637612"/>
+            <a:ext cx="4023901" cy="630229"/>
+            <a:chOff x="2176422" y="2507041"/>
+            <a:chExt cx="4023901" cy="630229"/>
+          </a:xfrm>
+        </p:grpSpPr>
+        <p:grpSp>
+          <p:nvGrpSpPr>
+            <p:cNvPr id="95" name="Grupo 94"/>
+            <p:cNvGrpSpPr/>
+            <p:nvPr/>
+          </p:nvGrpSpPr>
+          <p:grpSpPr>
+            <a:xfrm>
+              <a:off x="2176422" y="2507041"/>
+              <a:ext cx="4023901" cy="630229"/>
+              <a:chOff x="1317603" y="1743706"/>
+              <a:chExt cx="4023901" cy="630229"/>
+            </a:xfrm>
+          </p:grpSpPr>
+          <p:sp>
+            <p:nvSpPr>
+              <p:cNvPr id="97" name="CuadroTexto 96"/>
+              <p:cNvSpPr txBox="1"/>
+              <p:nvPr/>
+            </p:nvSpPr>
+            <p:spPr>
+              <a:xfrm>
+                <a:off x="1317603" y="1743706"/>
+                <a:ext cx="606829" cy="584775"/>
+              </a:xfrm>
+              <a:prstGeom prst="rect">
+                <a:avLst/>
+              </a:prstGeom>
+              <a:noFill/>
+            </p:spPr>
+            <p:txBody>
+              <a:bodyPr wrap="square" rtlCol="0">
+                <a:spAutoFit/>
+              </a:bodyPr>
+              <a:lstStyle/>
+              <a:p>
+                <a:r>
+                  <a:rPr lang="es-CO" sz="2400" dirty="0" smtClean="0"/>
+                  <a:t>C</a:t>
+                </a:r>
+                <a:r>
+                  <a:rPr lang="es-CO" sz="3200" dirty="0" smtClean="0"/>
+                  <a:t>(</a:t>
+                </a:r>
+                <a:endParaRPr lang="es-CO" sz="3200" dirty="0"/>
+              </a:p>
+            </p:txBody>
+          </p:sp>
+          <p:pic>
+            <p:nvPicPr>
+              <p:cNvPr id="98" name="Imagen 97"/>
+              <p:cNvPicPr>
+                <a:picLocks noChangeAspect="1"/>
+              </p:cNvPicPr>
+              <p:nvPr/>
+            </p:nvPicPr>
+            <p:blipFill>
+              <a:blip r:embed="rId3"/>
+              <a:stretch>
+                <a:fillRect/>
+              </a:stretch>
+            </p:blipFill>
+            <p:spPr>
+              <a:xfrm>
+                <a:off x="1803524" y="1880862"/>
+                <a:ext cx="440695" cy="370544"/>
+              </a:xfrm>
+              <a:prstGeom prst="rect">
+                <a:avLst/>
+              </a:prstGeom>
+            </p:spPr>
+          </p:pic>
+          <p:pic>
+            <p:nvPicPr>
+              <p:cNvPr id="99" name="Imagen 98"/>
+              <p:cNvPicPr>
+                <a:picLocks noChangeAspect="1"/>
+              </p:cNvPicPr>
+              <p:nvPr/>
+            </p:nvPicPr>
+            <p:blipFill>
+              <a:blip r:embed="rId4"/>
+              <a:stretch>
+                <a:fillRect/>
+              </a:stretch>
+            </p:blipFill>
+            <p:spPr>
+              <a:xfrm>
+                <a:off x="2502411" y="1808372"/>
+                <a:ext cx="502798" cy="398241"/>
+              </a:xfrm>
+              <a:prstGeom prst="rect">
+                <a:avLst/>
+              </a:prstGeom>
+            </p:spPr>
+          </p:pic>
+          <p:pic>
+            <p:nvPicPr>
+              <p:cNvPr id="100" name="Imagen 99"/>
+              <p:cNvPicPr>
+                <a:picLocks noChangeAspect="1"/>
+              </p:cNvPicPr>
+              <p:nvPr/>
+            </p:nvPicPr>
+            <p:blipFill>
+              <a:blip r:embed="rId5"/>
+              <a:stretch>
+                <a:fillRect/>
+              </a:stretch>
+            </p:blipFill>
+            <p:spPr>
+              <a:xfrm>
+                <a:off x="3280407" y="1880862"/>
+                <a:ext cx="543781" cy="339600"/>
+              </a:xfrm>
+              <a:prstGeom prst="rect">
+                <a:avLst/>
+              </a:prstGeom>
+            </p:spPr>
+          </p:pic>
+          <p:pic>
+            <p:nvPicPr>
+              <p:cNvPr id="101" name="Imagen 100"/>
+              <p:cNvPicPr>
+                <a:picLocks noChangeAspect="1"/>
+              </p:cNvPicPr>
+              <p:nvPr/>
+            </p:nvPicPr>
+            <p:blipFill>
+              <a:blip r:embed="rId6"/>
+              <a:stretch>
+                <a:fillRect/>
+              </a:stretch>
+            </p:blipFill>
+            <p:spPr>
+              <a:xfrm>
+                <a:off x="4048016" y="1807898"/>
+                <a:ext cx="458315" cy="458315"/>
+              </a:xfrm>
+              <a:prstGeom prst="rect">
+                <a:avLst/>
+              </a:prstGeom>
+            </p:spPr>
+          </p:pic>
+          <p:sp>
+            <p:nvSpPr>
+              <p:cNvPr id="102" name="Rectángulo 101"/>
+              <p:cNvSpPr/>
+              <p:nvPr/>
+            </p:nvSpPr>
+            <p:spPr>
+              <a:xfrm rot="10800000">
+                <a:off x="5031804" y="1789160"/>
+                <a:ext cx="309700" cy="584775"/>
+              </a:xfrm>
+              <a:prstGeom prst="rect">
+                <a:avLst/>
+              </a:prstGeom>
+            </p:spPr>
+            <p:txBody>
+              <a:bodyPr wrap="none">
+                <a:spAutoFit/>
+              </a:bodyPr>
+              <a:lstStyle/>
+              <a:p>
+                <a:r>
+                  <a:rPr lang="es-CO" sz="3200" dirty="0"/>
+                  <a:t>(</a:t>
+                </a:r>
+                <a:endParaRPr lang="es-CO" sz="3200" dirty="0"/>
+              </a:p>
+            </p:txBody>
+          </p:sp>
+          <p:sp>
+            <p:nvSpPr>
+              <p:cNvPr id="103" name="Rectángulo 102"/>
+              <p:cNvSpPr/>
+              <p:nvPr/>
+            </p:nvSpPr>
+            <p:spPr>
+              <a:xfrm>
+                <a:off x="4456552" y="1939056"/>
+                <a:ext cx="242374" cy="369332"/>
+              </a:xfrm>
+              <a:prstGeom prst="rect">
+                <a:avLst/>
+              </a:prstGeom>
+            </p:spPr>
+            <p:txBody>
+              <a:bodyPr wrap="none">
+                <a:spAutoFit/>
+              </a:bodyPr>
+              <a:lstStyle/>
+              <a:p>
+                <a:r>
+                  <a:rPr lang="es-CO" dirty="0" smtClean="0"/>
+                  <a:t>,</a:t>
+                </a:r>
+                <a:endParaRPr lang="es-CO" dirty="0"/>
+              </a:p>
+            </p:txBody>
+          </p:sp>
+          <p:sp>
+            <p:nvSpPr>
+              <p:cNvPr id="104" name="Rectángulo 103"/>
+              <p:cNvSpPr/>
+              <p:nvPr/>
+            </p:nvSpPr>
+            <p:spPr>
+              <a:xfrm>
+                <a:off x="2251012" y="1882074"/>
+                <a:ext cx="242374" cy="369332"/>
+              </a:xfrm>
+              <a:prstGeom prst="rect">
+                <a:avLst/>
+              </a:prstGeom>
+            </p:spPr>
+            <p:txBody>
+              <a:bodyPr wrap="none">
+                <a:spAutoFit/>
+              </a:bodyPr>
+              <a:lstStyle/>
+              <a:p>
+                <a:r>
+                  <a:rPr lang="es-CO" dirty="0"/>
+                  <a:t>,</a:t>
+                </a:r>
+                <a:endParaRPr lang="es-CO" dirty="0"/>
+              </a:p>
+            </p:txBody>
+          </p:sp>
+          <p:pic>
+            <p:nvPicPr>
+              <p:cNvPr id="105" name="Imagen 104"/>
+              <p:cNvPicPr>
+                <a:picLocks noChangeAspect="1"/>
+              </p:cNvPicPr>
+              <p:nvPr/>
+            </p:nvPicPr>
+            <p:blipFill>
+              <a:blip r:embed="rId7"/>
+              <a:stretch>
+                <a:fillRect/>
+              </a:stretch>
+            </p:blipFill>
+            <p:spPr>
+              <a:xfrm>
+                <a:off x="2917326" y="1876813"/>
+                <a:ext cx="341406" cy="493819"/>
+              </a:xfrm>
+              <a:prstGeom prst="rect">
+                <a:avLst/>
+              </a:prstGeom>
+            </p:spPr>
+          </p:pic>
+          <p:sp>
+            <p:nvSpPr>
+              <p:cNvPr id="106" name="Rectángulo 105"/>
+              <p:cNvSpPr/>
+              <p:nvPr/>
+            </p:nvSpPr>
+            <p:spPr>
+              <a:xfrm>
+                <a:off x="3845817" y="1928925"/>
+                <a:ext cx="242374" cy="369332"/>
+              </a:xfrm>
+              <a:prstGeom prst="rect">
+                <a:avLst/>
+              </a:prstGeom>
+            </p:spPr>
+            <p:txBody>
+              <a:bodyPr wrap="none">
+                <a:spAutoFit/>
+              </a:bodyPr>
+              <a:lstStyle/>
+              <a:p>
+                <a:r>
+                  <a:rPr lang="es-CO" dirty="0" smtClean="0"/>
+                  <a:t>,</a:t>
+                </a:r>
+                <a:endParaRPr lang="es-CO" dirty="0"/>
+              </a:p>
+            </p:txBody>
+          </p:sp>
+        </p:grpSp>
+        <p:pic>
+          <p:nvPicPr>
+            <p:cNvPr id="96" name="Imagen 95"/>
+            <p:cNvPicPr>
+              <a:picLocks noChangeAspect="1"/>
+            </p:cNvPicPr>
+            <p:nvPr/>
+          </p:nvPicPr>
+          <p:blipFill>
+            <a:blip r:embed="rId8"/>
+            <a:stretch>
+              <a:fillRect/>
+            </a:stretch>
+          </p:blipFill>
+          <p:spPr>
+            <a:xfrm>
+              <a:off x="5580158" y="2634376"/>
+              <a:ext cx="356128" cy="356128"/>
+            </a:xfrm>
+            <a:prstGeom prst="rect">
+              <a:avLst/>
+            </a:prstGeom>
+          </p:spPr>
+        </p:pic>
+      </p:grpSp>
+      <p:grpSp>
+        <p:nvGrpSpPr>
+          <p:cNvPr id="91" name="Grupo 90"/>
+          <p:cNvGrpSpPr/>
+          <p:nvPr/>
+        </p:nvGrpSpPr>
+        <p:grpSpPr>
+          <a:xfrm>
+            <a:off x="3398779" y="4079623"/>
+            <a:ext cx="2427773" cy="584775"/>
+            <a:chOff x="3327210" y="4452847"/>
+            <a:chExt cx="2427773" cy="584775"/>
+          </a:xfrm>
+        </p:grpSpPr>
+        <p:sp>
+          <p:nvSpPr>
+            <p:cNvPr id="117" name="Rectángulo 116"/>
+            <p:cNvSpPr/>
+            <p:nvPr/>
+          </p:nvSpPr>
+          <p:spPr>
+            <a:xfrm>
+              <a:off x="3327210" y="4452847"/>
+              <a:ext cx="2427773" cy="584775"/>
+            </a:xfrm>
+            <a:prstGeom prst="rect">
+              <a:avLst/>
+            </a:prstGeom>
+          </p:spPr>
+          <p:txBody>
+            <a:bodyPr wrap="square">
+              <a:spAutoFit/>
+            </a:bodyPr>
+            <a:lstStyle/>
+            <a:p>
+              <a:r>
+                <a:rPr lang="es-CO" sz="2800" dirty="0" smtClean="0"/>
+                <a:t>Vec_1[ </a:t>
+              </a:r>
+              <a:r>
+                <a:rPr lang="es-CO" sz="2000" dirty="0" smtClean="0"/>
+                <a:t>C</a:t>
+              </a:r>
+              <a:r>
+                <a:rPr lang="es-CO" sz="2800" dirty="0" smtClean="0"/>
+                <a:t>(</a:t>
+              </a:r>
+              <a:r>
+                <a:rPr lang="es-CO" sz="3200" b="1" dirty="0" smtClean="0">
+                  <a:solidFill>
+                    <a:srgbClr val="FF0000"/>
+                  </a:solidFill>
+                </a:rPr>
+                <a:t>-</a:t>
+              </a:r>
+              <a:r>
+                <a:rPr lang="es-CO" sz="3200" b="1" dirty="0" smtClean="0"/>
+                <a:t> </a:t>
+              </a:r>
+              <a:r>
+                <a:rPr lang="es-CO" sz="2800" dirty="0" smtClean="0"/>
+                <a:t>     ) ]</a:t>
+              </a:r>
+              <a:endParaRPr lang="es-CO" sz="2800" dirty="0"/>
+            </a:p>
+          </p:txBody>
+        </p:sp>
+        <p:pic>
+          <p:nvPicPr>
+            <p:cNvPr id="121" name="Imagen 120"/>
+            <p:cNvPicPr>
+              <a:picLocks noChangeAspect="1"/>
+            </p:cNvPicPr>
+            <p:nvPr/>
+          </p:nvPicPr>
+          <p:blipFill>
+            <a:blip r:embed="rId6"/>
+            <a:stretch>
+              <a:fillRect/>
+            </a:stretch>
+          </p:blipFill>
+          <p:spPr>
+            <a:xfrm>
+              <a:off x="4874047" y="4529728"/>
+              <a:ext cx="458315" cy="458315"/>
+            </a:xfrm>
+            <a:prstGeom prst="rect">
+              <a:avLst/>
+            </a:prstGeom>
+          </p:spPr>
+        </p:pic>
+      </p:grpSp>
+      <p:grpSp>
+        <p:nvGrpSpPr>
+          <p:cNvPr id="3" name="Grupo 2"/>
+          <p:cNvGrpSpPr/>
+          <p:nvPr/>
+        </p:nvGrpSpPr>
+        <p:grpSpPr>
+          <a:xfrm>
+            <a:off x="7448142" y="2656350"/>
+            <a:ext cx="3451182" cy="658349"/>
+            <a:chOff x="7448142" y="2656350"/>
+            <a:chExt cx="3451182" cy="658349"/>
+          </a:xfrm>
+        </p:grpSpPr>
+        <p:sp>
+          <p:nvSpPr>
+            <p:cNvPr id="107" name="CuadroTexto 106"/>
+            <p:cNvSpPr txBox="1"/>
+            <p:nvPr/>
+          </p:nvSpPr>
+          <p:spPr>
+            <a:xfrm>
+              <a:off x="7448142" y="2656350"/>
+              <a:ext cx="606829" cy="584775"/>
+            </a:xfrm>
+            <a:prstGeom prst="rect">
+              <a:avLst/>
+            </a:prstGeom>
+            <a:noFill/>
+          </p:spPr>
+          <p:txBody>
+            <a:bodyPr wrap="square" rtlCol="0">
+              <a:spAutoFit/>
+            </a:bodyPr>
+            <a:lstStyle/>
+            <a:p>
+              <a:r>
+                <a:rPr lang="es-CO" sz="2400" dirty="0" smtClean="0"/>
+                <a:t>C</a:t>
+              </a:r>
+              <a:r>
+                <a:rPr lang="es-CO" sz="3200" dirty="0" smtClean="0"/>
+                <a:t>(</a:t>
+              </a:r>
+              <a:endParaRPr lang="es-CO" sz="3200" dirty="0"/>
+            </a:p>
+          </p:txBody>
+        </p:sp>
+        <p:pic>
+          <p:nvPicPr>
+            <p:cNvPr id="108" name="Imagen 107"/>
+            <p:cNvPicPr>
+              <a:picLocks noChangeAspect="1"/>
+            </p:cNvPicPr>
+            <p:nvPr/>
+          </p:nvPicPr>
+          <p:blipFill>
+            <a:blip r:embed="rId3"/>
+            <a:stretch>
+              <a:fillRect/>
+            </a:stretch>
+          </p:blipFill>
+          <p:spPr>
+            <a:xfrm>
+              <a:off x="7934063" y="2793506"/>
+              <a:ext cx="440695" cy="370544"/>
+            </a:xfrm>
+            <a:prstGeom prst="rect">
+              <a:avLst/>
+            </a:prstGeom>
+          </p:spPr>
+        </p:pic>
+        <p:pic>
+          <p:nvPicPr>
+            <p:cNvPr id="109" name="Imagen 108"/>
+            <p:cNvPicPr>
+              <a:picLocks noChangeAspect="1"/>
+            </p:cNvPicPr>
+            <p:nvPr/>
+          </p:nvPicPr>
+          <p:blipFill>
+            <a:blip r:embed="rId4"/>
+            <a:stretch>
+              <a:fillRect/>
+            </a:stretch>
+          </p:blipFill>
+          <p:spPr>
+            <a:xfrm>
+              <a:off x="8632950" y="2721016"/>
+              <a:ext cx="502798" cy="398241"/>
+            </a:xfrm>
+            <a:prstGeom prst="rect">
+              <a:avLst/>
+            </a:prstGeom>
+          </p:spPr>
+        </p:pic>
+        <p:pic>
+          <p:nvPicPr>
+            <p:cNvPr id="110" name="Imagen 109"/>
+            <p:cNvPicPr>
+              <a:picLocks noChangeAspect="1"/>
+            </p:cNvPicPr>
+            <p:nvPr/>
+          </p:nvPicPr>
+          <p:blipFill>
+            <a:blip r:embed="rId5"/>
+            <a:stretch>
+              <a:fillRect/>
+            </a:stretch>
+          </p:blipFill>
+          <p:spPr>
+            <a:xfrm>
+              <a:off x="9410946" y="2793506"/>
+              <a:ext cx="543781" cy="339600"/>
+            </a:xfrm>
+            <a:prstGeom prst="rect">
+              <a:avLst/>
+            </a:prstGeom>
+          </p:spPr>
+        </p:pic>
+        <p:sp>
+          <p:nvSpPr>
+            <p:cNvPr id="111" name="Rectángulo 110"/>
+            <p:cNvSpPr/>
+            <p:nvPr/>
+          </p:nvSpPr>
+          <p:spPr>
+            <a:xfrm rot="10800000">
+              <a:off x="10589624" y="2729924"/>
+              <a:ext cx="309700" cy="584775"/>
+            </a:xfrm>
+            <a:prstGeom prst="rect">
+              <a:avLst/>
+            </a:prstGeom>
+          </p:spPr>
+          <p:txBody>
+            <a:bodyPr wrap="none">
+              <a:spAutoFit/>
+            </a:bodyPr>
+            <a:lstStyle/>
+            <a:p>
+              <a:r>
+                <a:rPr lang="es-CO" sz="3200" dirty="0"/>
+                <a:t>(</a:t>
+              </a:r>
+              <a:endParaRPr lang="es-CO" sz="3200" dirty="0"/>
+            </a:p>
+          </p:txBody>
+        </p:sp>
+        <p:sp>
+          <p:nvSpPr>
+            <p:cNvPr id="113" name="Rectángulo 112"/>
+            <p:cNvSpPr/>
+            <p:nvPr/>
+          </p:nvSpPr>
+          <p:spPr>
+            <a:xfrm>
+              <a:off x="8381551" y="2794718"/>
+              <a:ext cx="242374" cy="369332"/>
+            </a:xfrm>
+            <a:prstGeom prst="rect">
+              <a:avLst/>
+            </a:prstGeom>
+          </p:spPr>
+          <p:txBody>
+            <a:bodyPr wrap="none">
+              <a:spAutoFit/>
+            </a:bodyPr>
+            <a:lstStyle/>
+            <a:p>
+              <a:r>
+                <a:rPr lang="es-CO" dirty="0"/>
+                <a:t>,</a:t>
+              </a:r>
+              <a:endParaRPr lang="es-CO" dirty="0"/>
+            </a:p>
+          </p:txBody>
+        </p:sp>
+        <p:pic>
+          <p:nvPicPr>
+            <p:cNvPr id="114" name="Imagen 113"/>
+            <p:cNvPicPr>
+              <a:picLocks noChangeAspect="1"/>
+            </p:cNvPicPr>
+            <p:nvPr/>
+          </p:nvPicPr>
+          <p:blipFill>
+            <a:blip r:embed="rId7"/>
+            <a:stretch>
+              <a:fillRect/>
+            </a:stretch>
+          </p:blipFill>
+          <p:spPr>
+            <a:xfrm>
+              <a:off x="9047865" y="2789457"/>
+              <a:ext cx="341406" cy="493819"/>
+            </a:xfrm>
+            <a:prstGeom prst="rect">
+              <a:avLst/>
+            </a:prstGeom>
+          </p:spPr>
+        </p:pic>
+        <p:sp>
+          <p:nvSpPr>
+            <p:cNvPr id="115" name="Rectángulo 114"/>
+            <p:cNvSpPr/>
+            <p:nvPr/>
+          </p:nvSpPr>
+          <p:spPr>
+            <a:xfrm>
+              <a:off x="9976356" y="2841569"/>
+              <a:ext cx="242374" cy="369332"/>
+            </a:xfrm>
+            <a:prstGeom prst="rect">
+              <a:avLst/>
+            </a:prstGeom>
+          </p:spPr>
+          <p:txBody>
+            <a:bodyPr wrap="none">
+              <a:spAutoFit/>
+            </a:bodyPr>
+            <a:lstStyle/>
+            <a:p>
+              <a:r>
+                <a:rPr lang="es-CO" dirty="0" smtClean="0"/>
+                <a:t>,</a:t>
+              </a:r>
+              <a:endParaRPr lang="es-CO" dirty="0"/>
+            </a:p>
+          </p:txBody>
+        </p:sp>
+        <p:pic>
+          <p:nvPicPr>
+            <p:cNvPr id="123" name="Imagen 122"/>
+            <p:cNvPicPr>
+              <a:picLocks noChangeAspect="1"/>
+            </p:cNvPicPr>
+            <p:nvPr/>
+          </p:nvPicPr>
+          <p:blipFill>
+            <a:blip r:embed="rId8"/>
+            <a:stretch>
+              <a:fillRect/>
+            </a:stretch>
+          </p:blipFill>
+          <p:spPr>
+            <a:xfrm>
+              <a:off x="10185684" y="2803069"/>
+              <a:ext cx="356128" cy="356128"/>
+            </a:xfrm>
+            <a:prstGeom prst="rect">
+              <a:avLst/>
+            </a:prstGeom>
+          </p:spPr>
+        </p:pic>
+      </p:grpSp>
+      <p:cxnSp>
+        <p:nvCxnSpPr>
+          <p:cNvPr id="126" name="Conector recto de flecha 125"/>
+          <p:cNvCxnSpPr/>
+          <p:nvPr/>
+        </p:nvCxnSpPr>
+        <p:spPr>
+          <a:xfrm flipH="1">
+            <a:off x="5122267" y="3326457"/>
+            <a:ext cx="2" cy="737716"/>
+          </a:xfrm>
+          <a:prstGeom prst="straightConnector1">
+            <a:avLst/>
+          </a:prstGeom>
+          <a:ln>
+            <a:solidFill>
+              <a:srgbClr val="FF0000"/>
+            </a:solidFill>
+            <a:prstDash val="dash"/>
+            <a:tailEnd type="triangle"/>
+          </a:ln>
+        </p:spPr>
+        <p:style>
+          <a:lnRef idx="1">
+            <a:schemeClr val="accent1"/>
+          </a:lnRef>
+          <a:fillRef idx="0">
+            <a:schemeClr val="accent1"/>
+          </a:fillRef>
+          <a:effectRef idx="0">
+            <a:schemeClr val="accent1"/>
+          </a:effectRef>
+          <a:fontRef idx="minor">
+            <a:schemeClr val="tx1"/>
+          </a:fontRef>
+        </p:style>
+      </p:cxnSp>
+      <p:cxnSp>
+        <p:nvCxnSpPr>
+          <p:cNvPr id="129" name="Conector recto 128"/>
+          <p:cNvCxnSpPr/>
+          <p:nvPr/>
+        </p:nvCxnSpPr>
+        <p:spPr>
+          <a:xfrm>
+            <a:off x="5960789" y="4385661"/>
+            <a:ext cx="3729375" cy="0"/>
+          </a:xfrm>
+          <a:prstGeom prst="line">
+            <a:avLst/>
+          </a:prstGeom>
+          <a:ln>
+            <a:solidFill>
+              <a:srgbClr val="00B050"/>
+            </a:solidFill>
+            <a:prstDash val="dash"/>
+          </a:ln>
+        </p:spPr>
+        <p:style>
+          <a:lnRef idx="1">
+            <a:schemeClr val="accent1"/>
+          </a:lnRef>
+          <a:fillRef idx="0">
+            <a:schemeClr val="accent1"/>
+          </a:fillRef>
+          <a:effectRef idx="0">
+            <a:schemeClr val="accent1"/>
+          </a:effectRef>
+          <a:fontRef idx="minor">
+            <a:schemeClr val="tx1"/>
+          </a:fontRef>
+        </p:style>
+      </p:cxnSp>
+      <p:cxnSp>
+        <p:nvCxnSpPr>
+          <p:cNvPr id="130" name="Conector recto de flecha 129"/>
+          <p:cNvCxnSpPr/>
+          <p:nvPr/>
+        </p:nvCxnSpPr>
+        <p:spPr>
+          <a:xfrm flipH="1" flipV="1">
+            <a:off x="9682836" y="3695315"/>
+            <a:ext cx="7328" cy="690346"/>
+          </a:xfrm>
+          <a:prstGeom prst="straightConnector1">
+            <a:avLst/>
+          </a:prstGeom>
+          <a:ln>
+            <a:solidFill>
+              <a:srgbClr val="00B050"/>
+            </a:solidFill>
+            <a:prstDash val="dash"/>
+            <a:tailEnd type="triangle"/>
+          </a:ln>
+        </p:spPr>
+        <p:style>
+          <a:lnRef idx="1">
+            <a:schemeClr val="accent1"/>
+          </a:lnRef>
+          <a:fillRef idx="0">
+            <a:schemeClr val="accent1"/>
+          </a:fillRef>
+          <a:effectRef idx="0">
+            <a:schemeClr val="accent1"/>
+          </a:effectRef>
+          <a:fontRef idx="minor">
+            <a:schemeClr val="tx1"/>
+          </a:fontRef>
+        </p:style>
+      </p:cxnSp>
+      <p:sp>
+        <p:nvSpPr>
+          <p:cNvPr id="131" name="Rectángulo 130"/>
+          <p:cNvSpPr/>
+          <p:nvPr/>
+        </p:nvSpPr>
+        <p:spPr>
+          <a:xfrm>
+            <a:off x="416564" y="2650903"/>
+            <a:ext cx="1062855" cy="523220"/>
+          </a:xfrm>
+          <a:prstGeom prst="rect">
+            <a:avLst/>
+          </a:prstGeom>
+        </p:spPr>
+        <p:txBody>
+          <a:bodyPr wrap="none">
+            <a:spAutoFit/>
+          </a:bodyPr>
+          <a:lstStyle/>
+          <a:p>
+            <a:r>
+              <a:rPr lang="es-CO" sz="2800" dirty="0" smtClean="0"/>
+              <a:t>Vec_1</a:t>
+            </a:r>
+            <a:endParaRPr lang="es-CO" sz="2800" dirty="0"/>
+          </a:p>
+        </p:txBody>
+      </p:sp>
+      <p:grpSp>
+        <p:nvGrpSpPr>
+          <p:cNvPr id="143" name="Grupo 142"/>
+          <p:cNvGrpSpPr/>
+          <p:nvPr/>
+        </p:nvGrpSpPr>
+        <p:grpSpPr>
+          <a:xfrm>
+            <a:off x="3422258" y="5361607"/>
+            <a:ext cx="2427773" cy="584775"/>
+            <a:chOff x="3327210" y="4452847"/>
+            <a:chExt cx="2427773" cy="584775"/>
+          </a:xfrm>
+        </p:grpSpPr>
+        <p:sp>
+          <p:nvSpPr>
+            <p:cNvPr id="144" name="Rectángulo 143"/>
+            <p:cNvSpPr/>
+            <p:nvPr/>
+          </p:nvSpPr>
+          <p:spPr>
+            <a:xfrm>
+              <a:off x="3327210" y="4452847"/>
+              <a:ext cx="2427773" cy="584775"/>
+            </a:xfrm>
+            <a:prstGeom prst="rect">
+              <a:avLst/>
+            </a:prstGeom>
+          </p:spPr>
+          <p:txBody>
+            <a:bodyPr wrap="square">
+              <a:spAutoFit/>
+            </a:bodyPr>
+            <a:lstStyle/>
+            <a:p>
+              <a:r>
+                <a:rPr lang="es-CO" sz="2800" dirty="0" smtClean="0"/>
+                <a:t>Vec_1[</a:t>
+              </a:r>
+              <a:r>
+                <a:rPr lang="es-CO" sz="3200" b="1" dirty="0" smtClean="0">
+                  <a:solidFill>
+                    <a:srgbClr val="FF0000"/>
+                  </a:solidFill>
+                </a:rPr>
+                <a:t>-</a:t>
+              </a:r>
+              <a:r>
+                <a:rPr lang="es-CO" sz="2000" dirty="0" smtClean="0"/>
+                <a:t>C</a:t>
+              </a:r>
+              <a:r>
+                <a:rPr lang="es-CO" sz="2800" dirty="0" smtClean="0"/>
+                <a:t>(      ) ]</a:t>
+              </a:r>
+              <a:endParaRPr lang="es-CO" sz="2800" dirty="0"/>
+            </a:p>
+          </p:txBody>
+        </p:sp>
+        <p:pic>
+          <p:nvPicPr>
+            <p:cNvPr id="145" name="Imagen 144"/>
+            <p:cNvPicPr>
+              <a:picLocks noChangeAspect="1"/>
+            </p:cNvPicPr>
+            <p:nvPr/>
+          </p:nvPicPr>
+          <p:blipFill>
+            <a:blip r:embed="rId6"/>
+            <a:stretch>
+              <a:fillRect/>
+            </a:stretch>
+          </p:blipFill>
+          <p:spPr>
+            <a:xfrm>
+              <a:off x="4798061" y="4558796"/>
+              <a:ext cx="458315" cy="458315"/>
+            </a:xfrm>
+            <a:prstGeom prst="rect">
+              <a:avLst/>
+            </a:prstGeom>
+          </p:spPr>
+        </p:pic>
+      </p:grpSp>
+      <p:sp>
+        <p:nvSpPr>
+          <p:cNvPr id="1035" name="Rectángulo 1034"/>
+          <p:cNvSpPr/>
+          <p:nvPr/>
+        </p:nvSpPr>
+        <p:spPr>
+          <a:xfrm>
+            <a:off x="4609542" y="4890568"/>
+            <a:ext cx="308098" cy="369332"/>
+          </a:xfrm>
+          <a:prstGeom prst="rect">
+            <a:avLst/>
+          </a:prstGeom>
+        </p:spPr>
+        <p:txBody>
+          <a:bodyPr wrap="none">
+            <a:spAutoFit/>
+          </a:bodyPr>
+          <a:lstStyle/>
+          <a:p>
+            <a:r>
+              <a:rPr lang="es-CO" b="1" dirty="0" smtClean="0">
+                <a:solidFill>
+                  <a:srgbClr val="00B050"/>
+                </a:solidFill>
+              </a:rPr>
+              <a:t>o</a:t>
+            </a:r>
+            <a:endParaRPr lang="es-CO" dirty="0"/>
+          </a:p>
+        </p:txBody>
+      </p:sp>
+      <p:cxnSp>
+        <p:nvCxnSpPr>
+          <p:cNvPr id="46" name="Conector recto 45"/>
+          <p:cNvCxnSpPr/>
+          <p:nvPr/>
+        </p:nvCxnSpPr>
+        <p:spPr>
+          <a:xfrm flipH="1">
+            <a:off x="4955744" y="2755167"/>
+            <a:ext cx="268185" cy="368326"/>
+          </a:xfrm>
+          <a:prstGeom prst="line">
+            <a:avLst/>
+          </a:prstGeom>
+          <a:ln w="15875">
+            <a:solidFill>
+              <a:srgbClr val="FF0000"/>
+            </a:solidFill>
+          </a:ln>
+        </p:spPr>
+        <p:style>
+          <a:lnRef idx="1">
+            <a:schemeClr val="accent1"/>
+          </a:lnRef>
+          <a:fillRef idx="0">
+            <a:schemeClr val="accent1"/>
+          </a:fillRef>
+          <a:effectRef idx="0">
+            <a:schemeClr val="accent1"/>
+          </a:effectRef>
+          <a:fontRef idx="minor">
+            <a:schemeClr val="tx1"/>
+          </a:fontRef>
+        </p:style>
+      </p:cxnSp>
+      <p:cxnSp>
+        <p:nvCxnSpPr>
+          <p:cNvPr id="47" name="Conector recto 46"/>
+          <p:cNvCxnSpPr/>
+          <p:nvPr/>
+        </p:nvCxnSpPr>
+        <p:spPr>
+          <a:xfrm>
+            <a:off x="4947921" y="2775569"/>
+            <a:ext cx="303296" cy="357379"/>
+          </a:xfrm>
+          <a:prstGeom prst="line">
+            <a:avLst/>
+          </a:prstGeom>
+          <a:ln w="15875">
+            <a:solidFill>
+              <a:srgbClr val="FF0000"/>
+            </a:solidFill>
+          </a:ln>
+        </p:spPr>
+        <p:style>
+          <a:lnRef idx="1">
+            <a:schemeClr val="accent1"/>
+          </a:lnRef>
+          <a:fillRef idx="0">
+            <a:schemeClr val="accent1"/>
+          </a:fillRef>
+          <a:effectRef idx="0">
+            <a:schemeClr val="accent1"/>
+          </a:effectRef>
+          <a:fontRef idx="minor">
+            <a:schemeClr val="tx1"/>
+          </a:fontRef>
+        </p:style>
+      </p:cxnSp>
+    </p:spTree>
+    <p:extLst>
+      <p:ext uri="{BB962C8B-B14F-4D97-AF65-F5344CB8AC3E}">
+        <p14:creationId xmlns:p14="http://schemas.microsoft.com/office/powerpoint/2010/main" val="2301677250"/>
+      </p:ext>
+    </p:extLst>
+  </p:cSld>
+  <p:clrMapOvr>
+    <a:masterClrMapping/>
+  </p:clrMapOvr>
+  <p:timing>
+    <p:tnLst>
+      <p:par>
+        <p:cTn id="1" dur="indefinite" restart="never" nodeType="tmRoot">
+          <p:childTnLst>
+            <p:seq concurrent="1" nextAc="seek">
+              <p:cTn id="2" dur="indefinite" nodeType="mainSeq">
+                <p:childTnLst>
+                  <p:par>
+                    <p:cTn id="3" fill="hold">
+                      <p:stCondLst>
+                        <p:cond delay="indefinite"/>
+                      </p:stCondLst>
+                      <p:childTnLst>
+                        <p:par>
+                          <p:cTn id="4" fill="hold">
+                            <p:stCondLst>
+                              <p:cond delay="0"/>
+                            </p:stCondLst>
+                            <p:childTnLst>
+                              <p:par>
+                                <p:cTn id="5" presetID="1" presetClass="entr" presetSubtype="0" fill="hold" grpId="0" nodeType="clickEffect">
+                                  <p:stCondLst>
+                                    <p:cond delay="0"/>
+                                  </p:stCondLst>
+                                  <p:childTnLst>
+                                    <p:set>
+                                      <p:cBhvr>
+                                        <p:cTn id="6" dur="1" fill="hold">
+                                          <p:stCondLst>
+                                            <p:cond delay="0"/>
+                                          </p:stCondLst>
+                                        </p:cTn>
+                                        <p:tgtEl>
+                                          <p:spTgt spid="93"/>
+                                        </p:tgtEl>
+                                        <p:attrNameLst>
+                                          <p:attrName>style.visibility</p:attrName>
+                                        </p:attrNameLst>
+                                      </p:cBhvr>
+                                      <p:to>
+                                        <p:strVal val="visible"/>
+                                      </p:to>
+                                    </p:set>
+                                  </p:childTnLst>
+                                </p:cTn>
+                              </p:par>
+                            </p:childTnLst>
+                          </p:cTn>
+                        </p:par>
+                      </p:childTnLst>
+                    </p:cTn>
+                  </p:par>
+                  <p:par>
+                    <p:cTn id="7" fill="hold">
+                      <p:stCondLst>
+                        <p:cond delay="indefinite"/>
+                      </p:stCondLst>
+                      <p:childTnLst>
+                        <p:par>
+                          <p:cTn id="8" fill="hold">
+                            <p:stCondLst>
+                              <p:cond delay="0"/>
+                            </p:stCondLst>
+                            <p:childTnLst>
+                              <p:par>
+                                <p:cTn id="9" presetID="1" presetClass="entr" presetSubtype="0" fill="hold" nodeType="clickEffect">
+                                  <p:stCondLst>
+                                    <p:cond delay="0"/>
+                                  </p:stCondLst>
+                                  <p:childTnLst>
+                                    <p:set>
+                                      <p:cBhvr>
+                                        <p:cTn id="10" dur="1" fill="hold">
+                                          <p:stCondLst>
+                                            <p:cond delay="0"/>
+                                          </p:stCondLst>
+                                        </p:cTn>
+                                        <p:tgtEl>
+                                          <p:spTgt spid="94"/>
+                                        </p:tgtEl>
+                                        <p:attrNameLst>
+                                          <p:attrName>style.visibility</p:attrName>
+                                        </p:attrNameLst>
+                                      </p:cBhvr>
+                                      <p:to>
+                                        <p:strVal val="visible"/>
+                                      </p:to>
+                                    </p:set>
+                                  </p:childTnLst>
+                                </p:cTn>
+                              </p:par>
+                            </p:childTnLst>
+                          </p:cTn>
+                        </p:par>
+                      </p:childTnLst>
+                    </p:cTn>
+                  </p:par>
+                  <p:par>
+                    <p:cTn id="11" fill="hold">
+                      <p:stCondLst>
+                        <p:cond delay="indefinite"/>
+                      </p:stCondLst>
+                      <p:childTnLst>
+                        <p:par>
+                          <p:cTn id="12" fill="hold">
+                            <p:stCondLst>
+                              <p:cond delay="0"/>
+                            </p:stCondLst>
+                            <p:childTnLst>
+                              <p:par>
+                                <p:cTn id="13" presetID="1" presetClass="entr" presetSubtype="0" fill="hold" nodeType="clickEffect">
+                                  <p:stCondLst>
+                                    <p:cond delay="0"/>
+                                  </p:stCondLst>
+                                  <p:childTnLst>
+                                    <p:set>
+                                      <p:cBhvr>
+                                        <p:cTn id="14" dur="1" fill="hold">
+                                          <p:stCondLst>
+                                            <p:cond delay="0"/>
+                                          </p:stCondLst>
+                                        </p:cTn>
+                                        <p:tgtEl>
+                                          <p:spTgt spid="47"/>
+                                        </p:tgtEl>
+                                        <p:attrNameLst>
+                                          <p:attrName>style.visibility</p:attrName>
+                                        </p:attrNameLst>
+                                      </p:cBhvr>
+                                      <p:to>
+                                        <p:strVal val="visible"/>
+                                      </p:to>
+                                    </p:set>
+                                  </p:childTnLst>
+                                </p:cTn>
+                              </p:par>
+                              <p:par>
+                                <p:cTn id="15" presetID="1" presetClass="entr" presetSubtype="0" fill="hold" nodeType="withEffect">
+                                  <p:stCondLst>
+                                    <p:cond delay="0"/>
+                                  </p:stCondLst>
+                                  <p:childTnLst>
+                                    <p:set>
+                                      <p:cBhvr>
+                                        <p:cTn id="16" dur="1" fill="hold">
+                                          <p:stCondLst>
+                                            <p:cond delay="0"/>
+                                          </p:stCondLst>
+                                        </p:cTn>
+                                        <p:tgtEl>
+                                          <p:spTgt spid="46"/>
+                                        </p:tgtEl>
+                                        <p:attrNameLst>
+                                          <p:attrName>style.visibility</p:attrName>
+                                        </p:attrNameLst>
+                                      </p:cBhvr>
+                                      <p:to>
+                                        <p:strVal val="visible"/>
+                                      </p:to>
+                                    </p:set>
+                                  </p:childTnLst>
+                                </p:cTn>
+                              </p:par>
+                            </p:childTnLst>
+                          </p:cTn>
+                        </p:par>
+                      </p:childTnLst>
+                    </p:cTn>
+                  </p:par>
+                  <p:par>
+                    <p:cTn id="17" fill="hold">
+                      <p:stCondLst>
+                        <p:cond delay="indefinite"/>
+                      </p:stCondLst>
+                      <p:childTnLst>
+                        <p:par>
+                          <p:cTn id="18" fill="hold">
+                            <p:stCondLst>
+                              <p:cond delay="0"/>
+                            </p:stCondLst>
+                            <p:childTnLst>
+                              <p:par>
+                                <p:cTn id="19" presetID="1" presetClass="entr" presetSubtype="0" fill="hold" nodeType="clickEffect">
+                                  <p:stCondLst>
+                                    <p:cond delay="0"/>
+                                  </p:stCondLst>
+                                  <p:childTnLst>
+                                    <p:set>
+                                      <p:cBhvr>
+                                        <p:cTn id="20" dur="1" fill="hold">
+                                          <p:stCondLst>
+                                            <p:cond delay="0"/>
+                                          </p:stCondLst>
+                                        </p:cTn>
+                                        <p:tgtEl>
+                                          <p:spTgt spid="92"/>
+                                        </p:tgtEl>
+                                        <p:attrNameLst>
+                                          <p:attrName>style.visibility</p:attrName>
+                                        </p:attrNameLst>
+                                      </p:cBhvr>
+                                      <p:to>
+                                        <p:strVal val="visible"/>
+                                      </p:to>
+                                    </p:set>
+                                  </p:childTnLst>
+                                </p:cTn>
+                              </p:par>
+                              <p:par>
+                                <p:cTn id="21" presetID="1" presetClass="entr" presetSubtype="0" fill="hold" nodeType="withEffect">
+                                  <p:stCondLst>
+                                    <p:cond delay="0"/>
+                                  </p:stCondLst>
+                                  <p:childTnLst>
+                                    <p:set>
+                                      <p:cBhvr>
+                                        <p:cTn id="22" dur="1" fill="hold">
+                                          <p:stCondLst>
+                                            <p:cond delay="0"/>
+                                          </p:stCondLst>
+                                        </p:cTn>
+                                        <p:tgtEl>
+                                          <p:spTgt spid="3"/>
+                                        </p:tgtEl>
+                                        <p:attrNameLst>
+                                          <p:attrName>style.visibility</p:attrName>
+                                        </p:attrNameLst>
+                                      </p:cBhvr>
+                                      <p:to>
+                                        <p:strVal val="visible"/>
+                                      </p:to>
+                                    </p:set>
+                                  </p:childTnLst>
+                                </p:cTn>
+                              </p:par>
+                            </p:childTnLst>
+                          </p:cTn>
+                        </p:par>
+                      </p:childTnLst>
+                    </p:cTn>
+                  </p:par>
+                  <p:par>
+                    <p:cTn id="23" fill="hold">
+                      <p:stCondLst>
+                        <p:cond delay="indefinite"/>
+                      </p:stCondLst>
+                      <p:childTnLst>
+                        <p:par>
+                          <p:cTn id="24" fill="hold">
+                            <p:stCondLst>
+                              <p:cond delay="0"/>
+                            </p:stCondLst>
+                            <p:childTnLst>
+                              <p:par>
+                                <p:cTn id="25" presetID="1" presetClass="entr" presetSubtype="0" fill="hold" nodeType="clickEffect">
+                                  <p:stCondLst>
+                                    <p:cond delay="0"/>
+                                  </p:stCondLst>
+                                  <p:childTnLst>
+                                    <p:set>
+                                      <p:cBhvr>
+                                        <p:cTn id="26" dur="1" fill="hold">
+                                          <p:stCondLst>
+                                            <p:cond delay="0"/>
+                                          </p:stCondLst>
+                                        </p:cTn>
+                                        <p:tgtEl>
+                                          <p:spTgt spid="126"/>
+                                        </p:tgtEl>
+                                        <p:attrNameLst>
+                                          <p:attrName>style.visibility</p:attrName>
+                                        </p:attrNameLst>
+                                      </p:cBhvr>
+                                      <p:to>
+                                        <p:strVal val="visible"/>
+                                      </p:to>
+                                    </p:set>
+                                  </p:childTnLst>
+                                </p:cTn>
+                              </p:par>
+                            </p:childTnLst>
+                          </p:cTn>
+                        </p:par>
+                      </p:childTnLst>
+                    </p:cTn>
+                  </p:par>
+                  <p:par>
+                    <p:cTn id="27" fill="hold">
+                      <p:stCondLst>
+                        <p:cond delay="indefinite"/>
+                      </p:stCondLst>
+                      <p:childTnLst>
+                        <p:par>
+                          <p:cTn id="28" fill="hold">
+                            <p:stCondLst>
+                              <p:cond delay="0"/>
+                            </p:stCondLst>
+                            <p:childTnLst>
+                              <p:par>
+                                <p:cTn id="29" presetID="1" presetClass="entr" presetSubtype="0" fill="hold" nodeType="clickEffect">
+                                  <p:stCondLst>
+                                    <p:cond delay="0"/>
+                                  </p:stCondLst>
+                                  <p:childTnLst>
+                                    <p:set>
+                                      <p:cBhvr>
+                                        <p:cTn id="30" dur="1" fill="hold">
+                                          <p:stCondLst>
+                                            <p:cond delay="0"/>
+                                          </p:stCondLst>
+                                        </p:cTn>
+                                        <p:tgtEl>
+                                          <p:spTgt spid="91"/>
+                                        </p:tgtEl>
+                                        <p:attrNameLst>
+                                          <p:attrName>style.visibility</p:attrName>
+                                        </p:attrNameLst>
+                                      </p:cBhvr>
+                                      <p:to>
+                                        <p:strVal val="visible"/>
+                                      </p:to>
+                                    </p:set>
+                                  </p:childTnLst>
+                                </p:cTn>
+                              </p:par>
+                            </p:childTnLst>
+                          </p:cTn>
+                        </p:par>
+                      </p:childTnLst>
+                    </p:cTn>
+                  </p:par>
+                  <p:par>
+                    <p:cTn id="31" fill="hold">
+                      <p:stCondLst>
+                        <p:cond delay="indefinite"/>
+                      </p:stCondLst>
+                      <p:childTnLst>
+                        <p:par>
+                          <p:cTn id="32" fill="hold">
+                            <p:stCondLst>
+                              <p:cond delay="0"/>
+                            </p:stCondLst>
+                            <p:childTnLst>
+                              <p:par>
+                                <p:cTn id="33" presetID="1" presetClass="entr" presetSubtype="0" fill="hold" grpId="0" nodeType="clickEffect">
+                                  <p:stCondLst>
+                                    <p:cond delay="0"/>
+                                  </p:stCondLst>
+                                  <p:childTnLst>
+                                    <p:set>
+                                      <p:cBhvr>
+                                        <p:cTn id="34" dur="1" fill="hold">
+                                          <p:stCondLst>
+                                            <p:cond delay="0"/>
+                                          </p:stCondLst>
+                                        </p:cTn>
+                                        <p:tgtEl>
+                                          <p:spTgt spid="1035"/>
+                                        </p:tgtEl>
+                                        <p:attrNameLst>
+                                          <p:attrName>style.visibility</p:attrName>
+                                        </p:attrNameLst>
+                                      </p:cBhvr>
+                                      <p:to>
+                                        <p:strVal val="visible"/>
+                                      </p:to>
+                                    </p:set>
+                                  </p:childTnLst>
+                                </p:cTn>
+                              </p:par>
+                              <p:par>
+                                <p:cTn id="35" presetID="1" presetClass="entr" presetSubtype="0" fill="hold" nodeType="withEffect">
+                                  <p:stCondLst>
+                                    <p:cond delay="0"/>
+                                  </p:stCondLst>
+                                  <p:childTnLst>
+                                    <p:set>
+                                      <p:cBhvr>
+                                        <p:cTn id="36" dur="1" fill="hold">
+                                          <p:stCondLst>
+                                            <p:cond delay="0"/>
+                                          </p:stCondLst>
+                                        </p:cTn>
+                                        <p:tgtEl>
+                                          <p:spTgt spid="143"/>
+                                        </p:tgtEl>
+                                        <p:attrNameLst>
+                                          <p:attrName>style.visibility</p:attrName>
+                                        </p:attrNameLst>
+                                      </p:cBhvr>
+                                      <p:to>
+                                        <p:strVal val="visible"/>
+                                      </p:to>
+                                    </p:set>
+                                  </p:childTnLst>
+                                </p:cTn>
+                              </p:par>
+                            </p:childTnLst>
+                          </p:cTn>
+                        </p:par>
+                      </p:childTnLst>
+                    </p:cTn>
+                  </p:par>
+                  <p:par>
+                    <p:cTn id="37" fill="hold">
+                      <p:stCondLst>
+                        <p:cond delay="indefinite"/>
+                      </p:stCondLst>
+                      <p:childTnLst>
+                        <p:par>
+                          <p:cTn id="38" fill="hold">
+                            <p:stCondLst>
+                              <p:cond delay="0"/>
+                            </p:stCondLst>
+                            <p:childTnLst>
+                              <p:par>
+                                <p:cTn id="39" presetID="1" presetClass="entr" presetSubtype="0" fill="hold" nodeType="clickEffect">
+                                  <p:stCondLst>
+                                    <p:cond delay="0"/>
+                                  </p:stCondLst>
+                                  <p:childTnLst>
+                                    <p:set>
+                                      <p:cBhvr>
+                                        <p:cTn id="40" dur="1" fill="hold">
+                                          <p:stCondLst>
+                                            <p:cond delay="0"/>
+                                          </p:stCondLst>
+                                        </p:cTn>
+                                        <p:tgtEl>
+                                          <p:spTgt spid="129"/>
+                                        </p:tgtEl>
+                                        <p:attrNameLst>
+                                          <p:attrName>style.visibility</p:attrName>
+                                        </p:attrNameLst>
+                                      </p:cBhvr>
+                                      <p:to>
+                                        <p:strVal val="visible"/>
+                                      </p:to>
+                                    </p:set>
+                                  </p:childTnLst>
+                                </p:cTn>
+                              </p:par>
+                              <p:par>
+                                <p:cTn id="41" presetID="1" presetClass="entr" presetSubtype="0" fill="hold" nodeType="withEffect">
+                                  <p:stCondLst>
+                                    <p:cond delay="0"/>
+                                  </p:stCondLst>
+                                  <p:childTnLst>
+                                    <p:set>
+                                      <p:cBhvr>
+                                        <p:cTn id="42" dur="1" fill="hold">
+                                          <p:stCondLst>
+                                            <p:cond delay="0"/>
+                                          </p:stCondLst>
+                                        </p:cTn>
+                                        <p:tgtEl>
+                                          <p:spTgt spid="130"/>
+                                        </p:tgtEl>
+                                        <p:attrNameLst>
+                                          <p:attrName>style.visibility</p:attrName>
+                                        </p:attrNameLst>
+                                      </p:cBhvr>
+                                      <p:to>
+                                        <p:strVal val="visible"/>
+                                      </p:to>
+                                    </p:set>
+                                  </p:childTnLst>
+                                </p:cTn>
+                              </p:par>
+                            </p:childTnLst>
+                          </p:cTn>
+                        </p:par>
+                      </p:childTnLst>
+                    </p:cTn>
+                  </p:par>
+                </p:childTnLst>
+              </p:cTn>
+              <p:prevCondLst>
+                <p:cond evt="onPrev" delay="0">
+                  <p:tgtEl>
+                    <p:sldTgt/>
+                  </p:tgtEl>
+                </p:cond>
+              </p:prevCondLst>
+              <p:nextCondLst>
+                <p:cond evt="onNext" delay="0">
+                  <p:tgtEl>
+                    <p:sldTgt/>
+                  </p:tgtEl>
+                </p:cond>
+              </p:nextCondLst>
+            </p:seq>
+          </p:childTnLst>
+        </p:cTn>
+      </p:par>
+    </p:tnLst>
+    <p:bldLst>
+      <p:bldP spid="93" grpId="0"/>
+      <p:bldP spid="1035" grpId="0"/>
+    </p:bldLst>
+  </p:timing>
+</p:sld>
+</file>
+
+<file path=ppt/slides/slide3.xml><?xml version="1.0" encoding="utf-8"?>
+<p:sld xmlns:a="http://schemas.openxmlformats.org/drawingml/2006/main" xmlns:r="http://schemas.openxmlformats.org/officeDocument/2006/relationships" xmlns:p="http://schemas.openxmlformats.org/presentationml/2006/main">
+  <p:cSld>
+    <p:spTree>
+      <p:nvGrpSpPr>
+        <p:cNvPr id="1" name=""/>
+        <p:cNvGrpSpPr/>
+        <p:nvPr/>
+      </p:nvGrpSpPr>
+      <p:grpSpPr>
+        <a:xfrm>
+          <a:off x="0" y="0"/>
+          <a:ext cx="0" cy="0"/>
+          <a:chOff x="0" y="0"/>
+          <a:chExt cx="0" cy="0"/>
+        </a:xfrm>
+      </p:grpSpPr>
+      <p:sp>
+        <p:nvSpPr>
+          <p:cNvPr id="25" name="Título 1"/>
+          <p:cNvSpPr txBox="1">
+            <a:spLocks/>
+          </p:cNvSpPr>
+          <p:nvPr/>
+        </p:nvSpPr>
+        <p:spPr>
+          <a:xfrm>
+            <a:off x="1955322" y="1831125"/>
+            <a:ext cx="798488" cy="374246"/>
+          </a:xfrm>
+          <a:prstGeom prst="rect">
+            <a:avLst/>
+          </a:prstGeom>
+        </p:spPr>
+        <p:txBody>
+          <a:bodyPr vert="horz" lIns="91440" tIns="45720" rIns="91440" bIns="45720" rtlCol="0" anchor="ctr">
+            <a:noAutofit/>
+          </a:bodyPr>
+          <a:lstStyle>
+            <a:lvl1pPr algn="ctr" defTabSz="457200" rtl="0" eaLnBrk="1" latinLnBrk="0" hangingPunct="1">
+              <a:spcBef>
+                <a:spcPct val="0"/>
+              </a:spcBef>
+              <a:buNone/>
+              <a:defRPr sz="4400" kern="1200">
+                <a:solidFill>
+                  <a:schemeClr val="tx1"/>
+                </a:solidFill>
+                <a:latin typeface="+mj-lt"/>
+                <a:ea typeface="+mj-ea"/>
+                <a:cs typeface="+mj-cs"/>
+              </a:defRPr>
+            </a:lvl1pPr>
+          </a:lstStyle>
+          <a:p>
+            <a:endParaRPr lang="es-ES" sz="4000" dirty="0">
+              <a:solidFill>
+                <a:srgbClr val="19937C"/>
+              </a:solidFill>
+              <a:latin typeface="Ancizar Sans Extrabold"/>
+              <a:cs typeface="Ancizar Sans Extrabold"/>
+            </a:endParaRPr>
+          </a:p>
+        </p:txBody>
+      </p:sp>
+      <p:pic>
+        <p:nvPicPr>
+          <p:cNvPr id="1026" name="Picture 2" descr="https://ih0.redbubble.net/image.522698608.2413/flat,550x550,075,f.u4.jpg"/>
+          <p:cNvPicPr>
+            <a:picLocks noChangeAspect="1" noChangeArrowheads="1"/>
+          </p:cNvPicPr>
+          <p:nvPr/>
+        </p:nvPicPr>
+        <p:blipFill>
+          <a:blip r:embed="rId2" cstate="print">
+            <a:extLst>
+              <a:ext uri="{28A0092B-C50C-407E-A947-70E740481C1C}">
+                <a14:useLocalDpi xmlns:a14="http://schemas.microsoft.com/office/drawing/2010/main" val="0"/>
+              </a:ext>
+            </a:extLst>
+          </a:blip>
+          <a:srcRect/>
+          <a:stretch>
+            <a:fillRect/>
+          </a:stretch>
+        </p:blipFill>
+        <p:spPr bwMode="auto">
+          <a:xfrm>
+            <a:off x="11294629" y="247472"/>
+            <a:ext cx="655187" cy="756458"/>
+          </a:xfrm>
+          <a:prstGeom prst="rect">
+            <a:avLst/>
+          </a:prstGeom>
+          <a:noFill/>
+          <a:extLst>
+            <a:ext uri="{909E8E84-426E-40DD-AFC4-6F175D3DCCD1}">
+              <a14:hiddenFill xmlns:a14="http://schemas.microsoft.com/office/drawing/2010/main">
+                <a:solidFill>
+                  <a:srgbClr val="FFFFFF"/>
+                </a:solidFill>
+              </a14:hiddenFill>
+            </a:ext>
+          </a:extLst>
+        </p:spPr>
+      </p:pic>
+      <p:sp>
+        <p:nvSpPr>
+          <p:cNvPr id="2" name="Rectángulo 1"/>
+          <p:cNvSpPr/>
+          <p:nvPr/>
+        </p:nvSpPr>
+        <p:spPr>
+          <a:xfrm>
+            <a:off x="105476" y="6401750"/>
+            <a:ext cx="1473609" cy="307777"/>
+          </a:xfrm>
+          <a:prstGeom prst="rect">
+            <a:avLst/>
+          </a:prstGeom>
+        </p:spPr>
+        <p:txBody>
+          <a:bodyPr wrap="none">
+            <a:spAutoFit/>
+          </a:bodyPr>
+          <a:lstStyle/>
+          <a:p>
+            <a:r>
+              <a:rPr lang="es-CO" sz="1400" dirty="0" smtClean="0">
+                <a:solidFill>
+                  <a:schemeClr val="bg1">
+                    <a:lumMod val="65000"/>
+                  </a:schemeClr>
+                </a:solidFill>
+                <a:effectLst>
+                  <a:outerShdw blurRad="38100" dist="38100" dir="2700000" algn="tl">
+                    <a:srgbClr val="000000">
+                      <a:alpha val="43137"/>
+                    </a:srgbClr>
+                  </a:outerShdw>
+                </a:effectLst>
+              </a:rPr>
+              <a:t>Primer curso de R</a:t>
+            </a:r>
+            <a:endParaRPr lang="es-CO" sz="1400" dirty="0">
+              <a:solidFill>
+                <a:schemeClr val="bg1">
+                  <a:lumMod val="65000"/>
+                </a:schemeClr>
+              </a:solidFill>
+              <a:effectLst>
+                <a:outerShdw blurRad="38100" dist="38100" dir="2700000" algn="tl">
+                  <a:srgbClr val="000000">
+                    <a:alpha val="43137"/>
+                  </a:srgbClr>
+                </a:outerShdw>
+              </a:effectLst>
+            </a:endParaRPr>
+          </a:p>
+        </p:txBody>
+      </p:sp>
+      <p:sp>
+        <p:nvSpPr>
+          <p:cNvPr id="5" name="CuadroTexto 4"/>
+          <p:cNvSpPr txBox="1"/>
+          <p:nvPr/>
+        </p:nvSpPr>
+        <p:spPr>
+          <a:xfrm>
+            <a:off x="648393" y="551330"/>
+            <a:ext cx="5511338" cy="369332"/>
+          </a:xfrm>
+          <a:prstGeom prst="rect">
+            <a:avLst/>
+          </a:prstGeom>
+          <a:noFill/>
+        </p:spPr>
+        <p:txBody>
+          <a:bodyPr wrap="square" rtlCol="0">
+            <a:spAutoFit/>
+          </a:bodyPr>
+          <a:lstStyle/>
+          <a:p>
+            <a:r>
+              <a:rPr lang="es-CO" b="1" dirty="0" smtClean="0"/>
+              <a:t>VARIABLES EN R</a:t>
             </a:r>
             <a:endParaRPr lang="es-CO" b="1" dirty="0"/>
           </a:p>
@@ -7999,11 +14381,7 @@
           <a:p>
             <a:r>
               <a:rPr lang="es-CO" b="1" dirty="0" smtClean="0"/>
-              <a:t>EXPRESIONES </a:t>
-            </a:r>
-            <a:r>
-              <a:rPr lang="es-CO" b="1" dirty="0" smtClean="0"/>
-              <a:t>LÓGICAS EN R</a:t>
+              <a:t>EXPRESIONES LÓGICAS EN R</a:t>
             </a:r>
             <a:endParaRPr lang="es-CO" b="1" dirty="0"/>
           </a:p>
@@ -8454,11 +14832,7 @@
           <a:p>
             <a:r>
               <a:rPr lang="es-CO" b="1" dirty="0" smtClean="0"/>
-              <a:t>EXPRESIONES </a:t>
-            </a:r>
-            <a:r>
-              <a:rPr lang="es-CO" b="1" dirty="0" smtClean="0"/>
-              <a:t>LÓGICAS EN R</a:t>
+              <a:t>EXPRESIONES LÓGICAS EN R</a:t>
             </a:r>
             <a:endParaRPr lang="es-CO" b="1" dirty="0"/>
           </a:p>
@@ -8754,11 +15128,7 @@
           <a:p>
             <a:r>
               <a:rPr lang="es-CO" b="1" dirty="0" smtClean="0"/>
-              <a:t>EXPRESIONES </a:t>
-            </a:r>
-            <a:r>
-              <a:rPr lang="es-CO" b="1" dirty="0" smtClean="0"/>
-              <a:t>LÓGICAS EN R</a:t>
+              <a:t>EXPRESIONES LÓGICAS EN R</a:t>
             </a:r>
             <a:endParaRPr lang="es-CO" b="1" dirty="0"/>
           </a:p>
@@ -9054,11 +15424,7 @@
           <a:p>
             <a:r>
               <a:rPr lang="es-CO" b="1" dirty="0" smtClean="0"/>
-              <a:t>EXPRESIONES </a:t>
-            </a:r>
-            <a:r>
-              <a:rPr lang="es-CO" b="1" dirty="0" smtClean="0"/>
-              <a:t>LÓGICAS EN R</a:t>
+              <a:t>EXPRESIONES LÓGICAS EN R</a:t>
             </a:r>
             <a:endParaRPr lang="es-CO" b="1" dirty="0"/>
           </a:p>
@@ -9481,11 +15847,7 @@
           <a:p>
             <a:r>
               <a:rPr lang="es-CO" b="1" dirty="0" smtClean="0"/>
-              <a:t>EXPRESIONES </a:t>
-            </a:r>
-            <a:r>
-              <a:rPr lang="es-CO" b="1" dirty="0" smtClean="0"/>
-              <a:t>LÓGICAS EN R</a:t>
+              <a:t>EXPRESIONES LÓGICAS EN R</a:t>
             </a:r>
             <a:endParaRPr lang="es-CO" b="1" dirty="0"/>
           </a:p>

--- a/Presentaciones/Presentación Sesión 3 21-08-2020.pptx
+++ b/Presentaciones/Presentación Sesión 3 21-08-2020.pptx
@@ -27,6 +27,11 @@
     <p:sldId id="293" r:id="rId21"/>
     <p:sldId id="292" r:id="rId22"/>
     <p:sldId id="294" r:id="rId23"/>
+    <p:sldId id="295" r:id="rId24"/>
+    <p:sldId id="296" r:id="rId25"/>
+    <p:sldId id="298" r:id="rId26"/>
+    <p:sldId id="297" r:id="rId27"/>
+    <p:sldId id="299" r:id="rId28"/>
   </p:sldIdLst>
   <p:sldSz cx="12192000" cy="6858000"/>
   <p:notesSz cx="6858000" cy="9144000"/>
@@ -264,7 +269,7 @@
           <a:p>
             <a:fld id="{83D35A97-546D-44DD-A3B7-52D027ED84E5}" type="datetimeFigureOut">
               <a:rPr lang="es-CO" smtClean="0"/>
-              <a:t>28/08/2020</a:t>
+              <a:t>4/09/2020</a:t>
             </a:fld>
             <a:endParaRPr lang="es-CO"/>
           </a:p>
@@ -434,7 +439,7 @@
           <a:p>
             <a:fld id="{83D35A97-546D-44DD-A3B7-52D027ED84E5}" type="datetimeFigureOut">
               <a:rPr lang="es-CO" smtClean="0"/>
-              <a:t>28/08/2020</a:t>
+              <a:t>4/09/2020</a:t>
             </a:fld>
             <a:endParaRPr lang="es-CO"/>
           </a:p>
@@ -614,7 +619,7 @@
           <a:p>
             <a:fld id="{83D35A97-546D-44DD-A3B7-52D027ED84E5}" type="datetimeFigureOut">
               <a:rPr lang="es-CO" smtClean="0"/>
-              <a:t>28/08/2020</a:t>
+              <a:t>4/09/2020</a:t>
             </a:fld>
             <a:endParaRPr lang="es-CO"/>
           </a:p>
@@ -784,7 +789,7 @@
           <a:p>
             <a:fld id="{83D35A97-546D-44DD-A3B7-52D027ED84E5}" type="datetimeFigureOut">
               <a:rPr lang="es-CO" smtClean="0"/>
-              <a:t>28/08/2020</a:t>
+              <a:t>4/09/2020</a:t>
             </a:fld>
             <a:endParaRPr lang="es-CO"/>
           </a:p>
@@ -1030,7 +1035,7 @@
           <a:p>
             <a:fld id="{83D35A97-546D-44DD-A3B7-52D027ED84E5}" type="datetimeFigureOut">
               <a:rPr lang="es-CO" smtClean="0"/>
-              <a:t>28/08/2020</a:t>
+              <a:t>4/09/2020</a:t>
             </a:fld>
             <a:endParaRPr lang="es-CO"/>
           </a:p>
@@ -1262,7 +1267,7 @@
           <a:p>
             <a:fld id="{83D35A97-546D-44DD-A3B7-52D027ED84E5}" type="datetimeFigureOut">
               <a:rPr lang="es-CO" smtClean="0"/>
-              <a:t>28/08/2020</a:t>
+              <a:t>4/09/2020</a:t>
             </a:fld>
             <a:endParaRPr lang="es-CO"/>
           </a:p>
@@ -1629,7 +1634,7 @@
           <a:p>
             <a:fld id="{83D35A97-546D-44DD-A3B7-52D027ED84E5}" type="datetimeFigureOut">
               <a:rPr lang="es-CO" smtClean="0"/>
-              <a:t>28/08/2020</a:t>
+              <a:t>4/09/2020</a:t>
             </a:fld>
             <a:endParaRPr lang="es-CO"/>
           </a:p>
@@ -1747,7 +1752,7 @@
           <a:p>
             <a:fld id="{83D35A97-546D-44DD-A3B7-52D027ED84E5}" type="datetimeFigureOut">
               <a:rPr lang="es-CO" smtClean="0"/>
-              <a:t>28/08/2020</a:t>
+              <a:t>4/09/2020</a:t>
             </a:fld>
             <a:endParaRPr lang="es-CO"/>
           </a:p>
@@ -1842,7 +1847,7 @@
           <a:p>
             <a:fld id="{83D35A97-546D-44DD-A3B7-52D027ED84E5}" type="datetimeFigureOut">
               <a:rPr lang="es-CO" smtClean="0"/>
-              <a:t>28/08/2020</a:t>
+              <a:t>4/09/2020</a:t>
             </a:fld>
             <a:endParaRPr lang="es-CO"/>
           </a:p>
@@ -2119,7 +2124,7 @@
           <a:p>
             <a:fld id="{83D35A97-546D-44DD-A3B7-52D027ED84E5}" type="datetimeFigureOut">
               <a:rPr lang="es-CO" smtClean="0"/>
-              <a:t>28/08/2020</a:t>
+              <a:t>4/09/2020</a:t>
             </a:fld>
             <a:endParaRPr lang="es-CO"/>
           </a:p>
@@ -2372,7 +2377,7 @@
           <a:p>
             <a:fld id="{83D35A97-546D-44DD-A3B7-52D027ED84E5}" type="datetimeFigureOut">
               <a:rPr lang="es-CO" smtClean="0"/>
-              <a:t>28/08/2020</a:t>
+              <a:t>4/09/2020</a:t>
             </a:fld>
             <a:endParaRPr lang="es-CO"/>
           </a:p>
@@ -2585,7 +2590,7 @@
           <a:p>
             <a:fld id="{83D35A97-546D-44DD-A3B7-52D027ED84E5}" type="datetimeFigureOut">
               <a:rPr lang="es-CO" smtClean="0"/>
-              <a:t>28/08/2020</a:t>
+              <a:t>4/09/2020</a:t>
             </a:fld>
             <a:endParaRPr lang="es-CO"/>
           </a:p>
@@ -7586,7 +7591,6 @@
                   <a:rPr lang="es-CO" sz="3200" dirty="0"/>
                   <a:t>(</a:t>
                 </a:r>
-                <a:endParaRPr lang="es-CO" sz="3200" dirty="0"/>
               </a:p>
             </p:txBody>
           </p:sp>
@@ -7644,7 +7648,6 @@
                   <a:rPr lang="es-CO" dirty="0"/>
                   <a:t>,</a:t>
                 </a:r>
-                <a:endParaRPr lang="es-CO" dirty="0"/>
               </a:p>
             </p:txBody>
           </p:sp>
@@ -8105,7 +8108,6 @@
                 <a:rPr lang="es-CO" sz="3200" dirty="0"/>
                 <a:t>(</a:t>
               </a:r>
-              <a:endParaRPr lang="es-CO" sz="3200" dirty="0"/>
             </a:p>
           </p:txBody>
         </p:sp>
@@ -8163,7 +8165,6 @@
                 <a:rPr lang="es-CO" dirty="0"/>
                 <a:t>,</a:t>
               </a:r>
-              <a:endParaRPr lang="es-CO" dirty="0"/>
             </a:p>
           </p:txBody>
         </p:sp>
@@ -9511,7 +9512,6 @@
                   <a:rPr lang="es-CO" sz="3200" dirty="0"/>
                   <a:t>(</a:t>
                 </a:r>
-                <a:endParaRPr lang="es-CO" sz="3200" dirty="0"/>
               </a:p>
             </p:txBody>
           </p:sp>
@@ -9540,7 +9540,6 @@
                   <a:rPr lang="es-CO" dirty="0"/>
                   <a:t>,</a:t>
                 </a:r>
-                <a:endParaRPr lang="es-CO" dirty="0"/>
               </a:p>
             </p:txBody>
           </p:sp>
@@ -9814,7 +9813,6 @@
                     <a:rPr lang="es-CO" dirty="0"/>
                     <a:t>,</a:t>
                   </a:r>
-                  <a:endParaRPr lang="es-CO" dirty="0"/>
                 </a:p>
               </p:txBody>
             </p:sp>
@@ -10080,7 +10078,6 @@
                   <a:rPr lang="es-CO" dirty="0"/>
                   <a:t>,</a:t>
                 </a:r>
-                <a:endParaRPr lang="es-CO" dirty="0"/>
               </a:p>
             </p:txBody>
           </p:sp>
@@ -10187,7 +10184,6 @@
                 <a:rPr lang="es-CO" sz="3200" dirty="0"/>
                 <a:t>(</a:t>
               </a:r>
-              <a:endParaRPr lang="es-CO" sz="3200" dirty="0"/>
             </a:p>
           </p:txBody>
         </p:sp>
@@ -10530,7 +10526,6 @@
                 <a:rPr lang="es-CO" sz="3200" dirty="0"/>
                 <a:t>(</a:t>
               </a:r>
-              <a:endParaRPr lang="es-CO" sz="3200" dirty="0"/>
             </a:p>
           </p:txBody>
         </p:sp>
@@ -10808,7 +10803,6 @@
                     <a:rPr lang="es-CO" dirty="0"/>
                     <a:t>,</a:t>
                   </a:r>
-                  <a:endParaRPr lang="es-CO" dirty="0"/>
                 </a:p>
               </p:txBody>
             </p:sp>
@@ -12306,7 +12300,6 @@
                   <a:rPr lang="es-CO" sz="3200" dirty="0"/>
                   <a:t>(</a:t>
                 </a:r>
-                <a:endParaRPr lang="es-CO" sz="3200" dirty="0"/>
               </a:p>
             </p:txBody>
           </p:sp>
@@ -12364,7 +12357,6 @@
                   <a:rPr lang="es-CO" dirty="0"/>
                   <a:t>,</a:t>
                 </a:r>
-                <a:endParaRPr lang="es-CO" dirty="0"/>
               </a:p>
             </p:txBody>
           </p:sp>
@@ -12684,7 +12676,6 @@
                 <a:rPr lang="es-CO" sz="3200" dirty="0"/>
                 <a:t>(</a:t>
               </a:r>
-              <a:endParaRPr lang="es-CO" sz="3200" dirty="0"/>
             </a:p>
           </p:txBody>
         </p:sp>
@@ -12713,7 +12704,6 @@
                 <a:rPr lang="es-CO" dirty="0"/>
                 <a:t>,</a:t>
               </a:r>
-              <a:endParaRPr lang="es-CO" dirty="0"/>
             </a:p>
           </p:txBody>
         </p:sp>
@@ -13636,6 +13626,3293 @@
 </p:sld>
 </file>
 
+<file path=ppt/slides/slide23.xml><?xml version="1.0" encoding="utf-8"?>
+<p:sld xmlns:a="http://schemas.openxmlformats.org/drawingml/2006/main" xmlns:r="http://schemas.openxmlformats.org/officeDocument/2006/relationships" xmlns:p="http://schemas.openxmlformats.org/presentationml/2006/main">
+  <p:cSld>
+    <p:spTree>
+      <p:nvGrpSpPr>
+        <p:cNvPr id="1" name=""/>
+        <p:cNvGrpSpPr/>
+        <p:nvPr/>
+      </p:nvGrpSpPr>
+      <p:grpSpPr>
+        <a:xfrm>
+          <a:off x="0" y="0"/>
+          <a:ext cx="0" cy="0"/>
+          <a:chOff x="0" y="0"/>
+          <a:chExt cx="0" cy="0"/>
+        </a:xfrm>
+      </p:grpSpPr>
+      <p:sp>
+        <p:nvSpPr>
+          <p:cNvPr id="25" name="Título 1"/>
+          <p:cNvSpPr txBox="1">
+            <a:spLocks/>
+          </p:cNvSpPr>
+          <p:nvPr/>
+        </p:nvSpPr>
+        <p:spPr>
+          <a:xfrm>
+            <a:off x="1955322" y="1831125"/>
+            <a:ext cx="798488" cy="374246"/>
+          </a:xfrm>
+          <a:prstGeom prst="rect">
+            <a:avLst/>
+          </a:prstGeom>
+        </p:spPr>
+        <p:txBody>
+          <a:bodyPr vert="horz" lIns="91440" tIns="45720" rIns="91440" bIns="45720" rtlCol="0" anchor="ctr">
+            <a:noAutofit/>
+          </a:bodyPr>
+          <a:lstStyle>
+            <a:lvl1pPr algn="ctr" defTabSz="457200" rtl="0" eaLnBrk="1" latinLnBrk="0" hangingPunct="1">
+              <a:spcBef>
+                <a:spcPct val="0"/>
+              </a:spcBef>
+              <a:buNone/>
+              <a:defRPr sz="4400" kern="1200">
+                <a:solidFill>
+                  <a:schemeClr val="tx1"/>
+                </a:solidFill>
+                <a:latin typeface="+mj-lt"/>
+                <a:ea typeface="+mj-ea"/>
+                <a:cs typeface="+mj-cs"/>
+              </a:defRPr>
+            </a:lvl1pPr>
+          </a:lstStyle>
+          <a:p>
+            <a:endParaRPr lang="es-ES" sz="4000" dirty="0">
+              <a:solidFill>
+                <a:srgbClr val="19937C"/>
+              </a:solidFill>
+              <a:latin typeface="Ancizar Sans Extrabold"/>
+              <a:cs typeface="Ancizar Sans Extrabold"/>
+            </a:endParaRPr>
+          </a:p>
+        </p:txBody>
+      </p:sp>
+      <p:pic>
+        <p:nvPicPr>
+          <p:cNvPr id="1026" name="Picture 2" descr="https://ih0.redbubble.net/image.522698608.2413/flat,550x550,075,f.u4.jpg"/>
+          <p:cNvPicPr>
+            <a:picLocks noChangeAspect="1" noChangeArrowheads="1"/>
+          </p:cNvPicPr>
+          <p:nvPr/>
+        </p:nvPicPr>
+        <p:blipFill>
+          <a:blip r:embed="rId2" cstate="print">
+            <a:extLst>
+              <a:ext uri="{28A0092B-C50C-407E-A947-70E740481C1C}">
+                <a14:useLocalDpi xmlns:a14="http://schemas.microsoft.com/office/drawing/2010/main" val="0"/>
+              </a:ext>
+            </a:extLst>
+          </a:blip>
+          <a:srcRect/>
+          <a:stretch>
+            <a:fillRect/>
+          </a:stretch>
+        </p:blipFill>
+        <p:spPr bwMode="auto">
+          <a:xfrm>
+            <a:off x="11294629" y="247472"/>
+            <a:ext cx="655187" cy="756458"/>
+          </a:xfrm>
+          <a:prstGeom prst="rect">
+            <a:avLst/>
+          </a:prstGeom>
+          <a:noFill/>
+          <a:extLst>
+            <a:ext uri="{909E8E84-426E-40DD-AFC4-6F175D3DCCD1}">
+              <a14:hiddenFill xmlns:a14="http://schemas.microsoft.com/office/drawing/2010/main">
+                <a:solidFill>
+                  <a:srgbClr val="FFFFFF"/>
+                </a:solidFill>
+              </a14:hiddenFill>
+            </a:ext>
+          </a:extLst>
+        </p:spPr>
+      </p:pic>
+      <p:sp>
+        <p:nvSpPr>
+          <p:cNvPr id="2" name="Rectángulo 1"/>
+          <p:cNvSpPr/>
+          <p:nvPr/>
+        </p:nvSpPr>
+        <p:spPr>
+          <a:xfrm>
+            <a:off x="105476" y="6401750"/>
+            <a:ext cx="1473609" cy="307777"/>
+          </a:xfrm>
+          <a:prstGeom prst="rect">
+            <a:avLst/>
+          </a:prstGeom>
+        </p:spPr>
+        <p:txBody>
+          <a:bodyPr wrap="none">
+            <a:spAutoFit/>
+          </a:bodyPr>
+          <a:lstStyle/>
+          <a:p>
+            <a:r>
+              <a:rPr lang="es-CO" sz="1400" dirty="0" smtClean="0">
+                <a:solidFill>
+                  <a:schemeClr val="bg1">
+                    <a:lumMod val="65000"/>
+                  </a:schemeClr>
+                </a:solidFill>
+                <a:effectLst>
+                  <a:outerShdw blurRad="38100" dist="38100" dir="2700000" algn="tl">
+                    <a:srgbClr val="000000">
+                      <a:alpha val="43137"/>
+                    </a:srgbClr>
+                  </a:outerShdw>
+                </a:effectLst>
+              </a:rPr>
+              <a:t>Primer curso de R</a:t>
+            </a:r>
+            <a:endParaRPr lang="es-CO" sz="1400" dirty="0">
+              <a:solidFill>
+                <a:schemeClr val="bg1">
+                  <a:lumMod val="65000"/>
+                </a:schemeClr>
+              </a:solidFill>
+              <a:effectLst>
+                <a:outerShdw blurRad="38100" dist="38100" dir="2700000" algn="tl">
+                  <a:srgbClr val="000000">
+                    <a:alpha val="43137"/>
+                  </a:srgbClr>
+                </a:outerShdw>
+              </a:effectLst>
+            </a:endParaRPr>
+          </a:p>
+        </p:txBody>
+      </p:sp>
+      <p:sp>
+        <p:nvSpPr>
+          <p:cNvPr id="5" name="CuadroTexto 4"/>
+          <p:cNvSpPr txBox="1"/>
+          <p:nvPr/>
+        </p:nvSpPr>
+        <p:spPr>
+          <a:xfrm>
+            <a:off x="518084" y="749669"/>
+            <a:ext cx="5511338" cy="369332"/>
+          </a:xfrm>
+          <a:prstGeom prst="rect">
+            <a:avLst/>
+          </a:prstGeom>
+          <a:noFill/>
+        </p:spPr>
+        <p:txBody>
+          <a:bodyPr wrap="square" rtlCol="0">
+            <a:spAutoFit/>
+          </a:bodyPr>
+          <a:lstStyle/>
+          <a:p>
+            <a:r>
+              <a:rPr lang="es-CO" b="1" dirty="0" smtClean="0"/>
+              <a:t>MATRICES</a:t>
+            </a:r>
+            <a:r>
+              <a:rPr lang="es-CO" b="1" dirty="0" smtClean="0"/>
+              <a:t> </a:t>
+            </a:r>
+            <a:r>
+              <a:rPr lang="es-CO" b="1" dirty="0" smtClean="0"/>
+              <a:t>EN R</a:t>
+            </a:r>
+            <a:endParaRPr lang="es-CO" b="1" dirty="0"/>
+          </a:p>
+        </p:txBody>
+      </p:sp>
+      <p:sp>
+        <p:nvSpPr>
+          <p:cNvPr id="6" name="Rectángulo 5"/>
+          <p:cNvSpPr/>
+          <p:nvPr/>
+        </p:nvSpPr>
+        <p:spPr>
+          <a:xfrm>
+            <a:off x="979244" y="1221491"/>
+            <a:ext cx="2505686" cy="369332"/>
+          </a:xfrm>
+          <a:prstGeom prst="rect">
+            <a:avLst/>
+          </a:prstGeom>
+        </p:spPr>
+        <p:txBody>
+          <a:bodyPr wrap="none">
+            <a:spAutoFit/>
+          </a:bodyPr>
+          <a:lstStyle/>
+          <a:p>
+            <a:r>
+              <a:rPr lang="es-CO" b="1" dirty="0" smtClean="0">
+                <a:solidFill>
+                  <a:srgbClr val="00B050"/>
+                </a:solidFill>
+              </a:rPr>
+              <a:t>CREACIÓN </a:t>
+            </a:r>
+            <a:r>
+              <a:rPr lang="es-CO" b="1" dirty="0" smtClean="0">
+                <a:solidFill>
+                  <a:srgbClr val="00B050"/>
+                </a:solidFill>
+              </a:rPr>
+              <a:t>DE MATRICES</a:t>
+            </a:r>
+            <a:endParaRPr lang="es-CO" b="1" dirty="0">
+              <a:solidFill>
+                <a:srgbClr val="00B050"/>
+              </a:solidFill>
+            </a:endParaRPr>
+          </a:p>
+        </p:txBody>
+      </p:sp>
+      <p:pic>
+        <p:nvPicPr>
+          <p:cNvPr id="3" name="Imagen 2"/>
+          <p:cNvPicPr>
+            <a:picLocks noChangeAspect="1"/>
+          </p:cNvPicPr>
+          <p:nvPr/>
+        </p:nvPicPr>
+        <p:blipFill>
+          <a:blip r:embed="rId3"/>
+          <a:stretch>
+            <a:fillRect/>
+          </a:stretch>
+        </p:blipFill>
+        <p:spPr>
+          <a:xfrm>
+            <a:off x="4959674" y="610599"/>
+            <a:ext cx="2619048" cy="1828571"/>
+          </a:xfrm>
+          <a:prstGeom prst="rect">
+            <a:avLst/>
+          </a:prstGeom>
+        </p:spPr>
+      </p:pic>
+      <p:pic>
+        <p:nvPicPr>
+          <p:cNvPr id="4" name="Imagen 3"/>
+          <p:cNvPicPr>
+            <a:picLocks noChangeAspect="1"/>
+          </p:cNvPicPr>
+          <p:nvPr/>
+        </p:nvPicPr>
+        <p:blipFill>
+          <a:blip r:embed="rId4"/>
+          <a:stretch>
+            <a:fillRect/>
+          </a:stretch>
+        </p:blipFill>
+        <p:spPr>
+          <a:xfrm>
+            <a:off x="518084" y="2205371"/>
+            <a:ext cx="7953375" cy="1514475"/>
+          </a:xfrm>
+          <a:prstGeom prst="rect">
+            <a:avLst/>
+          </a:prstGeom>
+        </p:spPr>
+      </p:pic>
+      <p:sp>
+        <p:nvSpPr>
+          <p:cNvPr id="9" name="Rectangle 2"/>
+          <p:cNvSpPr>
+            <a:spLocks noChangeArrowheads="1"/>
+          </p:cNvSpPr>
+          <p:nvPr/>
+        </p:nvSpPr>
+        <p:spPr bwMode="auto">
+          <a:xfrm>
+            <a:off x="725902" y="4180505"/>
+            <a:ext cx="10995044" cy="307777"/>
+          </a:xfrm>
+          <a:prstGeom prst="rect">
+            <a:avLst/>
+          </a:prstGeom>
+          <a:solidFill>
+            <a:srgbClr val="F7F7F7"/>
+          </a:solidFill>
+          <a:ln>
+            <a:noFill/>
+          </a:ln>
+          <a:effectLst/>
+          <a:extLst>
+            <a:ext uri="{91240B29-F687-4F45-9708-019B960494DF}">
+              <a14:hiddenLine xmlns:a14="http://schemas.microsoft.com/office/drawing/2010/main" w="9525">
+                <a:solidFill>
+                  <a:schemeClr val="tx1"/>
+                </a:solidFill>
+                <a:miter lim="800000"/>
+                <a:headEnd/>
+                <a:tailEnd/>
+              </a14:hiddenLine>
+            </a:ext>
+            <a:ext uri="{AF507438-7753-43E0-B8FC-AC1667EBCBE1}">
+              <a14:hiddenEffects xmlns:a14="http://schemas.microsoft.com/office/drawing/2010/main">
+                <a:effectLst>
+                  <a:outerShdw dist="35921" dir="2700000" algn="ctr" rotWithShape="0">
+                    <a:schemeClr val="bg2"/>
+                  </a:outerShdw>
+                </a:effectLst>
+              </a14:hiddenEffects>
+            </a:ext>
+          </a:extLst>
+        </p:spPr>
+        <p:txBody>
+          <a:bodyPr vert="horz" wrap="square" lIns="0" tIns="0" rIns="0" bIns="0" numCol="1" anchor="ctr" anchorCtr="0" compatLnSpc="1">
+            <a:prstTxWarp prst="textNoShape">
+              <a:avLst/>
+            </a:prstTxWarp>
+            <a:spAutoFit/>
+          </a:bodyPr>
+          <a:lstStyle/>
+          <a:p>
+            <a:pPr marL="0" marR="0" lvl="0" indent="0" algn="just" defTabSz="914400" rtl="0" eaLnBrk="0" fontAlgn="base" latinLnBrk="0" hangingPunct="0">
+              <a:lnSpc>
+                <a:spcPct val="100000"/>
+              </a:lnSpc>
+              <a:spcBef>
+                <a:spcPct val="0"/>
+              </a:spcBef>
+              <a:spcAft>
+                <a:spcPct val="0"/>
+              </a:spcAft>
+              <a:buClrTx/>
+              <a:buSzTx/>
+              <a:buFontTx/>
+              <a:buNone/>
+              <a:tabLst/>
+            </a:pPr>
+            <a:r>
+              <a:rPr kumimoji="0" lang="es-CO" altLang="es-CO" sz="2000" b="1" i="0" u="none" strike="noStrike" cap="none" normalizeH="0" baseline="0" dirty="0" err="1" smtClean="0">
+                <a:ln>
+                  <a:noFill/>
+                </a:ln>
+                <a:solidFill>
+                  <a:srgbClr val="007020"/>
+                </a:solidFill>
+                <a:effectLst/>
+                <a:latin typeface="Consolas" panose="020B0609020204030204" pitchFamily="49" charset="0"/>
+              </a:rPr>
+              <a:t>matrix</a:t>
+            </a:r>
+            <a:r>
+              <a:rPr kumimoji="0" lang="es-CO" altLang="es-CO" sz="2000" b="0" i="0" u="none" strike="noStrike" cap="none" normalizeH="0" baseline="0" dirty="0" smtClean="0">
+                <a:ln>
+                  <a:noFill/>
+                </a:ln>
+                <a:solidFill>
+                  <a:srgbClr val="333333"/>
+                </a:solidFill>
+                <a:effectLst/>
+                <a:latin typeface="Consolas" panose="020B0609020204030204" pitchFamily="49" charset="0"/>
+              </a:rPr>
+              <a:t>(</a:t>
+            </a:r>
+            <a:r>
+              <a:rPr kumimoji="0" lang="es-CO" altLang="es-CO" sz="2000" b="0" i="0" u="none" strike="noStrike" cap="none" normalizeH="0" baseline="0" dirty="0" smtClean="0">
+                <a:ln>
+                  <a:noFill/>
+                </a:ln>
+                <a:solidFill>
+                  <a:srgbClr val="902000"/>
+                </a:solidFill>
+                <a:effectLst/>
+                <a:latin typeface="Consolas" panose="020B0609020204030204" pitchFamily="49" charset="0"/>
+              </a:rPr>
+              <a:t>data = </a:t>
+            </a:r>
+            <a:r>
+              <a:rPr lang="es-CO" altLang="es-CO" sz="2000" b="1" dirty="0">
+                <a:solidFill>
+                  <a:srgbClr val="007020"/>
+                </a:solidFill>
+                <a:latin typeface="Consolas" panose="020B0609020204030204" pitchFamily="49" charset="0"/>
+              </a:rPr>
+              <a:t>c</a:t>
+            </a:r>
+            <a:r>
+              <a:rPr kumimoji="0" lang="es-CO" altLang="es-CO" sz="2000" b="0" i="0" u="none" strike="noStrike" cap="none" normalizeH="0" baseline="0" dirty="0" smtClean="0">
+                <a:ln>
+                  <a:noFill/>
+                </a:ln>
+                <a:solidFill>
+                  <a:srgbClr val="902000"/>
+                </a:solidFill>
+                <a:effectLst/>
+                <a:latin typeface="Consolas" panose="020B0609020204030204" pitchFamily="49" charset="0"/>
+              </a:rPr>
+              <a:t>()</a:t>
+            </a:r>
+            <a:r>
+              <a:rPr kumimoji="0" lang="es-CO" altLang="es-CO" sz="2000" b="0" i="0" u="none" strike="noStrike" cap="none" normalizeH="0" baseline="0" dirty="0" smtClean="0">
+                <a:ln>
+                  <a:noFill/>
+                </a:ln>
+                <a:solidFill>
+                  <a:srgbClr val="333333"/>
+                </a:solidFill>
+                <a:effectLst/>
+                <a:latin typeface="Consolas" panose="020B0609020204030204" pitchFamily="49" charset="0"/>
+              </a:rPr>
+              <a:t>, </a:t>
+            </a:r>
+            <a:r>
+              <a:rPr kumimoji="0" lang="es-CO" altLang="es-CO" sz="2000" b="0" i="0" u="none" strike="noStrike" cap="none" normalizeH="0" baseline="0" dirty="0" err="1" smtClean="0">
+                <a:ln>
+                  <a:noFill/>
+                </a:ln>
+                <a:solidFill>
+                  <a:srgbClr val="902000"/>
+                </a:solidFill>
+                <a:effectLst/>
+                <a:latin typeface="Consolas" panose="020B0609020204030204" pitchFamily="49" charset="0"/>
+              </a:rPr>
+              <a:t>nrow</a:t>
+            </a:r>
+            <a:r>
+              <a:rPr kumimoji="0" lang="es-CO" altLang="es-CO" sz="2000" b="0" i="0" u="none" strike="noStrike" cap="none" normalizeH="0" baseline="0" dirty="0" smtClean="0">
+                <a:ln>
+                  <a:noFill/>
+                </a:ln>
+                <a:solidFill>
+                  <a:srgbClr val="902000"/>
+                </a:solidFill>
+                <a:effectLst/>
+                <a:latin typeface="Consolas" panose="020B0609020204030204" pitchFamily="49" charset="0"/>
+              </a:rPr>
+              <a:t>=</a:t>
+            </a:r>
+            <a:r>
+              <a:rPr kumimoji="0" lang="es-CO" altLang="es-CO" sz="2000" b="0" i="0" u="none" strike="noStrike" cap="none" normalizeH="0" baseline="0" dirty="0" smtClean="0">
+                <a:ln>
+                  <a:noFill/>
+                </a:ln>
+                <a:solidFill>
+                  <a:srgbClr val="333333"/>
+                </a:solidFill>
+                <a:effectLst/>
+                <a:latin typeface="Consolas" panose="020B0609020204030204" pitchFamily="49" charset="0"/>
+              </a:rPr>
+              <a:t>, </a:t>
+            </a:r>
+            <a:r>
+              <a:rPr kumimoji="0" lang="es-CO" altLang="es-CO" sz="2000" b="0" i="0" u="none" strike="noStrike" cap="none" normalizeH="0" baseline="0" dirty="0" err="1" smtClean="0">
+                <a:ln>
+                  <a:noFill/>
+                </a:ln>
+                <a:solidFill>
+                  <a:srgbClr val="902000"/>
+                </a:solidFill>
+                <a:effectLst/>
+                <a:latin typeface="Consolas" panose="020B0609020204030204" pitchFamily="49" charset="0"/>
+              </a:rPr>
+              <a:t>ncol</a:t>
+            </a:r>
+            <a:r>
+              <a:rPr kumimoji="0" lang="es-CO" altLang="es-CO" sz="2000" b="0" i="0" u="none" strike="noStrike" cap="none" normalizeH="0" baseline="0" dirty="0" smtClean="0">
+                <a:ln>
+                  <a:noFill/>
+                </a:ln>
+                <a:solidFill>
+                  <a:srgbClr val="902000"/>
+                </a:solidFill>
+                <a:effectLst/>
+                <a:latin typeface="Consolas" panose="020B0609020204030204" pitchFamily="49" charset="0"/>
+              </a:rPr>
+              <a:t> =</a:t>
+            </a:r>
+            <a:r>
+              <a:rPr kumimoji="0" lang="es-CO" altLang="es-CO" sz="2000" b="0" i="0" u="none" strike="noStrike" cap="none" normalizeH="0" baseline="0" dirty="0" smtClean="0">
+                <a:ln>
+                  <a:noFill/>
+                </a:ln>
+                <a:solidFill>
+                  <a:srgbClr val="333333"/>
+                </a:solidFill>
+                <a:effectLst/>
+                <a:latin typeface="Consolas" panose="020B0609020204030204" pitchFamily="49" charset="0"/>
+              </a:rPr>
+              <a:t>, </a:t>
+            </a:r>
+            <a:r>
+              <a:rPr kumimoji="0" lang="es-CO" altLang="es-CO" sz="2000" b="0" i="0" u="none" strike="noStrike" cap="none" normalizeH="0" baseline="0" dirty="0" err="1" smtClean="0">
+                <a:ln>
+                  <a:noFill/>
+                </a:ln>
+                <a:solidFill>
+                  <a:srgbClr val="902000"/>
+                </a:solidFill>
+                <a:effectLst/>
+                <a:latin typeface="Consolas" panose="020B0609020204030204" pitchFamily="49" charset="0"/>
+              </a:rPr>
+              <a:t>byrow</a:t>
+            </a:r>
+            <a:r>
+              <a:rPr kumimoji="0" lang="es-CO" altLang="es-CO" sz="2000" b="0" i="0" u="none" strike="noStrike" cap="none" normalizeH="0" baseline="0" dirty="0" smtClean="0">
+                <a:ln>
+                  <a:noFill/>
+                </a:ln>
+                <a:solidFill>
+                  <a:srgbClr val="902000"/>
+                </a:solidFill>
+                <a:effectLst/>
+                <a:latin typeface="Consolas" panose="020B0609020204030204" pitchFamily="49" charset="0"/>
+              </a:rPr>
+              <a:t> = TRUE</a:t>
+            </a:r>
+            <a:r>
+              <a:rPr lang="es-CO" altLang="es-CO" sz="2000" dirty="0" smtClean="0">
+                <a:solidFill>
+                  <a:srgbClr val="333333"/>
+                </a:solidFill>
+                <a:latin typeface="Consolas" panose="020B0609020204030204" pitchFamily="49" charset="0"/>
+              </a:rPr>
+              <a:t> </a:t>
+            </a:r>
+            <a:r>
+              <a:rPr kumimoji="0" lang="es-CO" altLang="es-CO" sz="2000" b="0" i="0" u="none" strike="noStrike" cap="none" normalizeH="0" baseline="0" dirty="0" smtClean="0">
+                <a:ln>
+                  <a:noFill/>
+                </a:ln>
+                <a:solidFill>
+                  <a:srgbClr val="333333"/>
+                </a:solidFill>
+                <a:effectLst/>
+                <a:latin typeface="Consolas" panose="020B0609020204030204" pitchFamily="49" charset="0"/>
+              </a:rPr>
+              <a:t>, </a:t>
+            </a:r>
+            <a:r>
+              <a:rPr kumimoji="0" lang="es-CO" altLang="es-CO" sz="2000" b="0" i="0" u="none" strike="noStrike" cap="none" normalizeH="0" baseline="0" dirty="0" err="1" smtClean="0">
+                <a:ln>
+                  <a:noFill/>
+                </a:ln>
+                <a:solidFill>
+                  <a:srgbClr val="902000"/>
+                </a:solidFill>
+                <a:effectLst/>
+                <a:latin typeface="Consolas" panose="020B0609020204030204" pitchFamily="49" charset="0"/>
+              </a:rPr>
+              <a:t>dimnames</a:t>
+            </a:r>
+            <a:r>
+              <a:rPr kumimoji="0" lang="es-CO" altLang="es-CO" sz="2000" b="0" i="0" u="none" strike="noStrike" cap="none" normalizeH="0" baseline="0" dirty="0" smtClean="0">
+                <a:ln>
+                  <a:noFill/>
+                </a:ln>
+                <a:solidFill>
+                  <a:srgbClr val="902000"/>
+                </a:solidFill>
+                <a:effectLst/>
+                <a:latin typeface="Consolas" panose="020B0609020204030204" pitchFamily="49" charset="0"/>
+              </a:rPr>
+              <a:t> =</a:t>
+            </a:r>
+            <a:r>
+              <a:rPr kumimoji="0" lang="es-CO" altLang="es-CO" sz="2000" b="0" i="0" u="none" strike="noStrike" cap="none" normalizeH="0" baseline="0" dirty="0" smtClean="0">
+                <a:ln>
+                  <a:noFill/>
+                </a:ln>
+                <a:solidFill>
+                  <a:srgbClr val="333333"/>
+                </a:solidFill>
+                <a:effectLst/>
+                <a:latin typeface="Consolas" panose="020B0609020204030204" pitchFamily="49" charset="0"/>
+              </a:rPr>
+              <a:t> </a:t>
+            </a:r>
+            <a:r>
+              <a:rPr kumimoji="0" lang="es-CO" altLang="es-CO" sz="2000" b="1" i="0" u="none" strike="noStrike" cap="none" normalizeH="0" baseline="0" dirty="0" err="1" smtClean="0">
+                <a:ln>
+                  <a:noFill/>
+                </a:ln>
+                <a:solidFill>
+                  <a:srgbClr val="007020"/>
+                </a:solidFill>
+                <a:effectLst/>
+                <a:latin typeface="Consolas" panose="020B0609020204030204" pitchFamily="49" charset="0"/>
+              </a:rPr>
+              <a:t>list</a:t>
+            </a:r>
+            <a:r>
+              <a:rPr kumimoji="0" lang="es-CO" altLang="es-CO" sz="2000" b="0" i="0" u="none" strike="noStrike" cap="none" normalizeH="0" baseline="0" dirty="0" smtClean="0">
+                <a:ln>
+                  <a:noFill/>
+                </a:ln>
+                <a:solidFill>
+                  <a:srgbClr val="333333"/>
+                </a:solidFill>
+                <a:effectLst/>
+                <a:latin typeface="Consolas" panose="020B0609020204030204" pitchFamily="49" charset="0"/>
+              </a:rPr>
+              <a:t>(</a:t>
+            </a:r>
+            <a:r>
+              <a:rPr kumimoji="0" lang="es-CO" altLang="es-CO" sz="2000" b="1" i="0" u="none" strike="noStrike" cap="none" normalizeH="0" baseline="0" dirty="0" smtClean="0">
+                <a:ln>
+                  <a:noFill/>
+                </a:ln>
+                <a:solidFill>
+                  <a:srgbClr val="007020"/>
+                </a:solidFill>
+                <a:effectLst/>
+                <a:latin typeface="Consolas" panose="020B0609020204030204" pitchFamily="49" charset="0"/>
+              </a:rPr>
+              <a:t>c</a:t>
+            </a:r>
+            <a:r>
+              <a:rPr kumimoji="0" lang="es-CO" altLang="es-CO" sz="2000" b="0" i="0" u="none" strike="noStrike" cap="none" normalizeH="0" baseline="0" dirty="0" smtClean="0">
+                <a:ln>
+                  <a:noFill/>
+                </a:ln>
+                <a:solidFill>
+                  <a:srgbClr val="333333"/>
+                </a:solidFill>
+                <a:effectLst/>
+                <a:latin typeface="Consolas" panose="020B0609020204030204" pitchFamily="49" charset="0"/>
+              </a:rPr>
+              <a:t>(), </a:t>
+            </a:r>
+            <a:r>
+              <a:rPr kumimoji="0" lang="es-CO" altLang="es-CO" sz="2000" b="1" i="0" u="none" strike="noStrike" cap="none" normalizeH="0" baseline="0" dirty="0" smtClean="0">
+                <a:ln>
+                  <a:noFill/>
+                </a:ln>
+                <a:solidFill>
+                  <a:srgbClr val="007020"/>
+                </a:solidFill>
+                <a:effectLst/>
+                <a:latin typeface="Consolas" panose="020B0609020204030204" pitchFamily="49" charset="0"/>
+              </a:rPr>
+              <a:t>c</a:t>
+            </a:r>
+            <a:r>
+              <a:rPr kumimoji="0" lang="es-CO" altLang="es-CO" sz="2000" b="0" i="0" u="none" strike="noStrike" cap="none" normalizeH="0" baseline="0" dirty="0" smtClean="0">
+                <a:ln>
+                  <a:noFill/>
+                </a:ln>
+                <a:solidFill>
+                  <a:srgbClr val="333333"/>
+                </a:solidFill>
+                <a:effectLst/>
+                <a:latin typeface="Consolas" panose="020B0609020204030204" pitchFamily="49" charset="0"/>
+              </a:rPr>
+              <a:t>()))</a:t>
+            </a:r>
+            <a:r>
+              <a:rPr kumimoji="0" lang="es-CO" altLang="es-CO" sz="2000" b="0" i="0" u="none" strike="noStrike" cap="none" normalizeH="0" baseline="0" dirty="0" smtClean="0">
+                <a:ln>
+                  <a:noFill/>
+                </a:ln>
+                <a:solidFill>
+                  <a:schemeClr val="tx1"/>
+                </a:solidFill>
+                <a:effectLst/>
+              </a:rPr>
+              <a:t> </a:t>
+            </a:r>
+            <a:endParaRPr kumimoji="0" lang="es-CO" altLang="es-CO" sz="2000" b="0" i="0" u="none" strike="noStrike" cap="none" normalizeH="0" baseline="0" dirty="0" smtClean="0">
+              <a:ln>
+                <a:noFill/>
+              </a:ln>
+              <a:solidFill>
+                <a:schemeClr val="tx1"/>
+              </a:solidFill>
+              <a:effectLst/>
+              <a:latin typeface="Arial" panose="020B0604020202020204" pitchFamily="34" charset="0"/>
+            </a:endParaRPr>
+          </a:p>
+        </p:txBody>
+      </p:sp>
+      <p:sp>
+        <p:nvSpPr>
+          <p:cNvPr id="10" name="Rectángulo 9"/>
+          <p:cNvSpPr/>
+          <p:nvPr/>
+        </p:nvSpPr>
+        <p:spPr>
+          <a:xfrm>
+            <a:off x="4932936" y="4891018"/>
+            <a:ext cx="1729704" cy="369332"/>
+          </a:xfrm>
+          <a:prstGeom prst="rect">
+            <a:avLst/>
+          </a:prstGeom>
+        </p:spPr>
+        <p:txBody>
+          <a:bodyPr wrap="none">
+            <a:spAutoFit/>
+          </a:bodyPr>
+          <a:lstStyle/>
+          <a:p>
+            <a:r>
+              <a:rPr lang="es-CO" dirty="0" smtClean="0"/>
+              <a:t>VERSIÓN CORTA</a:t>
+            </a:r>
+            <a:endParaRPr lang="es-CO" dirty="0"/>
+          </a:p>
+        </p:txBody>
+      </p:sp>
+      <p:sp>
+        <p:nvSpPr>
+          <p:cNvPr id="11" name="Rectangle 3"/>
+          <p:cNvSpPr>
+            <a:spLocks noChangeArrowheads="1"/>
+          </p:cNvSpPr>
+          <p:nvPr/>
+        </p:nvSpPr>
+        <p:spPr bwMode="auto">
+          <a:xfrm>
+            <a:off x="608992" y="5633314"/>
+            <a:ext cx="4289636" cy="307777"/>
+          </a:xfrm>
+          <a:prstGeom prst="rect">
+            <a:avLst/>
+          </a:prstGeom>
+          <a:solidFill>
+            <a:srgbClr val="F7F7F7"/>
+          </a:solidFill>
+          <a:ln>
+            <a:noFill/>
+          </a:ln>
+          <a:effectLst/>
+          <a:extLst>
+            <a:ext uri="{91240B29-F687-4F45-9708-019B960494DF}">
+              <a14:hiddenLine xmlns:a14="http://schemas.microsoft.com/office/drawing/2010/main" w="9525">
+                <a:solidFill>
+                  <a:schemeClr val="tx1"/>
+                </a:solidFill>
+                <a:miter lim="800000"/>
+                <a:headEnd/>
+                <a:tailEnd/>
+              </a14:hiddenLine>
+            </a:ext>
+            <a:ext uri="{AF507438-7753-43E0-B8FC-AC1667EBCBE1}">
+              <a14:hiddenEffects xmlns:a14="http://schemas.microsoft.com/office/drawing/2010/main">
+                <a:effectLst>
+                  <a:outerShdw dist="35921" dir="2700000" algn="ctr" rotWithShape="0">
+                    <a:schemeClr val="bg2"/>
+                  </a:outerShdw>
+                </a:effectLst>
+              </a14:hiddenEffects>
+            </a:ext>
+          </a:extLst>
+        </p:spPr>
+        <p:txBody>
+          <a:bodyPr vert="horz" wrap="none" lIns="0" tIns="0" rIns="0" bIns="0" numCol="1" anchor="ctr" anchorCtr="0" compatLnSpc="1">
+            <a:prstTxWarp prst="textNoShape">
+              <a:avLst/>
+            </a:prstTxWarp>
+            <a:spAutoFit/>
+          </a:bodyPr>
+          <a:lstStyle/>
+          <a:p>
+            <a:pPr marL="0" marR="0" lvl="0" indent="0" algn="just" defTabSz="914400" rtl="0" eaLnBrk="0" fontAlgn="base" latinLnBrk="0" hangingPunct="0">
+              <a:lnSpc>
+                <a:spcPct val="100000"/>
+              </a:lnSpc>
+              <a:spcBef>
+                <a:spcPct val="0"/>
+              </a:spcBef>
+              <a:spcAft>
+                <a:spcPct val="0"/>
+              </a:spcAft>
+              <a:buClrTx/>
+              <a:buSzTx/>
+              <a:buFontTx/>
+              <a:buNone/>
+              <a:tabLst/>
+            </a:pPr>
+            <a:r>
+              <a:rPr kumimoji="0" lang="es-CO" altLang="es-CO" sz="2000" b="1" i="0" u="none" strike="noStrike" cap="none" normalizeH="0" baseline="0" dirty="0" err="1" smtClean="0">
+                <a:ln>
+                  <a:noFill/>
+                </a:ln>
+                <a:solidFill>
+                  <a:srgbClr val="007020"/>
+                </a:solidFill>
+                <a:effectLst/>
+                <a:latin typeface="Consolas" panose="020B0609020204030204" pitchFamily="49" charset="0"/>
+              </a:rPr>
+              <a:t>matrix</a:t>
+            </a:r>
+            <a:r>
+              <a:rPr kumimoji="0" lang="es-CO" altLang="es-CO" sz="2000" b="0" i="0" u="none" strike="noStrike" cap="none" normalizeH="0" baseline="0" dirty="0" smtClean="0">
+                <a:ln>
+                  <a:noFill/>
+                </a:ln>
+                <a:solidFill>
+                  <a:srgbClr val="333333"/>
+                </a:solidFill>
+                <a:effectLst/>
+                <a:latin typeface="Consolas" panose="020B0609020204030204" pitchFamily="49" charset="0"/>
+              </a:rPr>
+              <a:t>(</a:t>
+            </a:r>
+            <a:r>
+              <a:rPr kumimoji="0" lang="es-CO" altLang="es-CO" sz="2000" b="0" i="0" u="none" strike="noStrike" cap="none" normalizeH="0" baseline="0" dirty="0" smtClean="0">
+                <a:ln>
+                  <a:noFill/>
+                </a:ln>
+                <a:solidFill>
+                  <a:srgbClr val="902000"/>
+                </a:solidFill>
+                <a:effectLst/>
+                <a:latin typeface="Consolas" panose="020B0609020204030204" pitchFamily="49" charset="0"/>
+              </a:rPr>
+              <a:t>data =</a:t>
+            </a:r>
+            <a:r>
+              <a:rPr kumimoji="0" lang="es-CO" altLang="es-CO" sz="2000" b="0" i="0" u="none" strike="noStrike" cap="none" normalizeH="0" baseline="0" dirty="0" smtClean="0">
+                <a:ln>
+                  <a:noFill/>
+                </a:ln>
+                <a:solidFill>
+                  <a:srgbClr val="333333"/>
+                </a:solidFill>
+                <a:effectLst/>
+                <a:latin typeface="Consolas" panose="020B0609020204030204" pitchFamily="49" charset="0"/>
+              </a:rPr>
+              <a:t> </a:t>
+            </a:r>
+            <a:r>
+              <a:rPr kumimoji="0" lang="es-CO" altLang="es-CO" sz="2000" b="1" i="0" u="none" strike="noStrike" cap="none" normalizeH="0" baseline="0" dirty="0" smtClean="0">
+                <a:ln>
+                  <a:noFill/>
+                </a:ln>
+                <a:solidFill>
+                  <a:srgbClr val="007020"/>
+                </a:solidFill>
+                <a:effectLst/>
+                <a:latin typeface="Consolas" panose="020B0609020204030204" pitchFamily="49" charset="0"/>
+              </a:rPr>
+              <a:t>c</a:t>
+            </a:r>
+            <a:r>
+              <a:rPr kumimoji="0" lang="es-CO" altLang="es-CO" sz="2000" b="0" i="0" u="none" strike="noStrike" cap="none" normalizeH="0" baseline="0" dirty="0" smtClean="0">
+                <a:ln>
+                  <a:noFill/>
+                </a:ln>
+                <a:solidFill>
+                  <a:srgbClr val="333333"/>
+                </a:solidFill>
+                <a:effectLst/>
+                <a:latin typeface="Consolas" panose="020B0609020204030204" pitchFamily="49" charset="0"/>
+              </a:rPr>
+              <a:t>(</a:t>
+            </a:r>
+            <a:r>
+              <a:rPr kumimoji="0" lang="es-CO" altLang="es-CO" sz="2000" b="0" i="0" u="none" strike="noStrike" cap="none" normalizeH="0" baseline="0" dirty="0" smtClean="0">
+                <a:ln>
+                  <a:noFill/>
+                </a:ln>
+                <a:solidFill>
+                  <a:srgbClr val="40A070"/>
+                </a:solidFill>
+                <a:effectLst/>
+                <a:latin typeface="Consolas" panose="020B0609020204030204" pitchFamily="49" charset="0"/>
+              </a:rPr>
+              <a:t>1</a:t>
+            </a:r>
+            <a:r>
+              <a:rPr kumimoji="0" lang="es-CO" altLang="es-CO" sz="2000" b="0" i="0" u="none" strike="noStrike" cap="none" normalizeH="0" baseline="0" dirty="0" smtClean="0">
+                <a:ln>
+                  <a:noFill/>
+                </a:ln>
+                <a:solidFill>
+                  <a:srgbClr val="666666"/>
+                </a:solidFill>
+                <a:effectLst/>
+                <a:latin typeface="Consolas" panose="020B0609020204030204" pitchFamily="49" charset="0"/>
+              </a:rPr>
+              <a:t>:</a:t>
+            </a:r>
+            <a:r>
+              <a:rPr kumimoji="0" lang="es-CO" altLang="es-CO" sz="2000" b="0" i="0" u="none" strike="noStrike" cap="none" normalizeH="0" baseline="0" dirty="0" smtClean="0">
+                <a:ln>
+                  <a:noFill/>
+                </a:ln>
+                <a:solidFill>
+                  <a:srgbClr val="40A070"/>
+                </a:solidFill>
+                <a:effectLst/>
+                <a:latin typeface="Consolas" panose="020B0609020204030204" pitchFamily="49" charset="0"/>
+              </a:rPr>
+              <a:t>9</a:t>
+            </a:r>
+            <a:r>
+              <a:rPr kumimoji="0" lang="es-CO" altLang="es-CO" sz="2000" b="0" i="0" u="none" strike="noStrike" cap="none" normalizeH="0" baseline="0" dirty="0" smtClean="0">
+                <a:ln>
+                  <a:noFill/>
+                </a:ln>
+                <a:solidFill>
+                  <a:srgbClr val="333333"/>
+                </a:solidFill>
+                <a:effectLst/>
+                <a:latin typeface="Consolas" panose="020B0609020204030204" pitchFamily="49" charset="0"/>
+              </a:rPr>
+              <a:t>), </a:t>
+            </a:r>
+            <a:r>
+              <a:rPr kumimoji="0" lang="es-CO" altLang="es-CO" sz="2000" b="0" i="0" u="none" strike="noStrike" cap="none" normalizeH="0" baseline="0" dirty="0" err="1" smtClean="0">
+                <a:ln>
+                  <a:noFill/>
+                </a:ln>
+                <a:solidFill>
+                  <a:srgbClr val="902000"/>
+                </a:solidFill>
+                <a:effectLst/>
+                <a:latin typeface="Consolas" panose="020B0609020204030204" pitchFamily="49" charset="0"/>
+              </a:rPr>
+              <a:t>nrow</a:t>
+            </a:r>
+            <a:r>
+              <a:rPr kumimoji="0" lang="es-CO" altLang="es-CO" sz="2000" b="0" i="0" u="none" strike="noStrike" cap="none" normalizeH="0" baseline="0" dirty="0" smtClean="0">
+                <a:ln>
+                  <a:noFill/>
+                </a:ln>
+                <a:solidFill>
+                  <a:srgbClr val="902000"/>
+                </a:solidFill>
+                <a:effectLst/>
+                <a:latin typeface="Consolas" panose="020B0609020204030204" pitchFamily="49" charset="0"/>
+              </a:rPr>
+              <a:t>=</a:t>
+            </a:r>
+            <a:r>
+              <a:rPr kumimoji="0" lang="es-CO" altLang="es-CO" sz="2000" b="0" i="0" u="none" strike="noStrike" cap="none" normalizeH="0" baseline="0" dirty="0" smtClean="0">
+                <a:ln>
+                  <a:noFill/>
+                </a:ln>
+                <a:solidFill>
+                  <a:srgbClr val="333333"/>
+                </a:solidFill>
+                <a:effectLst/>
+                <a:latin typeface="Consolas" panose="020B0609020204030204" pitchFamily="49" charset="0"/>
+              </a:rPr>
+              <a:t> </a:t>
+            </a:r>
+            <a:r>
+              <a:rPr kumimoji="0" lang="es-CO" altLang="es-CO" sz="2000" b="0" i="0" u="none" strike="noStrike" cap="none" normalizeH="0" baseline="0" dirty="0" smtClean="0">
+                <a:ln>
+                  <a:noFill/>
+                </a:ln>
+                <a:solidFill>
+                  <a:srgbClr val="40A070"/>
+                </a:solidFill>
+                <a:effectLst/>
+                <a:latin typeface="Consolas" panose="020B0609020204030204" pitchFamily="49" charset="0"/>
+              </a:rPr>
+              <a:t>3</a:t>
+            </a:r>
+            <a:r>
+              <a:rPr kumimoji="0" lang="es-CO" altLang="es-CO" sz="2000" b="0" i="0" u="none" strike="noStrike" cap="none" normalizeH="0" baseline="0" dirty="0" smtClean="0">
+                <a:ln>
+                  <a:noFill/>
+                </a:ln>
+                <a:solidFill>
+                  <a:srgbClr val="333333"/>
+                </a:solidFill>
+                <a:effectLst/>
+                <a:latin typeface="Consolas" panose="020B0609020204030204" pitchFamily="49" charset="0"/>
+              </a:rPr>
+              <a:t>)</a:t>
+            </a:r>
+            <a:r>
+              <a:rPr kumimoji="0" lang="es-CO" altLang="es-CO" sz="2000" b="0" i="0" u="none" strike="noStrike" cap="none" normalizeH="0" baseline="0" dirty="0" smtClean="0">
+                <a:ln>
+                  <a:noFill/>
+                </a:ln>
+                <a:solidFill>
+                  <a:schemeClr val="tx1"/>
+                </a:solidFill>
+                <a:effectLst/>
+              </a:rPr>
+              <a:t> </a:t>
+            </a:r>
+            <a:endParaRPr kumimoji="0" lang="es-CO" altLang="es-CO" sz="2000" b="0" i="0" u="none" strike="noStrike" cap="none" normalizeH="0" baseline="0" dirty="0" smtClean="0">
+              <a:ln>
+                <a:noFill/>
+              </a:ln>
+              <a:solidFill>
+                <a:schemeClr val="tx1"/>
+              </a:solidFill>
+              <a:effectLst/>
+              <a:latin typeface="Arial" panose="020B0604020202020204" pitchFamily="34" charset="0"/>
+            </a:endParaRPr>
+          </a:p>
+        </p:txBody>
+      </p:sp>
+      <p:pic>
+        <p:nvPicPr>
+          <p:cNvPr id="14" name="Imagen 13"/>
+          <p:cNvPicPr>
+            <a:picLocks noChangeAspect="1"/>
+          </p:cNvPicPr>
+          <p:nvPr/>
+        </p:nvPicPr>
+        <p:blipFill>
+          <a:blip r:embed="rId3"/>
+          <a:stretch>
+            <a:fillRect/>
+          </a:stretch>
+        </p:blipFill>
+        <p:spPr>
+          <a:xfrm>
+            <a:off x="16626" y="89644"/>
+            <a:ext cx="786433" cy="632221"/>
+          </a:xfrm>
+          <a:prstGeom prst="rect">
+            <a:avLst/>
+          </a:prstGeom>
+        </p:spPr>
+      </p:pic>
+    </p:spTree>
+    <p:extLst>
+      <p:ext uri="{BB962C8B-B14F-4D97-AF65-F5344CB8AC3E}">
+        <p14:creationId xmlns:p14="http://schemas.microsoft.com/office/powerpoint/2010/main" val="2954120984"/>
+      </p:ext>
+    </p:extLst>
+  </p:cSld>
+  <p:clrMapOvr>
+    <a:masterClrMapping/>
+  </p:clrMapOvr>
+  <p:timing>
+    <p:tnLst>
+      <p:par>
+        <p:cTn id="1" dur="indefinite" restart="never" nodeType="tmRoot"/>
+      </p:par>
+    </p:tnLst>
+  </p:timing>
+</p:sld>
+</file>
+
+<file path=ppt/slides/slide24.xml><?xml version="1.0" encoding="utf-8"?>
+<p:sld xmlns:a="http://schemas.openxmlformats.org/drawingml/2006/main" xmlns:r="http://schemas.openxmlformats.org/officeDocument/2006/relationships" xmlns:p="http://schemas.openxmlformats.org/presentationml/2006/main">
+  <p:cSld>
+    <p:spTree>
+      <p:nvGrpSpPr>
+        <p:cNvPr id="1" name=""/>
+        <p:cNvGrpSpPr/>
+        <p:nvPr/>
+      </p:nvGrpSpPr>
+      <p:grpSpPr>
+        <a:xfrm>
+          <a:off x="0" y="0"/>
+          <a:ext cx="0" cy="0"/>
+          <a:chOff x="0" y="0"/>
+          <a:chExt cx="0" cy="0"/>
+        </a:xfrm>
+      </p:grpSpPr>
+      <p:pic>
+        <p:nvPicPr>
+          <p:cNvPr id="1026" name="Picture 2" descr="https://ih0.redbubble.net/image.522698608.2413/flat,550x550,075,f.u4.jpg"/>
+          <p:cNvPicPr>
+            <a:picLocks noChangeAspect="1" noChangeArrowheads="1"/>
+          </p:cNvPicPr>
+          <p:nvPr/>
+        </p:nvPicPr>
+        <p:blipFill>
+          <a:blip r:embed="rId2" cstate="print">
+            <a:extLst>
+              <a:ext uri="{28A0092B-C50C-407E-A947-70E740481C1C}">
+                <a14:useLocalDpi xmlns:a14="http://schemas.microsoft.com/office/drawing/2010/main" val="0"/>
+              </a:ext>
+            </a:extLst>
+          </a:blip>
+          <a:srcRect/>
+          <a:stretch>
+            <a:fillRect/>
+          </a:stretch>
+        </p:blipFill>
+        <p:spPr bwMode="auto">
+          <a:xfrm>
+            <a:off x="11294629" y="247472"/>
+            <a:ext cx="655187" cy="756458"/>
+          </a:xfrm>
+          <a:prstGeom prst="rect">
+            <a:avLst/>
+          </a:prstGeom>
+          <a:noFill/>
+          <a:extLst>
+            <a:ext uri="{909E8E84-426E-40DD-AFC4-6F175D3DCCD1}">
+              <a14:hiddenFill xmlns:a14="http://schemas.microsoft.com/office/drawing/2010/main">
+                <a:solidFill>
+                  <a:srgbClr val="FFFFFF"/>
+                </a:solidFill>
+              </a14:hiddenFill>
+            </a:ext>
+          </a:extLst>
+        </p:spPr>
+      </p:pic>
+      <p:sp>
+        <p:nvSpPr>
+          <p:cNvPr id="2" name="Rectángulo 1"/>
+          <p:cNvSpPr/>
+          <p:nvPr/>
+        </p:nvSpPr>
+        <p:spPr>
+          <a:xfrm>
+            <a:off x="105476" y="6401750"/>
+            <a:ext cx="1473609" cy="307777"/>
+          </a:xfrm>
+          <a:prstGeom prst="rect">
+            <a:avLst/>
+          </a:prstGeom>
+        </p:spPr>
+        <p:txBody>
+          <a:bodyPr wrap="none">
+            <a:spAutoFit/>
+          </a:bodyPr>
+          <a:lstStyle/>
+          <a:p>
+            <a:r>
+              <a:rPr lang="es-CO" sz="1400" dirty="0" smtClean="0">
+                <a:solidFill>
+                  <a:schemeClr val="bg1">
+                    <a:lumMod val="65000"/>
+                  </a:schemeClr>
+                </a:solidFill>
+                <a:effectLst>
+                  <a:outerShdw blurRad="38100" dist="38100" dir="2700000" algn="tl">
+                    <a:srgbClr val="000000">
+                      <a:alpha val="43137"/>
+                    </a:srgbClr>
+                  </a:outerShdw>
+                </a:effectLst>
+              </a:rPr>
+              <a:t>Primer curso de R</a:t>
+            </a:r>
+            <a:endParaRPr lang="es-CO" sz="1400" dirty="0">
+              <a:solidFill>
+                <a:schemeClr val="bg1">
+                  <a:lumMod val="65000"/>
+                </a:schemeClr>
+              </a:solidFill>
+              <a:effectLst>
+                <a:outerShdw blurRad="38100" dist="38100" dir="2700000" algn="tl">
+                  <a:srgbClr val="000000">
+                    <a:alpha val="43137"/>
+                  </a:srgbClr>
+                </a:outerShdw>
+              </a:effectLst>
+            </a:endParaRPr>
+          </a:p>
+        </p:txBody>
+      </p:sp>
+      <p:sp>
+        <p:nvSpPr>
+          <p:cNvPr id="5" name="CuadroTexto 4"/>
+          <p:cNvSpPr txBox="1"/>
+          <p:nvPr/>
+        </p:nvSpPr>
+        <p:spPr>
+          <a:xfrm>
+            <a:off x="326356" y="748854"/>
+            <a:ext cx="5511338" cy="369332"/>
+          </a:xfrm>
+          <a:prstGeom prst="rect">
+            <a:avLst/>
+          </a:prstGeom>
+          <a:noFill/>
+        </p:spPr>
+        <p:txBody>
+          <a:bodyPr wrap="square" rtlCol="0">
+            <a:spAutoFit/>
+          </a:bodyPr>
+          <a:lstStyle/>
+          <a:p>
+            <a:r>
+              <a:rPr lang="es-CO" b="1" dirty="0" smtClean="0"/>
+              <a:t>MATRICES</a:t>
+            </a:r>
+            <a:r>
+              <a:rPr lang="es-CO" b="1" dirty="0" smtClean="0"/>
+              <a:t> </a:t>
+            </a:r>
+            <a:r>
+              <a:rPr lang="es-CO" b="1" dirty="0" smtClean="0"/>
+              <a:t>EN </a:t>
+            </a:r>
+            <a:r>
+              <a:rPr lang="es-CO" b="1" dirty="0" smtClean="0"/>
+              <a:t>R</a:t>
+            </a:r>
+            <a:endParaRPr lang="es-CO" b="1" dirty="0"/>
+          </a:p>
+        </p:txBody>
+      </p:sp>
+      <p:sp>
+        <p:nvSpPr>
+          <p:cNvPr id="6" name="Rectángulo 5"/>
+          <p:cNvSpPr/>
+          <p:nvPr/>
+        </p:nvSpPr>
+        <p:spPr>
+          <a:xfrm>
+            <a:off x="326356" y="1441295"/>
+            <a:ext cx="7038720" cy="369332"/>
+          </a:xfrm>
+          <a:prstGeom prst="rect">
+            <a:avLst/>
+          </a:prstGeom>
+        </p:spPr>
+        <p:txBody>
+          <a:bodyPr wrap="square">
+            <a:spAutoFit/>
+          </a:bodyPr>
+          <a:lstStyle/>
+          <a:p>
+            <a:r>
+              <a:rPr lang="es-CO" b="1" dirty="0" smtClean="0">
+                <a:solidFill>
+                  <a:srgbClr val="00B050"/>
+                </a:solidFill>
+              </a:rPr>
+              <a:t>IDEXACIÓN (SUBCONJUNTOS ) DE</a:t>
+            </a:r>
+            <a:r>
+              <a:rPr lang="es-CO" b="1" dirty="0" smtClean="0">
+                <a:solidFill>
+                  <a:srgbClr val="00B050"/>
+                </a:solidFill>
+              </a:rPr>
+              <a:t> MATRICES</a:t>
+            </a:r>
+          </a:p>
+        </p:txBody>
+      </p:sp>
+      <p:pic>
+        <p:nvPicPr>
+          <p:cNvPr id="3" name="Imagen 2"/>
+          <p:cNvPicPr>
+            <a:picLocks noChangeAspect="1"/>
+          </p:cNvPicPr>
+          <p:nvPr/>
+        </p:nvPicPr>
+        <p:blipFill>
+          <a:blip r:embed="rId3"/>
+          <a:stretch>
+            <a:fillRect/>
+          </a:stretch>
+        </p:blipFill>
+        <p:spPr>
+          <a:xfrm>
+            <a:off x="0" y="4890"/>
+            <a:ext cx="786433" cy="632221"/>
+          </a:xfrm>
+          <a:prstGeom prst="rect">
+            <a:avLst/>
+          </a:prstGeom>
+        </p:spPr>
+      </p:pic>
+      <p:pic>
+        <p:nvPicPr>
+          <p:cNvPr id="8" name="Imagen 7"/>
+          <p:cNvPicPr>
+            <a:picLocks noChangeAspect="1"/>
+          </p:cNvPicPr>
+          <p:nvPr/>
+        </p:nvPicPr>
+        <p:blipFill>
+          <a:blip r:embed="rId4"/>
+          <a:stretch>
+            <a:fillRect/>
+          </a:stretch>
+        </p:blipFill>
+        <p:spPr>
+          <a:xfrm>
+            <a:off x="712305" y="2236242"/>
+            <a:ext cx="8401050" cy="1971675"/>
+          </a:xfrm>
+          <a:prstGeom prst="rect">
+            <a:avLst/>
+          </a:prstGeom>
+        </p:spPr>
+      </p:pic>
+      <p:sp>
+        <p:nvSpPr>
+          <p:cNvPr id="15" name="Flecha derecha 14"/>
+          <p:cNvSpPr/>
+          <p:nvPr/>
+        </p:nvSpPr>
+        <p:spPr>
+          <a:xfrm rot="5400000">
+            <a:off x="4410373" y="4666851"/>
+            <a:ext cx="598516" cy="554653"/>
+          </a:xfrm>
+          <a:prstGeom prst="rightArrow">
+            <a:avLst/>
+          </a:prstGeom>
+        </p:spPr>
+        <p:style>
+          <a:lnRef idx="2">
+            <a:schemeClr val="accent1">
+              <a:shade val="50000"/>
+            </a:schemeClr>
+          </a:lnRef>
+          <a:fillRef idx="1">
+            <a:schemeClr val="accent1"/>
+          </a:fillRef>
+          <a:effectRef idx="0">
+            <a:schemeClr val="accent1"/>
+          </a:effectRef>
+          <a:fontRef idx="minor">
+            <a:schemeClr val="lt1"/>
+          </a:fontRef>
+        </p:style>
+        <p:txBody>
+          <a:bodyPr rtlCol="0" anchor="ctr"/>
+          <a:lstStyle/>
+          <a:p>
+            <a:pPr algn="ctr"/>
+            <a:endParaRPr lang="es-CO"/>
+          </a:p>
+        </p:txBody>
+      </p:sp>
+      <p:sp>
+        <p:nvSpPr>
+          <p:cNvPr id="16" name="Rectángulo 15"/>
+          <p:cNvSpPr/>
+          <p:nvPr/>
+        </p:nvSpPr>
+        <p:spPr>
+          <a:xfrm>
+            <a:off x="2785073" y="5418828"/>
+            <a:ext cx="4403770" cy="523220"/>
+          </a:xfrm>
+          <a:prstGeom prst="rect">
+            <a:avLst/>
+          </a:prstGeom>
+        </p:spPr>
+        <p:txBody>
+          <a:bodyPr wrap="none">
+            <a:spAutoFit/>
+          </a:bodyPr>
+          <a:lstStyle/>
+          <a:p>
+            <a:r>
+              <a:rPr lang="es-CO" sz="2800" b="1" dirty="0" err="1" smtClean="0">
+                <a:solidFill>
+                  <a:srgbClr val="333333"/>
+                </a:solidFill>
+                <a:latin typeface="Helvetica Neue"/>
+              </a:rPr>
+              <a:t>Nombre_Matriz</a:t>
+            </a:r>
+            <a:r>
+              <a:rPr lang="es-CO" sz="2800" b="1" dirty="0" smtClean="0">
+                <a:solidFill>
+                  <a:srgbClr val="333333"/>
+                </a:solidFill>
+                <a:latin typeface="Helvetica Neue"/>
+              </a:rPr>
+              <a:t>[</a:t>
+            </a:r>
+            <a:r>
+              <a:rPr lang="es-CO" altLang="es-CO" sz="2800" b="1" dirty="0" smtClean="0">
+                <a:solidFill>
+                  <a:srgbClr val="007020"/>
+                </a:solidFill>
+                <a:latin typeface="Consolas" panose="020B0609020204030204" pitchFamily="49" charset="0"/>
+              </a:rPr>
+              <a:t>c</a:t>
+            </a:r>
+            <a:r>
+              <a:rPr lang="es-CO" altLang="es-CO" sz="2800" dirty="0" smtClean="0">
+                <a:solidFill>
+                  <a:srgbClr val="902000"/>
+                </a:solidFill>
+                <a:latin typeface="Consolas" panose="020B0609020204030204" pitchFamily="49" charset="0"/>
+              </a:rPr>
+              <a:t>()</a:t>
+            </a:r>
+            <a:r>
+              <a:rPr lang="es-CO" sz="2800" b="1" dirty="0" smtClean="0">
+                <a:solidFill>
+                  <a:srgbClr val="333333"/>
+                </a:solidFill>
+                <a:latin typeface="Helvetica Neue"/>
+              </a:rPr>
+              <a:t>, </a:t>
+            </a:r>
+            <a:r>
+              <a:rPr lang="es-CO" altLang="es-CO" sz="2800" b="1" dirty="0">
+                <a:solidFill>
+                  <a:srgbClr val="007020"/>
+                </a:solidFill>
+                <a:latin typeface="Consolas" panose="020B0609020204030204" pitchFamily="49" charset="0"/>
+              </a:rPr>
+              <a:t>c</a:t>
+            </a:r>
+            <a:r>
+              <a:rPr lang="es-CO" altLang="es-CO" sz="2800" dirty="0" smtClean="0">
+                <a:solidFill>
+                  <a:srgbClr val="902000"/>
+                </a:solidFill>
+                <a:latin typeface="Consolas" panose="020B0609020204030204" pitchFamily="49" charset="0"/>
+              </a:rPr>
+              <a:t>()</a:t>
+            </a:r>
+            <a:r>
+              <a:rPr lang="es-CO" sz="2800" b="1" dirty="0" smtClean="0">
+                <a:solidFill>
+                  <a:srgbClr val="333333"/>
+                </a:solidFill>
+                <a:latin typeface="Helvetica Neue"/>
+              </a:rPr>
+              <a:t>]</a:t>
+            </a:r>
+            <a:endParaRPr lang="es-CO" sz="2800" dirty="0"/>
+          </a:p>
+        </p:txBody>
+      </p:sp>
+      <p:sp>
+        <p:nvSpPr>
+          <p:cNvPr id="17" name="Rectángulo 16"/>
+          <p:cNvSpPr/>
+          <p:nvPr/>
+        </p:nvSpPr>
+        <p:spPr>
+          <a:xfrm>
+            <a:off x="6760562" y="1247789"/>
+            <a:ext cx="955711" cy="707886"/>
+          </a:xfrm>
+          <a:prstGeom prst="rect">
+            <a:avLst/>
+          </a:prstGeom>
+        </p:spPr>
+        <p:txBody>
+          <a:bodyPr wrap="none">
+            <a:spAutoFit/>
+          </a:bodyPr>
+          <a:lstStyle/>
+          <a:p>
+            <a:r>
+              <a:rPr lang="es-CO" sz="4000" b="1" dirty="0" smtClean="0">
+                <a:solidFill>
+                  <a:srgbClr val="333333"/>
+                </a:solidFill>
+                <a:latin typeface="Helvetica Neue"/>
+              </a:rPr>
+              <a:t>[ , ]</a:t>
+            </a:r>
+            <a:endParaRPr lang="es-CO" sz="4000" dirty="0"/>
+          </a:p>
+        </p:txBody>
+      </p:sp>
+    </p:spTree>
+    <p:extLst>
+      <p:ext uri="{BB962C8B-B14F-4D97-AF65-F5344CB8AC3E}">
+        <p14:creationId xmlns:p14="http://schemas.microsoft.com/office/powerpoint/2010/main" val="1043247976"/>
+      </p:ext>
+    </p:extLst>
+  </p:cSld>
+  <p:clrMapOvr>
+    <a:masterClrMapping/>
+  </p:clrMapOvr>
+  <p:timing>
+    <p:tnLst>
+      <p:par>
+        <p:cTn id="1" dur="indefinite" restart="never" nodeType="tmRoot"/>
+      </p:par>
+    </p:tnLst>
+  </p:timing>
+</p:sld>
+</file>
+
+<file path=ppt/slides/slide25.xml><?xml version="1.0" encoding="utf-8"?>
+<p:sld xmlns:a="http://schemas.openxmlformats.org/drawingml/2006/main" xmlns:r="http://schemas.openxmlformats.org/officeDocument/2006/relationships" xmlns:p="http://schemas.openxmlformats.org/presentationml/2006/main">
+  <p:cSld>
+    <p:spTree>
+      <p:nvGrpSpPr>
+        <p:cNvPr id="1" name=""/>
+        <p:cNvGrpSpPr/>
+        <p:nvPr/>
+      </p:nvGrpSpPr>
+      <p:grpSpPr>
+        <a:xfrm>
+          <a:off x="0" y="0"/>
+          <a:ext cx="0" cy="0"/>
+          <a:chOff x="0" y="0"/>
+          <a:chExt cx="0" cy="0"/>
+        </a:xfrm>
+      </p:grpSpPr>
+      <p:pic>
+        <p:nvPicPr>
+          <p:cNvPr id="1026" name="Picture 2" descr="https://ih0.redbubble.net/image.522698608.2413/flat,550x550,075,f.u4.jpg"/>
+          <p:cNvPicPr>
+            <a:picLocks noChangeAspect="1" noChangeArrowheads="1"/>
+          </p:cNvPicPr>
+          <p:nvPr/>
+        </p:nvPicPr>
+        <p:blipFill>
+          <a:blip r:embed="rId2" cstate="print">
+            <a:extLst>
+              <a:ext uri="{28A0092B-C50C-407E-A947-70E740481C1C}">
+                <a14:useLocalDpi xmlns:a14="http://schemas.microsoft.com/office/drawing/2010/main" val="0"/>
+              </a:ext>
+            </a:extLst>
+          </a:blip>
+          <a:srcRect/>
+          <a:stretch>
+            <a:fillRect/>
+          </a:stretch>
+        </p:blipFill>
+        <p:spPr bwMode="auto">
+          <a:xfrm>
+            <a:off x="11294629" y="247472"/>
+            <a:ext cx="655187" cy="756458"/>
+          </a:xfrm>
+          <a:prstGeom prst="rect">
+            <a:avLst/>
+          </a:prstGeom>
+          <a:noFill/>
+          <a:extLst>
+            <a:ext uri="{909E8E84-426E-40DD-AFC4-6F175D3DCCD1}">
+              <a14:hiddenFill xmlns:a14="http://schemas.microsoft.com/office/drawing/2010/main">
+                <a:solidFill>
+                  <a:srgbClr val="FFFFFF"/>
+                </a:solidFill>
+              </a14:hiddenFill>
+            </a:ext>
+          </a:extLst>
+        </p:spPr>
+      </p:pic>
+      <p:sp>
+        <p:nvSpPr>
+          <p:cNvPr id="2" name="Rectángulo 1"/>
+          <p:cNvSpPr/>
+          <p:nvPr/>
+        </p:nvSpPr>
+        <p:spPr>
+          <a:xfrm>
+            <a:off x="105476" y="6401750"/>
+            <a:ext cx="1473609" cy="307777"/>
+          </a:xfrm>
+          <a:prstGeom prst="rect">
+            <a:avLst/>
+          </a:prstGeom>
+        </p:spPr>
+        <p:txBody>
+          <a:bodyPr wrap="none">
+            <a:spAutoFit/>
+          </a:bodyPr>
+          <a:lstStyle/>
+          <a:p>
+            <a:r>
+              <a:rPr lang="es-CO" sz="1400" dirty="0" smtClean="0">
+                <a:solidFill>
+                  <a:schemeClr val="bg1">
+                    <a:lumMod val="65000"/>
+                  </a:schemeClr>
+                </a:solidFill>
+                <a:effectLst>
+                  <a:outerShdw blurRad="38100" dist="38100" dir="2700000" algn="tl">
+                    <a:srgbClr val="000000">
+                      <a:alpha val="43137"/>
+                    </a:srgbClr>
+                  </a:outerShdw>
+                </a:effectLst>
+              </a:rPr>
+              <a:t>Primer curso de R</a:t>
+            </a:r>
+            <a:endParaRPr lang="es-CO" sz="1400" dirty="0">
+              <a:solidFill>
+                <a:schemeClr val="bg1">
+                  <a:lumMod val="65000"/>
+                </a:schemeClr>
+              </a:solidFill>
+              <a:effectLst>
+                <a:outerShdw blurRad="38100" dist="38100" dir="2700000" algn="tl">
+                  <a:srgbClr val="000000">
+                    <a:alpha val="43137"/>
+                  </a:srgbClr>
+                </a:outerShdw>
+              </a:effectLst>
+            </a:endParaRPr>
+          </a:p>
+        </p:txBody>
+      </p:sp>
+      <p:sp>
+        <p:nvSpPr>
+          <p:cNvPr id="5" name="CuadroTexto 4"/>
+          <p:cNvSpPr txBox="1"/>
+          <p:nvPr/>
+        </p:nvSpPr>
+        <p:spPr>
+          <a:xfrm>
+            <a:off x="326356" y="748854"/>
+            <a:ext cx="5511338" cy="369332"/>
+          </a:xfrm>
+          <a:prstGeom prst="rect">
+            <a:avLst/>
+          </a:prstGeom>
+          <a:noFill/>
+        </p:spPr>
+        <p:txBody>
+          <a:bodyPr wrap="square" rtlCol="0">
+            <a:spAutoFit/>
+          </a:bodyPr>
+          <a:lstStyle/>
+          <a:p>
+            <a:r>
+              <a:rPr lang="es-CO" b="1" dirty="0" smtClean="0"/>
+              <a:t>MATRICES</a:t>
+            </a:r>
+            <a:r>
+              <a:rPr lang="es-CO" b="1" dirty="0" smtClean="0"/>
+              <a:t> </a:t>
+            </a:r>
+            <a:r>
+              <a:rPr lang="es-CO" b="1" dirty="0" smtClean="0"/>
+              <a:t>EN </a:t>
+            </a:r>
+            <a:r>
+              <a:rPr lang="es-CO" b="1" dirty="0" smtClean="0"/>
+              <a:t>R</a:t>
+            </a:r>
+            <a:endParaRPr lang="es-CO" b="1" dirty="0"/>
+          </a:p>
+        </p:txBody>
+      </p:sp>
+      <p:sp>
+        <p:nvSpPr>
+          <p:cNvPr id="6" name="Rectángulo 5"/>
+          <p:cNvSpPr/>
+          <p:nvPr/>
+        </p:nvSpPr>
+        <p:spPr>
+          <a:xfrm>
+            <a:off x="326356" y="1441295"/>
+            <a:ext cx="7038720" cy="369332"/>
+          </a:xfrm>
+          <a:prstGeom prst="rect">
+            <a:avLst/>
+          </a:prstGeom>
+        </p:spPr>
+        <p:txBody>
+          <a:bodyPr wrap="square">
+            <a:spAutoFit/>
+          </a:bodyPr>
+          <a:lstStyle/>
+          <a:p>
+            <a:r>
+              <a:rPr lang="es-CO" b="1" dirty="0" smtClean="0">
+                <a:solidFill>
+                  <a:srgbClr val="00B050"/>
+                </a:solidFill>
+              </a:rPr>
+              <a:t>IDEXACIÓN (SUBCONJUNTOS ) DE</a:t>
+            </a:r>
+            <a:r>
+              <a:rPr lang="es-CO" b="1" dirty="0" smtClean="0">
+                <a:solidFill>
+                  <a:srgbClr val="00B050"/>
+                </a:solidFill>
+              </a:rPr>
+              <a:t> MATRICES</a:t>
+            </a:r>
+          </a:p>
+        </p:txBody>
+      </p:sp>
+      <p:pic>
+        <p:nvPicPr>
+          <p:cNvPr id="3" name="Imagen 2"/>
+          <p:cNvPicPr>
+            <a:picLocks noChangeAspect="1"/>
+          </p:cNvPicPr>
+          <p:nvPr/>
+        </p:nvPicPr>
+        <p:blipFill>
+          <a:blip r:embed="rId3"/>
+          <a:stretch>
+            <a:fillRect/>
+          </a:stretch>
+        </p:blipFill>
+        <p:spPr>
+          <a:xfrm>
+            <a:off x="0" y="4890"/>
+            <a:ext cx="786433" cy="632221"/>
+          </a:xfrm>
+          <a:prstGeom prst="rect">
+            <a:avLst/>
+          </a:prstGeom>
+        </p:spPr>
+      </p:pic>
+      <p:sp>
+        <p:nvSpPr>
+          <p:cNvPr id="16" name="Rectángulo 15"/>
+          <p:cNvSpPr/>
+          <p:nvPr/>
+        </p:nvSpPr>
+        <p:spPr>
+          <a:xfrm>
+            <a:off x="393216" y="3498358"/>
+            <a:ext cx="4403770" cy="523220"/>
+          </a:xfrm>
+          <a:prstGeom prst="rect">
+            <a:avLst/>
+          </a:prstGeom>
+        </p:spPr>
+        <p:txBody>
+          <a:bodyPr wrap="none">
+            <a:spAutoFit/>
+          </a:bodyPr>
+          <a:lstStyle/>
+          <a:p>
+            <a:r>
+              <a:rPr lang="es-CO" sz="2800" b="1" dirty="0" err="1" smtClean="0">
+                <a:solidFill>
+                  <a:srgbClr val="333333"/>
+                </a:solidFill>
+                <a:latin typeface="Helvetica Neue"/>
+              </a:rPr>
+              <a:t>Nombre_Matriz</a:t>
+            </a:r>
+            <a:r>
+              <a:rPr lang="es-CO" sz="2800" b="1" dirty="0" smtClean="0">
+                <a:solidFill>
+                  <a:srgbClr val="333333"/>
+                </a:solidFill>
+                <a:latin typeface="Helvetica Neue"/>
+              </a:rPr>
+              <a:t>[</a:t>
+            </a:r>
+            <a:r>
+              <a:rPr lang="es-CO" altLang="es-CO" sz="2800" b="1" dirty="0" smtClean="0">
+                <a:solidFill>
+                  <a:srgbClr val="007020"/>
+                </a:solidFill>
+                <a:latin typeface="Consolas" panose="020B0609020204030204" pitchFamily="49" charset="0"/>
+              </a:rPr>
+              <a:t>c</a:t>
+            </a:r>
+            <a:r>
+              <a:rPr lang="es-CO" altLang="es-CO" sz="2800" dirty="0" smtClean="0">
+                <a:solidFill>
+                  <a:srgbClr val="902000"/>
+                </a:solidFill>
+                <a:latin typeface="Consolas" panose="020B0609020204030204" pitchFamily="49" charset="0"/>
+              </a:rPr>
+              <a:t>()</a:t>
+            </a:r>
+            <a:r>
+              <a:rPr lang="es-CO" sz="2800" b="1" dirty="0" smtClean="0">
+                <a:solidFill>
+                  <a:srgbClr val="333333"/>
+                </a:solidFill>
+                <a:latin typeface="Helvetica Neue"/>
+              </a:rPr>
+              <a:t>, </a:t>
+            </a:r>
+            <a:r>
+              <a:rPr lang="es-CO" altLang="es-CO" sz="2800" b="1" dirty="0">
+                <a:solidFill>
+                  <a:srgbClr val="007020"/>
+                </a:solidFill>
+                <a:latin typeface="Consolas" panose="020B0609020204030204" pitchFamily="49" charset="0"/>
+              </a:rPr>
+              <a:t>c</a:t>
+            </a:r>
+            <a:r>
+              <a:rPr lang="es-CO" altLang="es-CO" sz="2800" dirty="0" smtClean="0">
+                <a:solidFill>
+                  <a:srgbClr val="902000"/>
+                </a:solidFill>
+                <a:latin typeface="Consolas" panose="020B0609020204030204" pitchFamily="49" charset="0"/>
+              </a:rPr>
+              <a:t>()</a:t>
+            </a:r>
+            <a:r>
+              <a:rPr lang="es-CO" sz="2800" b="1" dirty="0" smtClean="0">
+                <a:solidFill>
+                  <a:srgbClr val="333333"/>
+                </a:solidFill>
+                <a:latin typeface="Helvetica Neue"/>
+              </a:rPr>
+              <a:t>]</a:t>
+            </a:r>
+            <a:endParaRPr lang="es-CO" sz="2800" dirty="0"/>
+          </a:p>
+        </p:txBody>
+      </p:sp>
+      <p:cxnSp>
+        <p:nvCxnSpPr>
+          <p:cNvPr id="7" name="Conector recto de flecha 6"/>
+          <p:cNvCxnSpPr/>
+          <p:nvPr/>
+        </p:nvCxnSpPr>
+        <p:spPr>
+          <a:xfrm flipV="1">
+            <a:off x="4987636" y="2410691"/>
+            <a:ext cx="1205346" cy="1349278"/>
+          </a:xfrm>
+          <a:prstGeom prst="straightConnector1">
+            <a:avLst/>
+          </a:prstGeom>
+          <a:ln>
+            <a:tailEnd type="triangle"/>
+          </a:ln>
+        </p:spPr>
+        <p:style>
+          <a:lnRef idx="1">
+            <a:schemeClr val="accent1"/>
+          </a:lnRef>
+          <a:fillRef idx="0">
+            <a:schemeClr val="accent1"/>
+          </a:fillRef>
+          <a:effectRef idx="0">
+            <a:schemeClr val="accent1"/>
+          </a:effectRef>
+          <a:fontRef idx="minor">
+            <a:schemeClr val="tx1"/>
+          </a:fontRef>
+        </p:style>
+      </p:cxnSp>
+      <p:cxnSp>
+        <p:nvCxnSpPr>
+          <p:cNvPr id="10" name="Conector recto de flecha 9"/>
+          <p:cNvCxnSpPr/>
+          <p:nvPr/>
+        </p:nvCxnSpPr>
+        <p:spPr>
+          <a:xfrm flipV="1">
+            <a:off x="4979324" y="3498358"/>
+            <a:ext cx="1363287" cy="261611"/>
+          </a:xfrm>
+          <a:prstGeom prst="straightConnector1">
+            <a:avLst/>
+          </a:prstGeom>
+          <a:ln>
+            <a:tailEnd type="triangle"/>
+          </a:ln>
+        </p:spPr>
+        <p:style>
+          <a:lnRef idx="1">
+            <a:schemeClr val="accent1"/>
+          </a:lnRef>
+          <a:fillRef idx="0">
+            <a:schemeClr val="accent1"/>
+          </a:fillRef>
+          <a:effectRef idx="0">
+            <a:schemeClr val="accent1"/>
+          </a:effectRef>
+          <a:fontRef idx="minor">
+            <a:schemeClr val="tx1"/>
+          </a:fontRef>
+        </p:style>
+      </p:cxnSp>
+      <p:cxnSp>
+        <p:nvCxnSpPr>
+          <p:cNvPr id="12" name="Conector recto de flecha 11"/>
+          <p:cNvCxnSpPr/>
+          <p:nvPr/>
+        </p:nvCxnSpPr>
+        <p:spPr>
+          <a:xfrm>
+            <a:off x="4987636" y="3759968"/>
+            <a:ext cx="1354975" cy="521087"/>
+          </a:xfrm>
+          <a:prstGeom prst="straightConnector1">
+            <a:avLst/>
+          </a:prstGeom>
+          <a:ln>
+            <a:tailEnd type="triangle"/>
+          </a:ln>
+        </p:spPr>
+        <p:style>
+          <a:lnRef idx="1">
+            <a:schemeClr val="accent1"/>
+          </a:lnRef>
+          <a:fillRef idx="0">
+            <a:schemeClr val="accent1"/>
+          </a:fillRef>
+          <a:effectRef idx="0">
+            <a:schemeClr val="accent1"/>
+          </a:effectRef>
+          <a:fontRef idx="minor">
+            <a:schemeClr val="tx1"/>
+          </a:fontRef>
+        </p:style>
+      </p:cxnSp>
+      <p:cxnSp>
+        <p:nvCxnSpPr>
+          <p:cNvPr id="18" name="Conector recto de flecha 17"/>
+          <p:cNvCxnSpPr/>
+          <p:nvPr/>
+        </p:nvCxnSpPr>
+        <p:spPr>
+          <a:xfrm>
+            <a:off x="4987636" y="3759968"/>
+            <a:ext cx="1147157" cy="1518614"/>
+          </a:xfrm>
+          <a:prstGeom prst="straightConnector1">
+            <a:avLst/>
+          </a:prstGeom>
+          <a:ln>
+            <a:tailEnd type="triangle"/>
+          </a:ln>
+        </p:spPr>
+        <p:style>
+          <a:lnRef idx="1">
+            <a:schemeClr val="accent1"/>
+          </a:lnRef>
+          <a:fillRef idx="0">
+            <a:schemeClr val="accent1"/>
+          </a:fillRef>
+          <a:effectRef idx="0">
+            <a:schemeClr val="accent1"/>
+          </a:effectRef>
+          <a:fontRef idx="minor">
+            <a:schemeClr val="tx1"/>
+          </a:fontRef>
+        </p:style>
+      </p:cxnSp>
+      <p:sp>
+        <p:nvSpPr>
+          <p:cNvPr id="24" name="Rectángulo 23"/>
+          <p:cNvSpPr/>
+          <p:nvPr/>
+        </p:nvSpPr>
+        <p:spPr>
+          <a:xfrm>
+            <a:off x="6575367" y="2019993"/>
+            <a:ext cx="2618509" cy="523702"/>
+          </a:xfrm>
+          <a:prstGeom prst="rect">
+            <a:avLst/>
+          </a:prstGeom>
+        </p:spPr>
+        <p:style>
+          <a:lnRef idx="2">
+            <a:schemeClr val="accent1">
+              <a:shade val="50000"/>
+            </a:schemeClr>
+          </a:lnRef>
+          <a:fillRef idx="1">
+            <a:schemeClr val="accent1"/>
+          </a:fillRef>
+          <a:effectRef idx="0">
+            <a:schemeClr val="accent1"/>
+          </a:effectRef>
+          <a:fontRef idx="minor">
+            <a:schemeClr val="lt1"/>
+          </a:fontRef>
+        </p:style>
+        <p:txBody>
+          <a:bodyPr rtlCol="0" anchor="ctr"/>
+          <a:lstStyle/>
+          <a:p>
+            <a:pPr algn="ctr"/>
+            <a:r>
+              <a:rPr lang="es-CO" i="1" dirty="0"/>
+              <a:t>vectores con enteros positivos</a:t>
+            </a:r>
+            <a:endParaRPr lang="es-CO" dirty="0"/>
+          </a:p>
+        </p:txBody>
+      </p:sp>
+      <p:sp>
+        <p:nvSpPr>
+          <p:cNvPr id="26" name="Rectángulo 25"/>
+          <p:cNvSpPr/>
+          <p:nvPr/>
+        </p:nvSpPr>
+        <p:spPr>
+          <a:xfrm>
+            <a:off x="6542115" y="3125508"/>
+            <a:ext cx="2618509" cy="523702"/>
+          </a:xfrm>
+          <a:prstGeom prst="rect">
+            <a:avLst/>
+          </a:prstGeom>
+        </p:spPr>
+        <p:style>
+          <a:lnRef idx="2">
+            <a:schemeClr val="accent1">
+              <a:shade val="50000"/>
+            </a:schemeClr>
+          </a:lnRef>
+          <a:fillRef idx="1">
+            <a:schemeClr val="accent1"/>
+          </a:fillRef>
+          <a:effectRef idx="0">
+            <a:schemeClr val="accent1"/>
+          </a:effectRef>
+          <a:fontRef idx="minor">
+            <a:schemeClr val="lt1"/>
+          </a:fontRef>
+        </p:style>
+        <p:txBody>
+          <a:bodyPr rtlCol="0" anchor="ctr"/>
+          <a:lstStyle/>
+          <a:p>
+            <a:pPr algn="ctr"/>
+            <a:r>
+              <a:rPr lang="es-CO" i="1" dirty="0"/>
+              <a:t>vectores con enteros </a:t>
+            </a:r>
+            <a:r>
+              <a:rPr lang="es-CO" i="1" dirty="0" smtClean="0"/>
+              <a:t>negativos</a:t>
+            </a:r>
+            <a:endParaRPr lang="es-CO" dirty="0"/>
+          </a:p>
+        </p:txBody>
+      </p:sp>
+      <p:sp>
+        <p:nvSpPr>
+          <p:cNvPr id="28" name="Rectángulo 27"/>
+          <p:cNvSpPr/>
+          <p:nvPr/>
+        </p:nvSpPr>
+        <p:spPr>
+          <a:xfrm>
+            <a:off x="6542116" y="4120427"/>
+            <a:ext cx="2618509" cy="523702"/>
+          </a:xfrm>
+          <a:prstGeom prst="rect">
+            <a:avLst/>
+          </a:prstGeom>
+        </p:spPr>
+        <p:style>
+          <a:lnRef idx="2">
+            <a:schemeClr val="accent1">
+              <a:shade val="50000"/>
+            </a:schemeClr>
+          </a:lnRef>
+          <a:fillRef idx="1">
+            <a:schemeClr val="accent1"/>
+          </a:fillRef>
+          <a:effectRef idx="0">
+            <a:schemeClr val="accent1"/>
+          </a:effectRef>
+          <a:fontRef idx="minor">
+            <a:schemeClr val="lt1"/>
+          </a:fontRef>
+        </p:style>
+        <p:txBody>
+          <a:bodyPr rtlCol="0" anchor="ctr"/>
+          <a:lstStyle/>
+          <a:p>
+            <a:pPr algn="ctr"/>
+            <a:r>
+              <a:rPr lang="es-CO" i="1" dirty="0"/>
+              <a:t>vectores con </a:t>
+            </a:r>
+            <a:r>
+              <a:rPr lang="es-CO" i="1" dirty="0" smtClean="0"/>
+              <a:t>elementos lógicos</a:t>
+            </a:r>
+            <a:endParaRPr lang="es-CO" dirty="0"/>
+          </a:p>
+        </p:txBody>
+      </p:sp>
+      <p:sp>
+        <p:nvSpPr>
+          <p:cNvPr id="29" name="Rectángulo 28"/>
+          <p:cNvSpPr/>
+          <p:nvPr/>
+        </p:nvSpPr>
+        <p:spPr>
+          <a:xfrm>
+            <a:off x="6542116" y="5193349"/>
+            <a:ext cx="2618509" cy="523702"/>
+          </a:xfrm>
+          <a:prstGeom prst="rect">
+            <a:avLst/>
+          </a:prstGeom>
+        </p:spPr>
+        <p:style>
+          <a:lnRef idx="2">
+            <a:schemeClr val="accent1">
+              <a:shade val="50000"/>
+            </a:schemeClr>
+          </a:lnRef>
+          <a:fillRef idx="1">
+            <a:schemeClr val="accent1"/>
+          </a:fillRef>
+          <a:effectRef idx="0">
+            <a:schemeClr val="accent1"/>
+          </a:effectRef>
+          <a:fontRef idx="minor">
+            <a:schemeClr val="lt1"/>
+          </a:fontRef>
+        </p:style>
+        <p:txBody>
+          <a:bodyPr rtlCol="0" anchor="ctr"/>
+          <a:lstStyle/>
+          <a:p>
+            <a:pPr algn="ctr"/>
+            <a:r>
+              <a:rPr lang="es-CO" i="1" dirty="0"/>
+              <a:t>vectores con </a:t>
+            </a:r>
+            <a:r>
+              <a:rPr lang="es-CO" i="1" dirty="0" smtClean="0"/>
+              <a:t>elementos tipo carácter (textuales)</a:t>
+            </a:r>
+            <a:endParaRPr lang="es-CO" dirty="0"/>
+          </a:p>
+        </p:txBody>
+      </p:sp>
+    </p:spTree>
+    <p:extLst>
+      <p:ext uri="{BB962C8B-B14F-4D97-AF65-F5344CB8AC3E}">
+        <p14:creationId xmlns:p14="http://schemas.microsoft.com/office/powerpoint/2010/main" val="1092486617"/>
+      </p:ext>
+    </p:extLst>
+  </p:cSld>
+  <p:clrMapOvr>
+    <a:masterClrMapping/>
+  </p:clrMapOvr>
+  <p:timing>
+    <p:tnLst>
+      <p:par>
+        <p:cTn id="1" dur="indefinite" restart="never" nodeType="tmRoot"/>
+      </p:par>
+    </p:tnLst>
+  </p:timing>
+</p:sld>
+</file>
+
+<file path=ppt/slides/slide26.xml><?xml version="1.0" encoding="utf-8"?>
+<p:sld xmlns:a="http://schemas.openxmlformats.org/drawingml/2006/main" xmlns:r="http://schemas.openxmlformats.org/officeDocument/2006/relationships" xmlns:p="http://schemas.openxmlformats.org/presentationml/2006/main">
+  <p:cSld>
+    <p:spTree>
+      <p:nvGrpSpPr>
+        <p:cNvPr id="1" name=""/>
+        <p:cNvGrpSpPr/>
+        <p:nvPr/>
+      </p:nvGrpSpPr>
+      <p:grpSpPr>
+        <a:xfrm>
+          <a:off x="0" y="0"/>
+          <a:ext cx="0" cy="0"/>
+          <a:chOff x="0" y="0"/>
+          <a:chExt cx="0" cy="0"/>
+        </a:xfrm>
+      </p:grpSpPr>
+      <p:pic>
+        <p:nvPicPr>
+          <p:cNvPr id="1026" name="Picture 2" descr="https://ih0.redbubble.net/image.522698608.2413/flat,550x550,075,f.u4.jpg"/>
+          <p:cNvPicPr>
+            <a:picLocks noChangeAspect="1" noChangeArrowheads="1"/>
+          </p:cNvPicPr>
+          <p:nvPr/>
+        </p:nvPicPr>
+        <p:blipFill>
+          <a:blip r:embed="rId2" cstate="print">
+            <a:extLst>
+              <a:ext uri="{28A0092B-C50C-407E-A947-70E740481C1C}">
+                <a14:useLocalDpi xmlns:a14="http://schemas.microsoft.com/office/drawing/2010/main" val="0"/>
+              </a:ext>
+            </a:extLst>
+          </a:blip>
+          <a:srcRect/>
+          <a:stretch>
+            <a:fillRect/>
+          </a:stretch>
+        </p:blipFill>
+        <p:spPr bwMode="auto">
+          <a:xfrm>
+            <a:off x="11294629" y="247472"/>
+            <a:ext cx="655187" cy="756458"/>
+          </a:xfrm>
+          <a:prstGeom prst="rect">
+            <a:avLst/>
+          </a:prstGeom>
+          <a:noFill/>
+          <a:extLst>
+            <a:ext uri="{909E8E84-426E-40DD-AFC4-6F175D3DCCD1}">
+              <a14:hiddenFill xmlns:a14="http://schemas.microsoft.com/office/drawing/2010/main">
+                <a:solidFill>
+                  <a:srgbClr val="FFFFFF"/>
+                </a:solidFill>
+              </a14:hiddenFill>
+            </a:ext>
+          </a:extLst>
+        </p:spPr>
+      </p:pic>
+      <p:sp>
+        <p:nvSpPr>
+          <p:cNvPr id="2" name="Rectángulo 1"/>
+          <p:cNvSpPr/>
+          <p:nvPr/>
+        </p:nvSpPr>
+        <p:spPr>
+          <a:xfrm>
+            <a:off x="105476" y="6401750"/>
+            <a:ext cx="1473609" cy="307777"/>
+          </a:xfrm>
+          <a:prstGeom prst="rect">
+            <a:avLst/>
+          </a:prstGeom>
+        </p:spPr>
+        <p:txBody>
+          <a:bodyPr wrap="none">
+            <a:spAutoFit/>
+          </a:bodyPr>
+          <a:lstStyle/>
+          <a:p>
+            <a:r>
+              <a:rPr lang="es-CO" sz="1400" dirty="0" smtClean="0">
+                <a:solidFill>
+                  <a:schemeClr val="bg1">
+                    <a:lumMod val="65000"/>
+                  </a:schemeClr>
+                </a:solidFill>
+                <a:effectLst>
+                  <a:outerShdw blurRad="38100" dist="38100" dir="2700000" algn="tl">
+                    <a:srgbClr val="000000">
+                      <a:alpha val="43137"/>
+                    </a:srgbClr>
+                  </a:outerShdw>
+                </a:effectLst>
+              </a:rPr>
+              <a:t>Primer curso de R</a:t>
+            </a:r>
+            <a:endParaRPr lang="es-CO" sz="1400" dirty="0">
+              <a:solidFill>
+                <a:schemeClr val="bg1">
+                  <a:lumMod val="65000"/>
+                </a:schemeClr>
+              </a:solidFill>
+              <a:effectLst>
+                <a:outerShdw blurRad="38100" dist="38100" dir="2700000" algn="tl">
+                  <a:srgbClr val="000000">
+                    <a:alpha val="43137"/>
+                  </a:srgbClr>
+                </a:outerShdw>
+              </a:effectLst>
+            </a:endParaRPr>
+          </a:p>
+        </p:txBody>
+      </p:sp>
+      <p:sp>
+        <p:nvSpPr>
+          <p:cNvPr id="5" name="CuadroTexto 4"/>
+          <p:cNvSpPr txBox="1"/>
+          <p:nvPr/>
+        </p:nvSpPr>
+        <p:spPr>
+          <a:xfrm>
+            <a:off x="717054" y="911563"/>
+            <a:ext cx="5511338" cy="369332"/>
+          </a:xfrm>
+          <a:prstGeom prst="rect">
+            <a:avLst/>
+          </a:prstGeom>
+          <a:noFill/>
+        </p:spPr>
+        <p:txBody>
+          <a:bodyPr wrap="square" rtlCol="0">
+            <a:spAutoFit/>
+          </a:bodyPr>
+          <a:lstStyle/>
+          <a:p>
+            <a:r>
+              <a:rPr lang="es-CO" b="1" dirty="0" smtClean="0"/>
+              <a:t>MATRICES</a:t>
+            </a:r>
+            <a:r>
+              <a:rPr lang="es-CO" b="1" dirty="0" smtClean="0"/>
+              <a:t> </a:t>
+            </a:r>
+            <a:r>
+              <a:rPr lang="es-CO" b="1" dirty="0" smtClean="0"/>
+              <a:t>EN </a:t>
+            </a:r>
+            <a:r>
+              <a:rPr lang="es-CO" b="1" dirty="0" smtClean="0"/>
+              <a:t>R</a:t>
+            </a:r>
+            <a:endParaRPr lang="es-CO" b="1" dirty="0"/>
+          </a:p>
+        </p:txBody>
+      </p:sp>
+      <p:sp>
+        <p:nvSpPr>
+          <p:cNvPr id="6" name="Rectángulo 5"/>
+          <p:cNvSpPr/>
+          <p:nvPr/>
+        </p:nvSpPr>
+        <p:spPr>
+          <a:xfrm>
+            <a:off x="326356" y="1441295"/>
+            <a:ext cx="7038720" cy="369332"/>
+          </a:xfrm>
+          <a:prstGeom prst="rect">
+            <a:avLst/>
+          </a:prstGeom>
+        </p:spPr>
+        <p:txBody>
+          <a:bodyPr wrap="square">
+            <a:spAutoFit/>
+          </a:bodyPr>
+          <a:lstStyle/>
+          <a:p>
+            <a:r>
+              <a:rPr lang="es-CO" b="1" dirty="0" smtClean="0">
+                <a:solidFill>
+                  <a:srgbClr val="00B050"/>
+                </a:solidFill>
+              </a:rPr>
+              <a:t>FUNCIONES PARA GESTIONAR </a:t>
+            </a:r>
+            <a:r>
+              <a:rPr lang="es-CO" b="1" dirty="0" smtClean="0">
+                <a:solidFill>
+                  <a:srgbClr val="00B050"/>
+                </a:solidFill>
+              </a:rPr>
+              <a:t>MATRICES</a:t>
+            </a:r>
+          </a:p>
+        </p:txBody>
+      </p:sp>
+      <p:pic>
+        <p:nvPicPr>
+          <p:cNvPr id="3" name="Imagen 2"/>
+          <p:cNvPicPr>
+            <a:picLocks noChangeAspect="1"/>
+          </p:cNvPicPr>
+          <p:nvPr/>
+        </p:nvPicPr>
+        <p:blipFill>
+          <a:blip r:embed="rId3"/>
+          <a:stretch>
+            <a:fillRect/>
+          </a:stretch>
+        </p:blipFill>
+        <p:spPr>
+          <a:xfrm>
+            <a:off x="0" y="4890"/>
+            <a:ext cx="786433" cy="632221"/>
+          </a:xfrm>
+          <a:prstGeom prst="rect">
+            <a:avLst/>
+          </a:prstGeom>
+        </p:spPr>
+      </p:pic>
+      <p:sp>
+        <p:nvSpPr>
+          <p:cNvPr id="4" name="Rectángulo 3"/>
+          <p:cNvSpPr/>
+          <p:nvPr/>
+        </p:nvSpPr>
+        <p:spPr>
+          <a:xfrm>
+            <a:off x="628491" y="2614811"/>
+            <a:ext cx="9628910" cy="3693319"/>
+          </a:xfrm>
+          <a:prstGeom prst="rect">
+            <a:avLst/>
+          </a:prstGeom>
+        </p:spPr>
+        <p:txBody>
+          <a:bodyPr wrap="square">
+            <a:spAutoFit/>
+          </a:bodyPr>
+          <a:lstStyle/>
+          <a:p>
+            <a:pPr algn="just"/>
+            <a:r>
+              <a:rPr lang="es-CO" b="1" i="1" dirty="0" smtClean="0">
+                <a:solidFill>
+                  <a:srgbClr val="333333"/>
+                </a:solidFill>
+                <a:latin typeface="Helvetica Neue"/>
+              </a:rPr>
+              <a:t>1. </a:t>
+            </a:r>
+            <a:r>
+              <a:rPr lang="es-CO" b="1" i="1" dirty="0" err="1" smtClean="0">
+                <a:solidFill>
+                  <a:srgbClr val="333333"/>
+                </a:solidFill>
+                <a:latin typeface="Helvetica Neue"/>
+              </a:rPr>
+              <a:t>class</a:t>
+            </a:r>
+            <a:r>
+              <a:rPr lang="es-CO" b="1" i="1" dirty="0">
+                <a:solidFill>
+                  <a:srgbClr val="333333"/>
+                </a:solidFill>
+                <a:latin typeface="Helvetica Neue"/>
+              </a:rPr>
+              <a:t>()</a:t>
+            </a:r>
+            <a:r>
+              <a:rPr lang="es-CO" dirty="0">
+                <a:solidFill>
+                  <a:srgbClr val="333333"/>
+                </a:solidFill>
+                <a:latin typeface="Helvetica Neue"/>
+              </a:rPr>
+              <a:t>: Verifica si el tipo de objeto o estructura de datos es una matriz.</a:t>
+            </a:r>
+          </a:p>
+          <a:p>
+            <a:pPr algn="just"/>
+            <a:r>
+              <a:rPr lang="es-CO" b="1" i="1" dirty="0">
+                <a:solidFill>
+                  <a:srgbClr val="333333"/>
+                </a:solidFill>
+                <a:latin typeface="Helvetica Neue"/>
+              </a:rPr>
+              <a:t>2</a:t>
+            </a:r>
+            <a:r>
+              <a:rPr lang="es-CO" b="1" i="1" dirty="0" smtClean="0">
+                <a:solidFill>
+                  <a:srgbClr val="333333"/>
+                </a:solidFill>
+                <a:latin typeface="Helvetica Neue"/>
+              </a:rPr>
+              <a:t>. </a:t>
+            </a:r>
+            <a:r>
+              <a:rPr lang="es-CO" b="1" i="1" dirty="0" err="1" smtClean="0">
+                <a:solidFill>
+                  <a:srgbClr val="333333"/>
+                </a:solidFill>
+                <a:latin typeface="Helvetica Neue"/>
+              </a:rPr>
+              <a:t>nrow</a:t>
+            </a:r>
+            <a:r>
+              <a:rPr lang="es-CO" b="1" i="1" dirty="0">
+                <a:solidFill>
+                  <a:srgbClr val="333333"/>
+                </a:solidFill>
+                <a:latin typeface="Helvetica Neue"/>
+              </a:rPr>
+              <a:t>()</a:t>
+            </a:r>
+            <a:r>
+              <a:rPr lang="es-CO" dirty="0">
+                <a:solidFill>
+                  <a:srgbClr val="333333"/>
+                </a:solidFill>
+                <a:latin typeface="Helvetica Neue"/>
+              </a:rPr>
+              <a:t>: Retorna el número de filas de una matriz.</a:t>
+            </a:r>
+          </a:p>
+          <a:p>
+            <a:pPr algn="just"/>
+            <a:r>
+              <a:rPr lang="es-CO" b="1" i="1" dirty="0" smtClean="0">
+                <a:solidFill>
+                  <a:srgbClr val="333333"/>
+                </a:solidFill>
+                <a:latin typeface="Helvetica Neue"/>
+              </a:rPr>
+              <a:t>3. </a:t>
+            </a:r>
+            <a:r>
+              <a:rPr lang="es-CO" b="1" i="1" dirty="0" err="1" smtClean="0">
+                <a:solidFill>
+                  <a:srgbClr val="333333"/>
+                </a:solidFill>
+                <a:latin typeface="Helvetica Neue"/>
+              </a:rPr>
+              <a:t>ncol</a:t>
+            </a:r>
+            <a:r>
+              <a:rPr lang="es-CO" b="1" i="1" dirty="0">
+                <a:solidFill>
+                  <a:srgbClr val="333333"/>
+                </a:solidFill>
+                <a:latin typeface="Helvetica Neue"/>
+              </a:rPr>
+              <a:t>()</a:t>
+            </a:r>
+            <a:r>
+              <a:rPr lang="es-CO" dirty="0">
+                <a:solidFill>
+                  <a:srgbClr val="333333"/>
+                </a:solidFill>
+                <a:latin typeface="Helvetica Neue"/>
+              </a:rPr>
+              <a:t>: Retorna el número de columnas de una matriz.</a:t>
+            </a:r>
+          </a:p>
+          <a:p>
+            <a:pPr algn="just"/>
+            <a:r>
+              <a:rPr lang="es-CO" b="1" i="1" dirty="0" smtClean="0">
+                <a:solidFill>
+                  <a:srgbClr val="333333"/>
+                </a:solidFill>
+                <a:latin typeface="Helvetica Neue"/>
+              </a:rPr>
+              <a:t>4. </a:t>
+            </a:r>
+            <a:r>
+              <a:rPr lang="es-CO" b="1" i="1" dirty="0" err="1" smtClean="0">
+                <a:solidFill>
+                  <a:srgbClr val="333333"/>
+                </a:solidFill>
+                <a:latin typeface="Helvetica Neue"/>
+              </a:rPr>
+              <a:t>dim</a:t>
+            </a:r>
+            <a:r>
+              <a:rPr lang="es-CO" b="1" i="1" dirty="0">
+                <a:solidFill>
+                  <a:srgbClr val="333333"/>
+                </a:solidFill>
+                <a:latin typeface="Helvetica Neue"/>
+              </a:rPr>
+              <a:t>()</a:t>
+            </a:r>
+            <a:r>
+              <a:rPr lang="es-CO" dirty="0">
+                <a:solidFill>
+                  <a:srgbClr val="333333"/>
+                </a:solidFill>
+                <a:latin typeface="Helvetica Neue"/>
+              </a:rPr>
+              <a:t>: Retorna las dimensiones de una matriz; es decir, cuántas filas y cuántas columnas tiene.</a:t>
+            </a:r>
+          </a:p>
+          <a:p>
+            <a:pPr algn="just"/>
+            <a:r>
+              <a:rPr lang="es-CO" b="1" i="1" dirty="0" smtClean="0">
+                <a:solidFill>
+                  <a:srgbClr val="333333"/>
+                </a:solidFill>
+                <a:latin typeface="Helvetica Neue"/>
+              </a:rPr>
+              <a:t>5. </a:t>
+            </a:r>
+            <a:r>
+              <a:rPr lang="es-CO" b="1" i="1" dirty="0" err="1" smtClean="0">
+                <a:solidFill>
+                  <a:srgbClr val="333333"/>
+                </a:solidFill>
+                <a:latin typeface="Helvetica Neue"/>
+              </a:rPr>
+              <a:t>rowSums</a:t>
+            </a:r>
+            <a:r>
+              <a:rPr lang="es-CO" b="1" i="1" dirty="0">
+                <a:solidFill>
+                  <a:srgbClr val="333333"/>
+                </a:solidFill>
+                <a:latin typeface="Helvetica Neue"/>
+              </a:rPr>
+              <a:t>()</a:t>
+            </a:r>
+            <a:r>
+              <a:rPr lang="es-CO" dirty="0">
+                <a:solidFill>
+                  <a:srgbClr val="333333"/>
+                </a:solidFill>
+                <a:latin typeface="Helvetica Neue"/>
+              </a:rPr>
+              <a:t>: Retorna un vector con la suma de los elementos que conforman las filas de una matriz.</a:t>
+            </a:r>
+          </a:p>
+          <a:p>
+            <a:pPr algn="just"/>
+            <a:r>
+              <a:rPr lang="es-CO" b="1" i="1" dirty="0" smtClean="0">
+                <a:solidFill>
+                  <a:srgbClr val="333333"/>
+                </a:solidFill>
+                <a:latin typeface="Helvetica Neue"/>
+              </a:rPr>
+              <a:t>6. </a:t>
+            </a:r>
+            <a:r>
+              <a:rPr lang="es-CO" b="1" i="1" dirty="0" err="1" smtClean="0">
+                <a:solidFill>
+                  <a:srgbClr val="333333"/>
+                </a:solidFill>
+                <a:latin typeface="Helvetica Neue"/>
+              </a:rPr>
+              <a:t>colSums</a:t>
+            </a:r>
+            <a:r>
+              <a:rPr lang="es-CO" b="1" i="1" dirty="0">
+                <a:solidFill>
+                  <a:srgbClr val="333333"/>
+                </a:solidFill>
+                <a:latin typeface="Helvetica Neue"/>
+              </a:rPr>
+              <a:t>()</a:t>
+            </a:r>
+            <a:r>
+              <a:rPr lang="es-CO" dirty="0">
+                <a:solidFill>
+                  <a:srgbClr val="333333"/>
+                </a:solidFill>
+                <a:latin typeface="Helvetica Neue"/>
+              </a:rPr>
+              <a:t>: Retorna un vector con la suma de los elementos que conforman las columnas de una matriz.</a:t>
+            </a:r>
+          </a:p>
+          <a:p>
+            <a:pPr algn="just"/>
+            <a:r>
+              <a:rPr lang="es-CO" b="1" i="1" dirty="0" smtClean="0">
+                <a:solidFill>
+                  <a:srgbClr val="333333"/>
+                </a:solidFill>
+                <a:latin typeface="Helvetica Neue"/>
+              </a:rPr>
+              <a:t>7. </a:t>
+            </a:r>
+            <a:r>
+              <a:rPr lang="es-CO" b="1" i="1" dirty="0" err="1" smtClean="0">
+                <a:solidFill>
+                  <a:srgbClr val="333333"/>
+                </a:solidFill>
+                <a:latin typeface="Helvetica Neue"/>
+              </a:rPr>
+              <a:t>rbind</a:t>
+            </a:r>
+            <a:r>
+              <a:rPr lang="es-CO" b="1" i="1" dirty="0">
+                <a:solidFill>
+                  <a:srgbClr val="333333"/>
+                </a:solidFill>
+                <a:latin typeface="Helvetica Neue"/>
+              </a:rPr>
+              <a:t>()</a:t>
+            </a:r>
+            <a:r>
+              <a:rPr lang="es-CO" dirty="0">
+                <a:solidFill>
+                  <a:srgbClr val="333333"/>
+                </a:solidFill>
+                <a:latin typeface="Helvetica Neue"/>
+              </a:rPr>
+              <a:t>: Permite adicionar filas a una matriz.</a:t>
+            </a:r>
+          </a:p>
+          <a:p>
+            <a:pPr algn="just"/>
+            <a:r>
+              <a:rPr lang="es-CO" b="1" i="1" dirty="0" smtClean="0">
+                <a:solidFill>
+                  <a:srgbClr val="333333"/>
+                </a:solidFill>
+                <a:latin typeface="Helvetica Neue"/>
+              </a:rPr>
+              <a:t>8. </a:t>
+            </a:r>
+            <a:r>
+              <a:rPr lang="es-CO" b="1" i="1" dirty="0" err="1" smtClean="0">
+                <a:solidFill>
+                  <a:srgbClr val="333333"/>
+                </a:solidFill>
+                <a:latin typeface="Helvetica Neue"/>
+              </a:rPr>
+              <a:t>cbind</a:t>
+            </a:r>
+            <a:r>
+              <a:rPr lang="es-CO" b="1" i="1" dirty="0">
+                <a:solidFill>
+                  <a:srgbClr val="333333"/>
+                </a:solidFill>
+                <a:latin typeface="Helvetica Neue"/>
+              </a:rPr>
+              <a:t>()</a:t>
+            </a:r>
+            <a:r>
+              <a:rPr lang="es-CO" dirty="0">
+                <a:solidFill>
+                  <a:srgbClr val="333333"/>
+                </a:solidFill>
+                <a:latin typeface="Helvetica Neue"/>
+              </a:rPr>
+              <a:t>: Permite adicionar columnas a una matriz.</a:t>
+            </a:r>
+          </a:p>
+          <a:p>
+            <a:pPr algn="just"/>
+            <a:r>
+              <a:rPr lang="es-CO" b="1" i="1" dirty="0" smtClean="0">
+                <a:solidFill>
+                  <a:srgbClr val="333333"/>
+                </a:solidFill>
+                <a:latin typeface="Helvetica Neue"/>
+              </a:rPr>
+              <a:t>9. </a:t>
+            </a:r>
+            <a:r>
+              <a:rPr lang="es-CO" b="1" i="1" dirty="0" err="1" smtClean="0">
+                <a:solidFill>
+                  <a:srgbClr val="333333"/>
+                </a:solidFill>
+                <a:latin typeface="Helvetica Neue"/>
+              </a:rPr>
+              <a:t>rownames</a:t>
+            </a:r>
+            <a:r>
+              <a:rPr lang="es-CO" b="1" i="1" dirty="0">
+                <a:solidFill>
+                  <a:srgbClr val="333333"/>
+                </a:solidFill>
+                <a:latin typeface="Helvetica Neue"/>
+              </a:rPr>
+              <a:t>()</a:t>
+            </a:r>
+            <a:r>
+              <a:rPr lang="es-CO" dirty="0">
+                <a:solidFill>
+                  <a:srgbClr val="333333"/>
+                </a:solidFill>
+                <a:latin typeface="Helvetica Neue"/>
+              </a:rPr>
+              <a:t>: Permite ingresar los nombres de las filas de una matriz.</a:t>
+            </a:r>
+          </a:p>
+          <a:p>
+            <a:pPr algn="just"/>
+            <a:r>
+              <a:rPr lang="es-CO" b="1" i="1" dirty="0" smtClean="0">
+                <a:solidFill>
+                  <a:srgbClr val="333333"/>
+                </a:solidFill>
+                <a:latin typeface="Helvetica Neue"/>
+              </a:rPr>
+              <a:t>10. </a:t>
+            </a:r>
+            <a:r>
+              <a:rPr lang="es-CO" b="1" i="1" dirty="0" err="1" smtClean="0">
+                <a:solidFill>
+                  <a:srgbClr val="333333"/>
+                </a:solidFill>
+                <a:latin typeface="Helvetica Neue"/>
+              </a:rPr>
+              <a:t>colnames</a:t>
+            </a:r>
+            <a:r>
+              <a:rPr lang="es-CO" b="1" i="1" dirty="0">
+                <a:solidFill>
+                  <a:srgbClr val="333333"/>
+                </a:solidFill>
+                <a:latin typeface="Helvetica Neue"/>
+              </a:rPr>
+              <a:t>()</a:t>
+            </a:r>
+            <a:r>
+              <a:rPr lang="es-CO" dirty="0">
+                <a:solidFill>
+                  <a:srgbClr val="333333"/>
+                </a:solidFill>
+                <a:latin typeface="Helvetica Neue"/>
+              </a:rPr>
+              <a:t>: Permite ingresar los nombres de las columnas de una matriz.</a:t>
+            </a:r>
+            <a:endParaRPr lang="es-CO" b="0" i="0" dirty="0">
+              <a:solidFill>
+                <a:srgbClr val="333333"/>
+              </a:solidFill>
+              <a:effectLst/>
+              <a:latin typeface="Helvetica Neue"/>
+            </a:endParaRPr>
+          </a:p>
+        </p:txBody>
+      </p:sp>
+      <p:sp>
+        <p:nvSpPr>
+          <p:cNvPr id="12" name="Rectángulo 11"/>
+          <p:cNvSpPr/>
+          <p:nvPr/>
+        </p:nvSpPr>
+        <p:spPr>
+          <a:xfrm>
+            <a:off x="6099651" y="1280895"/>
+            <a:ext cx="3534942" cy="523220"/>
+          </a:xfrm>
+          <a:prstGeom prst="rect">
+            <a:avLst/>
+          </a:prstGeom>
+        </p:spPr>
+        <p:txBody>
+          <a:bodyPr wrap="none">
+            <a:spAutoFit/>
+          </a:bodyPr>
+          <a:lstStyle/>
+          <a:p>
+            <a:r>
+              <a:rPr lang="es-CO" sz="2800" b="1" dirty="0" err="1" smtClean="0">
+                <a:solidFill>
+                  <a:srgbClr val="333333"/>
+                </a:solidFill>
+                <a:latin typeface="Helvetica Neue"/>
+              </a:rPr>
+              <a:t>Nombre_Función</a:t>
+            </a:r>
+            <a:r>
+              <a:rPr lang="es-CO" altLang="es-CO" sz="2800" dirty="0" smtClean="0">
+                <a:solidFill>
+                  <a:srgbClr val="902000"/>
+                </a:solidFill>
+                <a:latin typeface="Consolas" panose="020B0609020204030204" pitchFamily="49" charset="0"/>
+              </a:rPr>
+              <a:t>()</a:t>
+            </a:r>
+            <a:endParaRPr lang="es-CO" sz="2800" dirty="0"/>
+          </a:p>
+        </p:txBody>
+      </p:sp>
+    </p:spTree>
+    <p:extLst>
+      <p:ext uri="{BB962C8B-B14F-4D97-AF65-F5344CB8AC3E}">
+        <p14:creationId xmlns:p14="http://schemas.microsoft.com/office/powerpoint/2010/main" val="2984493981"/>
+      </p:ext>
+    </p:extLst>
+  </p:cSld>
+  <p:clrMapOvr>
+    <a:masterClrMapping/>
+  </p:clrMapOvr>
+  <p:timing>
+    <p:tnLst>
+      <p:par>
+        <p:cTn id="1" dur="indefinite" restart="never" nodeType="tmRoot"/>
+      </p:par>
+    </p:tnLst>
+  </p:timing>
+</p:sld>
+</file>
+
+<file path=ppt/slides/slide27.xml><?xml version="1.0" encoding="utf-8"?>
+<p:sld xmlns:a="http://schemas.openxmlformats.org/drawingml/2006/main" xmlns:r="http://schemas.openxmlformats.org/officeDocument/2006/relationships" xmlns:p="http://schemas.openxmlformats.org/presentationml/2006/main">
+  <p:cSld>
+    <p:spTree>
+      <p:nvGrpSpPr>
+        <p:cNvPr id="1" name=""/>
+        <p:cNvGrpSpPr/>
+        <p:nvPr/>
+      </p:nvGrpSpPr>
+      <p:grpSpPr>
+        <a:xfrm>
+          <a:off x="0" y="0"/>
+          <a:ext cx="0" cy="0"/>
+          <a:chOff x="0" y="0"/>
+          <a:chExt cx="0" cy="0"/>
+        </a:xfrm>
+      </p:grpSpPr>
+      <p:pic>
+        <p:nvPicPr>
+          <p:cNvPr id="1026" name="Picture 2" descr="https://ih0.redbubble.net/image.522698608.2413/flat,550x550,075,f.u4.jpg"/>
+          <p:cNvPicPr>
+            <a:picLocks noChangeAspect="1" noChangeArrowheads="1"/>
+          </p:cNvPicPr>
+          <p:nvPr/>
+        </p:nvPicPr>
+        <p:blipFill>
+          <a:blip r:embed="rId2" cstate="print">
+            <a:extLst>
+              <a:ext uri="{28A0092B-C50C-407E-A947-70E740481C1C}">
+                <a14:useLocalDpi xmlns:a14="http://schemas.microsoft.com/office/drawing/2010/main" val="0"/>
+              </a:ext>
+            </a:extLst>
+          </a:blip>
+          <a:srcRect/>
+          <a:stretch>
+            <a:fillRect/>
+          </a:stretch>
+        </p:blipFill>
+        <p:spPr bwMode="auto">
+          <a:xfrm>
+            <a:off x="11294629" y="247472"/>
+            <a:ext cx="655187" cy="756458"/>
+          </a:xfrm>
+          <a:prstGeom prst="rect">
+            <a:avLst/>
+          </a:prstGeom>
+          <a:noFill/>
+          <a:extLst>
+            <a:ext uri="{909E8E84-426E-40DD-AFC4-6F175D3DCCD1}">
+              <a14:hiddenFill xmlns:a14="http://schemas.microsoft.com/office/drawing/2010/main">
+                <a:solidFill>
+                  <a:srgbClr val="FFFFFF"/>
+                </a:solidFill>
+              </a14:hiddenFill>
+            </a:ext>
+          </a:extLst>
+        </p:spPr>
+      </p:pic>
+      <p:sp>
+        <p:nvSpPr>
+          <p:cNvPr id="2" name="Rectángulo 1"/>
+          <p:cNvSpPr/>
+          <p:nvPr/>
+        </p:nvSpPr>
+        <p:spPr>
+          <a:xfrm>
+            <a:off x="105476" y="6401750"/>
+            <a:ext cx="1473609" cy="307777"/>
+          </a:xfrm>
+          <a:prstGeom prst="rect">
+            <a:avLst/>
+          </a:prstGeom>
+        </p:spPr>
+        <p:txBody>
+          <a:bodyPr wrap="none">
+            <a:spAutoFit/>
+          </a:bodyPr>
+          <a:lstStyle/>
+          <a:p>
+            <a:r>
+              <a:rPr lang="es-CO" sz="1400" dirty="0" smtClean="0">
+                <a:solidFill>
+                  <a:schemeClr val="bg1">
+                    <a:lumMod val="65000"/>
+                  </a:schemeClr>
+                </a:solidFill>
+                <a:effectLst>
+                  <a:outerShdw blurRad="38100" dist="38100" dir="2700000" algn="tl">
+                    <a:srgbClr val="000000">
+                      <a:alpha val="43137"/>
+                    </a:srgbClr>
+                  </a:outerShdw>
+                </a:effectLst>
+              </a:rPr>
+              <a:t>Primer curso de R</a:t>
+            </a:r>
+            <a:endParaRPr lang="es-CO" sz="1400" dirty="0">
+              <a:solidFill>
+                <a:schemeClr val="bg1">
+                  <a:lumMod val="65000"/>
+                </a:schemeClr>
+              </a:solidFill>
+              <a:effectLst>
+                <a:outerShdw blurRad="38100" dist="38100" dir="2700000" algn="tl">
+                  <a:srgbClr val="000000">
+                    <a:alpha val="43137"/>
+                  </a:srgbClr>
+                </a:outerShdw>
+              </a:effectLst>
+            </a:endParaRPr>
+          </a:p>
+        </p:txBody>
+      </p:sp>
+      <p:sp>
+        <p:nvSpPr>
+          <p:cNvPr id="5" name="CuadroTexto 4"/>
+          <p:cNvSpPr txBox="1"/>
+          <p:nvPr/>
+        </p:nvSpPr>
+        <p:spPr>
+          <a:xfrm>
+            <a:off x="717054" y="911563"/>
+            <a:ext cx="5511338" cy="369332"/>
+          </a:xfrm>
+          <a:prstGeom prst="rect">
+            <a:avLst/>
+          </a:prstGeom>
+          <a:noFill/>
+        </p:spPr>
+        <p:txBody>
+          <a:bodyPr wrap="square" rtlCol="0">
+            <a:spAutoFit/>
+          </a:bodyPr>
+          <a:lstStyle/>
+          <a:p>
+            <a:r>
+              <a:rPr lang="es-CO" b="1" dirty="0" smtClean="0"/>
+              <a:t>MATRICES</a:t>
+            </a:r>
+            <a:r>
+              <a:rPr lang="es-CO" b="1" dirty="0" smtClean="0"/>
+              <a:t> </a:t>
+            </a:r>
+            <a:r>
+              <a:rPr lang="es-CO" b="1" dirty="0" smtClean="0"/>
+              <a:t>EN </a:t>
+            </a:r>
+            <a:r>
+              <a:rPr lang="es-CO" b="1" dirty="0" smtClean="0"/>
+              <a:t>R</a:t>
+            </a:r>
+            <a:endParaRPr lang="es-CO" b="1" dirty="0"/>
+          </a:p>
+        </p:txBody>
+      </p:sp>
+      <p:sp>
+        <p:nvSpPr>
+          <p:cNvPr id="6" name="Rectángulo 5"/>
+          <p:cNvSpPr/>
+          <p:nvPr/>
+        </p:nvSpPr>
+        <p:spPr>
+          <a:xfrm>
+            <a:off x="334669" y="1632576"/>
+            <a:ext cx="7038720" cy="369332"/>
+          </a:xfrm>
+          <a:prstGeom prst="rect">
+            <a:avLst/>
+          </a:prstGeom>
+        </p:spPr>
+        <p:txBody>
+          <a:bodyPr wrap="square">
+            <a:spAutoFit/>
+          </a:bodyPr>
+          <a:lstStyle/>
+          <a:p>
+            <a:r>
+              <a:rPr lang="es-CO" b="1" dirty="0" smtClean="0">
+                <a:solidFill>
+                  <a:srgbClr val="00B050"/>
+                </a:solidFill>
+              </a:rPr>
+              <a:t>FUNCIONES PARA GESTIONAR </a:t>
+            </a:r>
+            <a:r>
+              <a:rPr lang="es-CO" b="1" dirty="0" smtClean="0">
+                <a:solidFill>
+                  <a:srgbClr val="00B050"/>
+                </a:solidFill>
+              </a:rPr>
+              <a:t>MATRICES</a:t>
+            </a:r>
+          </a:p>
+        </p:txBody>
+      </p:sp>
+      <p:pic>
+        <p:nvPicPr>
+          <p:cNvPr id="3" name="Imagen 2"/>
+          <p:cNvPicPr>
+            <a:picLocks noChangeAspect="1"/>
+          </p:cNvPicPr>
+          <p:nvPr/>
+        </p:nvPicPr>
+        <p:blipFill>
+          <a:blip r:embed="rId3"/>
+          <a:stretch>
+            <a:fillRect/>
+          </a:stretch>
+        </p:blipFill>
+        <p:spPr>
+          <a:xfrm>
+            <a:off x="0" y="4890"/>
+            <a:ext cx="786433" cy="632221"/>
+          </a:xfrm>
+          <a:prstGeom prst="rect">
+            <a:avLst/>
+          </a:prstGeom>
+        </p:spPr>
+      </p:pic>
+      <p:sp>
+        <p:nvSpPr>
+          <p:cNvPr id="12" name="Rectángulo 11"/>
+          <p:cNvSpPr/>
+          <p:nvPr/>
+        </p:nvSpPr>
+        <p:spPr>
+          <a:xfrm>
+            <a:off x="567960" y="3940219"/>
+            <a:ext cx="8464177" cy="523220"/>
+          </a:xfrm>
+          <a:prstGeom prst="rect">
+            <a:avLst/>
+          </a:prstGeom>
+        </p:spPr>
+        <p:txBody>
+          <a:bodyPr wrap="none">
+            <a:spAutoFit/>
+          </a:bodyPr>
+          <a:lstStyle/>
+          <a:p>
+            <a:r>
+              <a:rPr lang="es-CO" sz="2800" b="1" dirty="0" err="1" smtClean="0">
+                <a:solidFill>
+                  <a:srgbClr val="333333"/>
+                </a:solidFill>
+                <a:latin typeface="Helvetica Neue"/>
+              </a:rPr>
+              <a:t>Nombre_Función</a:t>
+            </a:r>
+            <a:r>
+              <a:rPr lang="es-CO" altLang="es-CO" sz="2800" dirty="0" smtClean="0">
+                <a:solidFill>
+                  <a:srgbClr val="902000"/>
+                </a:solidFill>
+                <a:latin typeface="Consolas" panose="020B0609020204030204" pitchFamily="49" charset="0"/>
+              </a:rPr>
+              <a:t>(</a:t>
+            </a:r>
+            <a:r>
+              <a:rPr lang="es-CO" altLang="es-CO" sz="2800" dirty="0" err="1" smtClean="0">
+                <a:solidFill>
+                  <a:srgbClr val="902000"/>
+                </a:solidFill>
+                <a:latin typeface="Consolas" panose="020B0609020204030204" pitchFamily="49" charset="0"/>
+              </a:rPr>
+              <a:t>arg</a:t>
+            </a:r>
+            <a:r>
+              <a:rPr lang="es-CO" altLang="es-CO" sz="2800" dirty="0" smtClean="0">
+                <a:solidFill>
+                  <a:srgbClr val="902000"/>
+                </a:solidFill>
+                <a:latin typeface="Consolas" panose="020B0609020204030204" pitchFamily="49" charset="0"/>
+              </a:rPr>
+              <a:t> =, </a:t>
+            </a:r>
+            <a:r>
+              <a:rPr lang="es-CO" altLang="es-CO" sz="2800" dirty="0" err="1" smtClean="0">
+                <a:solidFill>
+                  <a:srgbClr val="902000"/>
+                </a:solidFill>
+                <a:latin typeface="Consolas" panose="020B0609020204030204" pitchFamily="49" charset="0"/>
+              </a:rPr>
+              <a:t>arg</a:t>
+            </a:r>
+            <a:r>
+              <a:rPr lang="es-CO" altLang="es-CO" sz="2800" dirty="0" smtClean="0">
+                <a:solidFill>
+                  <a:srgbClr val="902000"/>
+                </a:solidFill>
+                <a:latin typeface="Consolas" panose="020B0609020204030204" pitchFamily="49" charset="0"/>
+              </a:rPr>
+              <a:t>=, </a:t>
+            </a:r>
+            <a:r>
+              <a:rPr lang="es-CO" altLang="es-CO" sz="2800" dirty="0" err="1" smtClean="0">
+                <a:solidFill>
+                  <a:srgbClr val="902000"/>
+                </a:solidFill>
+                <a:latin typeface="Consolas" panose="020B0609020204030204" pitchFamily="49" charset="0"/>
+              </a:rPr>
+              <a:t>arg</a:t>
+            </a:r>
+            <a:r>
+              <a:rPr lang="es-CO" altLang="es-CO" sz="2800" dirty="0" smtClean="0">
+                <a:solidFill>
+                  <a:srgbClr val="902000"/>
+                </a:solidFill>
+                <a:latin typeface="Consolas" panose="020B0609020204030204" pitchFamily="49" charset="0"/>
+              </a:rPr>
+              <a:t>=</a:t>
+            </a:r>
+            <a:r>
+              <a:rPr lang="es-CO" altLang="es-CO" sz="2800" dirty="0" smtClean="0">
+                <a:solidFill>
+                  <a:srgbClr val="00B050"/>
+                </a:solidFill>
+                <a:latin typeface="Consolas" panose="020B0609020204030204" pitchFamily="49" charset="0"/>
+              </a:rPr>
+              <a:t>TRUE, …</a:t>
+            </a:r>
+            <a:r>
+              <a:rPr lang="es-CO" altLang="es-CO" sz="2800" dirty="0" smtClean="0">
+                <a:solidFill>
+                  <a:srgbClr val="902000"/>
+                </a:solidFill>
+                <a:latin typeface="Consolas" panose="020B0609020204030204" pitchFamily="49" charset="0"/>
+              </a:rPr>
+              <a:t>)</a:t>
+            </a:r>
+            <a:endParaRPr lang="es-CO" sz="2800" dirty="0"/>
+          </a:p>
+        </p:txBody>
+      </p:sp>
+      <p:cxnSp>
+        <p:nvCxnSpPr>
+          <p:cNvPr id="8" name="Conector angular 7"/>
+          <p:cNvCxnSpPr/>
+          <p:nvPr/>
+        </p:nvCxnSpPr>
+        <p:spPr>
+          <a:xfrm flipV="1">
+            <a:off x="5272428" y="2478709"/>
+            <a:ext cx="1911927" cy="1480993"/>
+          </a:xfrm>
+          <a:prstGeom prst="bentConnector3">
+            <a:avLst>
+              <a:gd name="adj1" fmla="val 870"/>
+            </a:avLst>
+          </a:prstGeom>
+          <a:ln>
+            <a:tailEnd type="triangle"/>
+          </a:ln>
+        </p:spPr>
+        <p:style>
+          <a:lnRef idx="1">
+            <a:schemeClr val="accent1"/>
+          </a:lnRef>
+          <a:fillRef idx="0">
+            <a:schemeClr val="accent1"/>
+          </a:fillRef>
+          <a:effectRef idx="0">
+            <a:schemeClr val="accent1"/>
+          </a:effectRef>
+          <a:fontRef idx="minor">
+            <a:schemeClr val="tx1"/>
+          </a:fontRef>
+        </p:style>
+      </p:cxnSp>
+      <p:sp>
+        <p:nvSpPr>
+          <p:cNvPr id="10" name="CuadroTexto 9"/>
+          <p:cNvSpPr txBox="1"/>
+          <p:nvPr/>
+        </p:nvSpPr>
+        <p:spPr>
+          <a:xfrm>
+            <a:off x="7373389" y="2074043"/>
+            <a:ext cx="1874261" cy="923330"/>
+          </a:xfrm>
+          <a:prstGeom prst="rect">
+            <a:avLst/>
+          </a:prstGeom>
+          <a:noFill/>
+        </p:spPr>
+        <p:txBody>
+          <a:bodyPr wrap="square" rtlCol="0">
+            <a:spAutoFit/>
+          </a:bodyPr>
+          <a:lstStyle/>
+          <a:p>
+            <a:pPr algn="just"/>
+            <a:r>
+              <a:rPr lang="es-CO" dirty="0" smtClean="0"/>
+              <a:t>Definidos por el usuario o por defecto</a:t>
+            </a:r>
+            <a:endParaRPr lang="es-CO" dirty="0"/>
+          </a:p>
+        </p:txBody>
+      </p:sp>
+    </p:spTree>
+    <p:extLst>
+      <p:ext uri="{BB962C8B-B14F-4D97-AF65-F5344CB8AC3E}">
+        <p14:creationId xmlns:p14="http://schemas.microsoft.com/office/powerpoint/2010/main" val="341404879"/>
+      </p:ext>
+    </p:extLst>
+  </p:cSld>
+  <p:clrMapOvr>
+    <a:masterClrMapping/>
+  </p:clrMapOvr>
+  <p:timing>
+    <p:tnLst>
+      <p:par>
+        <p:cTn id="1" dur="indefinite" restart="never" nodeType="tmRoot"/>
+      </p:par>
+    </p:tnLst>
+  </p:timing>
+</p:sld>
+</file>
+
 <file path=ppt/slides/slide3.xml><?xml version="1.0" encoding="utf-8"?>
 <p:sld xmlns:a="http://schemas.openxmlformats.org/drawingml/2006/main" xmlns:r="http://schemas.openxmlformats.org/officeDocument/2006/relationships" xmlns:p="http://schemas.openxmlformats.org/presentationml/2006/main">
   <p:cSld>
